--- a/1 流程/1 整体流程.pptx
+++ b/1 流程/1 整体流程.pptx
@@ -261,7 +261,7 @@
           <a:p>
             <a:fld id="{1095B425-02BF-471E-A664-AA364C1372E9}" type="datetimeFigureOut">
               <a:rPr lang="zh-CN" altLang="en-US" smtClean="0"/>
-              <a:t>2022/3/8</a:t>
+              <a:t>2022/3/10</a:t>
             </a:fld>
             <a:endParaRPr lang="zh-CN" altLang="en-US"/>
           </a:p>
@@ -459,7 +459,7 @@
           <a:p>
             <a:fld id="{1095B425-02BF-471E-A664-AA364C1372E9}" type="datetimeFigureOut">
               <a:rPr lang="zh-CN" altLang="en-US" smtClean="0"/>
-              <a:t>2022/3/8</a:t>
+              <a:t>2022/3/10</a:t>
             </a:fld>
             <a:endParaRPr lang="zh-CN" altLang="en-US"/>
           </a:p>
@@ -667,7 +667,7 @@
           <a:p>
             <a:fld id="{1095B425-02BF-471E-A664-AA364C1372E9}" type="datetimeFigureOut">
               <a:rPr lang="zh-CN" altLang="en-US" smtClean="0"/>
-              <a:t>2022/3/8</a:t>
+              <a:t>2022/3/10</a:t>
             </a:fld>
             <a:endParaRPr lang="zh-CN" altLang="en-US"/>
           </a:p>
@@ -865,7 +865,7 @@
           <a:p>
             <a:fld id="{1095B425-02BF-471E-A664-AA364C1372E9}" type="datetimeFigureOut">
               <a:rPr lang="zh-CN" altLang="en-US" smtClean="0"/>
-              <a:t>2022/3/8</a:t>
+              <a:t>2022/3/10</a:t>
             </a:fld>
             <a:endParaRPr lang="zh-CN" altLang="en-US"/>
           </a:p>
@@ -1140,7 +1140,7 @@
           <a:p>
             <a:fld id="{1095B425-02BF-471E-A664-AA364C1372E9}" type="datetimeFigureOut">
               <a:rPr lang="zh-CN" altLang="en-US" smtClean="0"/>
-              <a:t>2022/3/8</a:t>
+              <a:t>2022/3/10</a:t>
             </a:fld>
             <a:endParaRPr lang="zh-CN" altLang="en-US"/>
           </a:p>
@@ -1405,7 +1405,7 @@
           <a:p>
             <a:fld id="{1095B425-02BF-471E-A664-AA364C1372E9}" type="datetimeFigureOut">
               <a:rPr lang="zh-CN" altLang="en-US" smtClean="0"/>
-              <a:t>2022/3/8</a:t>
+              <a:t>2022/3/10</a:t>
             </a:fld>
             <a:endParaRPr lang="zh-CN" altLang="en-US"/>
           </a:p>
@@ -1817,7 +1817,7 @@
           <a:p>
             <a:fld id="{1095B425-02BF-471E-A664-AA364C1372E9}" type="datetimeFigureOut">
               <a:rPr lang="zh-CN" altLang="en-US" smtClean="0"/>
-              <a:t>2022/3/8</a:t>
+              <a:t>2022/3/10</a:t>
             </a:fld>
             <a:endParaRPr lang="zh-CN" altLang="en-US"/>
           </a:p>
@@ -1958,7 +1958,7 @@
           <a:p>
             <a:fld id="{1095B425-02BF-471E-A664-AA364C1372E9}" type="datetimeFigureOut">
               <a:rPr lang="zh-CN" altLang="en-US" smtClean="0"/>
-              <a:t>2022/3/8</a:t>
+              <a:t>2022/3/10</a:t>
             </a:fld>
             <a:endParaRPr lang="zh-CN" altLang="en-US"/>
           </a:p>
@@ -2071,7 +2071,7 @@
           <a:p>
             <a:fld id="{1095B425-02BF-471E-A664-AA364C1372E9}" type="datetimeFigureOut">
               <a:rPr lang="zh-CN" altLang="en-US" smtClean="0"/>
-              <a:t>2022/3/8</a:t>
+              <a:t>2022/3/10</a:t>
             </a:fld>
             <a:endParaRPr lang="zh-CN" altLang="en-US"/>
           </a:p>
@@ -2382,7 +2382,7 @@
           <a:p>
             <a:fld id="{1095B425-02BF-471E-A664-AA364C1372E9}" type="datetimeFigureOut">
               <a:rPr lang="zh-CN" altLang="en-US" smtClean="0"/>
-              <a:t>2022/3/8</a:t>
+              <a:t>2022/3/10</a:t>
             </a:fld>
             <a:endParaRPr lang="zh-CN" altLang="en-US"/>
           </a:p>
@@ -2670,7 +2670,7 @@
           <a:p>
             <a:fld id="{1095B425-02BF-471E-A664-AA364C1372E9}" type="datetimeFigureOut">
               <a:rPr lang="zh-CN" altLang="en-US" smtClean="0"/>
-              <a:t>2022/3/8</a:t>
+              <a:t>2022/3/10</a:t>
             </a:fld>
             <a:endParaRPr lang="zh-CN" altLang="en-US"/>
           </a:p>
@@ -2911,7 +2911,7 @@
           <a:p>
             <a:fld id="{1095B425-02BF-471E-A664-AA364C1372E9}" type="datetimeFigureOut">
               <a:rPr lang="zh-CN" altLang="en-US" smtClean="0"/>
-              <a:t>2022/3/8</a:t>
+              <a:t>2022/3/10</a:t>
             </a:fld>
             <a:endParaRPr lang="zh-CN" altLang="en-US"/>
           </a:p>
@@ -3343,7 +3343,7 @@
         <p:spPr>
           <a:xfrm>
             <a:off x="311430" y="188459"/>
-            <a:ext cx="1415772" cy="461665"/>
+            <a:ext cx="1832553" cy="461665"/>
           </a:xfrm>
           <a:prstGeom prst="rect">
             <a:avLst/>
@@ -3358,8 +3358,13 @@
           <a:p>
             <a:r>
               <a:rPr lang="zh-CN" altLang="en-US" sz="2400" dirty="0"/>
-              <a:t>推荐顺序</a:t>
-            </a:r>
+              <a:t>推荐顺序 </a:t>
+            </a:r>
+            <a:r>
+              <a:rPr lang="en-US" altLang="zh-CN" sz="2400" dirty="0"/>
+              <a:t>P1</a:t>
+            </a:r>
+            <a:endParaRPr lang="zh-CN" altLang="en-US" sz="2400" dirty="0"/>
           </a:p>
         </p:txBody>
       </p:sp>
@@ -4166,6 +4171,314 @@
           </a:p>
         </p:txBody>
       </p:sp>
+      <p:cxnSp>
+        <p:nvCxnSpPr>
+          <p:cNvPr id="3" name="直接箭头连接符 2">
+            <a:extLst>
+              <a:ext uri="{FF2B5EF4-FFF2-40B4-BE49-F238E27FC236}">
+                <a16:creationId xmlns:a16="http://schemas.microsoft.com/office/drawing/2014/main" id="{C690479B-7463-4439-AD65-90F5C69B81BF}"/>
+              </a:ext>
+            </a:extLst>
+          </p:cNvPr>
+          <p:cNvCxnSpPr>
+            <a:stCxn id="14" idx="3"/>
+            <a:endCxn id="15" idx="1"/>
+          </p:cNvCxnSpPr>
+          <p:nvPr/>
+        </p:nvCxnSpPr>
+        <p:spPr>
+          <a:xfrm>
+            <a:off x="4058292" y="1687813"/>
+            <a:ext cx="400692" cy="0"/>
+          </a:xfrm>
+          <a:prstGeom prst="straightConnector1">
+            <a:avLst/>
+          </a:prstGeom>
+          <a:ln w="28575">
+            <a:solidFill>
+              <a:schemeClr val="tx1"/>
+            </a:solidFill>
+            <a:tailEnd type="triangle"/>
+          </a:ln>
+        </p:spPr>
+        <p:style>
+          <a:lnRef idx="1">
+            <a:schemeClr val="accent1"/>
+          </a:lnRef>
+          <a:fillRef idx="0">
+            <a:schemeClr val="accent1"/>
+          </a:fillRef>
+          <a:effectRef idx="0">
+            <a:schemeClr val="accent1"/>
+          </a:effectRef>
+          <a:fontRef idx="minor">
+            <a:schemeClr val="tx1"/>
+          </a:fontRef>
+        </p:style>
+      </p:cxnSp>
+      <p:cxnSp>
+        <p:nvCxnSpPr>
+          <p:cNvPr id="24" name="直接箭头连接符 23">
+            <a:extLst>
+              <a:ext uri="{FF2B5EF4-FFF2-40B4-BE49-F238E27FC236}">
+                <a16:creationId xmlns:a16="http://schemas.microsoft.com/office/drawing/2014/main" id="{3D3E01F3-7F09-4E95-8919-8B71DE2655E5}"/>
+              </a:ext>
+            </a:extLst>
+          </p:cNvPr>
+          <p:cNvCxnSpPr>
+            <a:stCxn id="15" idx="3"/>
+            <a:endCxn id="16" idx="1"/>
+          </p:cNvCxnSpPr>
+          <p:nvPr/>
+        </p:nvCxnSpPr>
+        <p:spPr>
+          <a:xfrm>
+            <a:off x="6010382" y="1687813"/>
+            <a:ext cx="400692" cy="0"/>
+          </a:xfrm>
+          <a:prstGeom prst="straightConnector1">
+            <a:avLst/>
+          </a:prstGeom>
+          <a:ln w="28575">
+            <a:solidFill>
+              <a:schemeClr val="tx1"/>
+            </a:solidFill>
+            <a:tailEnd type="triangle"/>
+          </a:ln>
+        </p:spPr>
+        <p:style>
+          <a:lnRef idx="1">
+            <a:schemeClr val="accent1"/>
+          </a:lnRef>
+          <a:fillRef idx="0">
+            <a:schemeClr val="accent1"/>
+          </a:fillRef>
+          <a:effectRef idx="0">
+            <a:schemeClr val="accent1"/>
+          </a:effectRef>
+          <a:fontRef idx="minor">
+            <a:schemeClr val="tx1"/>
+          </a:fontRef>
+        </p:style>
+      </p:cxnSp>
+      <p:cxnSp>
+        <p:nvCxnSpPr>
+          <p:cNvPr id="26" name="直接箭头连接符 25">
+            <a:extLst>
+              <a:ext uri="{FF2B5EF4-FFF2-40B4-BE49-F238E27FC236}">
+                <a16:creationId xmlns:a16="http://schemas.microsoft.com/office/drawing/2014/main" id="{4AFB848E-BFB1-48E0-ADEE-1410F4B9BBBD}"/>
+              </a:ext>
+            </a:extLst>
+          </p:cNvPr>
+          <p:cNvCxnSpPr>
+            <a:stCxn id="16" idx="3"/>
+            <a:endCxn id="17" idx="1"/>
+          </p:cNvCxnSpPr>
+          <p:nvPr/>
+        </p:nvCxnSpPr>
+        <p:spPr>
+          <a:xfrm>
+            <a:off x="7962472" y="1687813"/>
+            <a:ext cx="400692" cy="0"/>
+          </a:xfrm>
+          <a:prstGeom prst="straightConnector1">
+            <a:avLst/>
+          </a:prstGeom>
+          <a:ln w="28575">
+            <a:solidFill>
+              <a:schemeClr val="tx1"/>
+            </a:solidFill>
+            <a:tailEnd type="triangle"/>
+          </a:ln>
+        </p:spPr>
+        <p:style>
+          <a:lnRef idx="1">
+            <a:schemeClr val="accent1"/>
+          </a:lnRef>
+          <a:fillRef idx="0">
+            <a:schemeClr val="accent1"/>
+          </a:fillRef>
+          <a:effectRef idx="0">
+            <a:schemeClr val="accent1"/>
+          </a:effectRef>
+          <a:fontRef idx="minor">
+            <a:schemeClr val="tx1"/>
+          </a:fontRef>
+        </p:style>
+      </p:cxnSp>
+      <p:cxnSp>
+        <p:nvCxnSpPr>
+          <p:cNvPr id="28" name="直接箭头连接符 27">
+            <a:extLst>
+              <a:ext uri="{FF2B5EF4-FFF2-40B4-BE49-F238E27FC236}">
+                <a16:creationId xmlns:a16="http://schemas.microsoft.com/office/drawing/2014/main" id="{8F614E40-1E6B-43E4-9A5C-0BBD22219861}"/>
+              </a:ext>
+            </a:extLst>
+          </p:cNvPr>
+          <p:cNvCxnSpPr>
+            <a:stCxn id="17" idx="3"/>
+            <a:endCxn id="18" idx="1"/>
+          </p:cNvCxnSpPr>
+          <p:nvPr/>
+        </p:nvCxnSpPr>
+        <p:spPr>
+          <a:xfrm>
+            <a:off x="9914562" y="1687813"/>
+            <a:ext cx="400692" cy="0"/>
+          </a:xfrm>
+          <a:prstGeom prst="straightConnector1">
+            <a:avLst/>
+          </a:prstGeom>
+          <a:ln w="28575">
+            <a:solidFill>
+              <a:schemeClr val="tx1"/>
+            </a:solidFill>
+            <a:tailEnd type="triangle"/>
+          </a:ln>
+        </p:spPr>
+        <p:style>
+          <a:lnRef idx="1">
+            <a:schemeClr val="accent1"/>
+          </a:lnRef>
+          <a:fillRef idx="0">
+            <a:schemeClr val="accent1"/>
+          </a:fillRef>
+          <a:effectRef idx="0">
+            <a:schemeClr val="accent1"/>
+          </a:effectRef>
+          <a:fontRef idx="minor">
+            <a:schemeClr val="tx1"/>
+          </a:fontRef>
+        </p:style>
+      </p:cxnSp>
+      <p:cxnSp>
+        <p:nvCxnSpPr>
+          <p:cNvPr id="30" name="直接箭头连接符 29">
+            <a:extLst>
+              <a:ext uri="{FF2B5EF4-FFF2-40B4-BE49-F238E27FC236}">
+                <a16:creationId xmlns:a16="http://schemas.microsoft.com/office/drawing/2014/main" id="{0767579C-84CD-4699-A139-EBC27AAE39AA}"/>
+              </a:ext>
+            </a:extLst>
+          </p:cNvPr>
+          <p:cNvCxnSpPr>
+            <a:stCxn id="13" idx="3"/>
+          </p:cNvCxnSpPr>
+          <p:nvPr/>
+        </p:nvCxnSpPr>
+        <p:spPr>
+          <a:xfrm flipV="1">
+            <a:off x="7962472" y="729465"/>
+            <a:ext cx="3904180" cy="11642"/>
+          </a:xfrm>
+          <a:prstGeom prst="straightConnector1">
+            <a:avLst/>
+          </a:prstGeom>
+          <a:ln w="28575">
+            <a:solidFill>
+              <a:schemeClr val="tx1"/>
+            </a:solidFill>
+            <a:tailEnd type="triangle"/>
+          </a:ln>
+        </p:spPr>
+        <p:style>
+          <a:lnRef idx="1">
+            <a:schemeClr val="accent1"/>
+          </a:lnRef>
+          <a:fillRef idx="0">
+            <a:schemeClr val="accent1"/>
+          </a:fillRef>
+          <a:effectRef idx="0">
+            <a:schemeClr val="accent1"/>
+          </a:effectRef>
+          <a:fontRef idx="minor">
+            <a:schemeClr val="tx1"/>
+          </a:fontRef>
+        </p:style>
+      </p:cxnSp>
+      <p:cxnSp>
+        <p:nvCxnSpPr>
+          <p:cNvPr id="32" name="直接连接符 31">
+            <a:extLst>
+              <a:ext uri="{FF2B5EF4-FFF2-40B4-BE49-F238E27FC236}">
+                <a16:creationId xmlns:a16="http://schemas.microsoft.com/office/drawing/2014/main" id="{7F5C1A4F-622A-41B2-B968-D799A19188F9}"/>
+              </a:ext>
+            </a:extLst>
+          </p:cNvPr>
+          <p:cNvCxnSpPr/>
+          <p:nvPr/>
+        </p:nvCxnSpPr>
+        <p:spPr>
+          <a:xfrm flipH="1">
+            <a:off x="2589088" y="998366"/>
+            <a:ext cx="3821986" cy="432188"/>
+          </a:xfrm>
+          <a:prstGeom prst="line">
+            <a:avLst/>
+          </a:prstGeom>
+          <a:ln w="28575">
+            <a:solidFill>
+              <a:schemeClr val="tx1"/>
+            </a:solidFill>
+            <a:prstDash val="dash"/>
+          </a:ln>
+        </p:spPr>
+        <p:style>
+          <a:lnRef idx="1">
+            <a:schemeClr val="accent1"/>
+          </a:lnRef>
+          <a:fillRef idx="0">
+            <a:schemeClr val="accent1"/>
+          </a:fillRef>
+          <a:effectRef idx="0">
+            <a:schemeClr val="accent1"/>
+          </a:effectRef>
+          <a:fontRef idx="minor">
+            <a:schemeClr val="tx1"/>
+          </a:fontRef>
+        </p:style>
+      </p:cxnSp>
+      <p:cxnSp>
+        <p:nvCxnSpPr>
+          <p:cNvPr id="34" name="直接连接符 33">
+            <a:extLst>
+              <a:ext uri="{FF2B5EF4-FFF2-40B4-BE49-F238E27FC236}">
+                <a16:creationId xmlns:a16="http://schemas.microsoft.com/office/drawing/2014/main" id="{886C2219-0723-4099-A946-A530D5AB23CB}"/>
+              </a:ext>
+            </a:extLst>
+          </p:cNvPr>
+          <p:cNvCxnSpPr/>
+          <p:nvPr/>
+        </p:nvCxnSpPr>
+        <p:spPr>
+          <a:xfrm>
+            <a:off x="7962472" y="998366"/>
+            <a:ext cx="3904180" cy="432188"/>
+          </a:xfrm>
+          <a:prstGeom prst="line">
+            <a:avLst/>
+          </a:prstGeom>
+          <a:ln w="28575">
+            <a:solidFill>
+              <a:schemeClr val="tx1"/>
+            </a:solidFill>
+            <a:prstDash val="dash"/>
+          </a:ln>
+        </p:spPr>
+        <p:style>
+          <a:lnRef idx="1">
+            <a:schemeClr val="accent1"/>
+          </a:lnRef>
+          <a:fillRef idx="0">
+            <a:schemeClr val="accent1"/>
+          </a:fillRef>
+          <a:effectRef idx="0">
+            <a:schemeClr val="accent1"/>
+          </a:effectRef>
+          <a:fontRef idx="minor">
+            <a:schemeClr val="tx1"/>
+          </a:fontRef>
+        </p:style>
+      </p:cxnSp>
     </p:spTree>
     <p:extLst>
       <p:ext uri="{BB962C8B-B14F-4D97-AF65-F5344CB8AC3E}">
@@ -4211,7 +4524,7 @@
         <p:spPr>
           <a:xfrm>
             <a:off x="311430" y="188459"/>
-            <a:ext cx="1415772" cy="461665"/>
+            <a:ext cx="1832553" cy="461665"/>
           </a:xfrm>
           <a:prstGeom prst="rect">
             <a:avLst/>
@@ -4228,6 +4541,11 @@
               <a:rPr lang="zh-CN" altLang="en-US" sz="2400" dirty="0"/>
               <a:t>推荐顺序</a:t>
             </a:r>
+            <a:r>
+              <a:rPr lang="en-US" altLang="zh-CN" sz="2400" dirty="0"/>
+              <a:t> P2</a:t>
+            </a:r>
+            <a:endParaRPr lang="zh-CN" altLang="en-US" sz="2400" dirty="0"/>
           </a:p>
         </p:txBody>
       </p:sp>
@@ -5088,6 +5406,314 @@
           </a:p>
         </p:txBody>
       </p:sp>
+      <p:cxnSp>
+        <p:nvCxnSpPr>
+          <p:cNvPr id="3" name="直接箭头连接符 2">
+            <a:extLst>
+              <a:ext uri="{FF2B5EF4-FFF2-40B4-BE49-F238E27FC236}">
+                <a16:creationId xmlns:a16="http://schemas.microsoft.com/office/drawing/2014/main" id="{89E67A9A-6FF0-4E0F-BB55-947E434EFF8D}"/>
+              </a:ext>
+            </a:extLst>
+          </p:cNvPr>
+          <p:cNvCxnSpPr>
+            <a:cxnSpLocks/>
+            <a:endCxn id="13" idx="1"/>
+          </p:cNvCxnSpPr>
+          <p:nvPr/>
+        </p:nvCxnSpPr>
+        <p:spPr>
+          <a:xfrm>
+            <a:off x="2506894" y="741107"/>
+            <a:ext cx="2928135" cy="0"/>
+          </a:xfrm>
+          <a:prstGeom prst="straightConnector1">
+            <a:avLst/>
+          </a:prstGeom>
+          <a:ln w="28575">
+            <a:solidFill>
+              <a:schemeClr val="tx1"/>
+            </a:solidFill>
+            <a:tailEnd type="triangle"/>
+          </a:ln>
+        </p:spPr>
+        <p:style>
+          <a:lnRef idx="1">
+            <a:schemeClr val="accent1"/>
+          </a:lnRef>
+          <a:fillRef idx="0">
+            <a:schemeClr val="accent1"/>
+          </a:fillRef>
+          <a:effectRef idx="0">
+            <a:schemeClr val="accent1"/>
+          </a:effectRef>
+          <a:fontRef idx="minor">
+            <a:schemeClr val="tx1"/>
+          </a:fontRef>
+        </p:style>
+      </p:cxnSp>
+      <p:cxnSp>
+        <p:nvCxnSpPr>
+          <p:cNvPr id="28" name="直接箭头连接符 27">
+            <a:extLst>
+              <a:ext uri="{FF2B5EF4-FFF2-40B4-BE49-F238E27FC236}">
+                <a16:creationId xmlns:a16="http://schemas.microsoft.com/office/drawing/2014/main" id="{F106D7F2-6FA9-4D61-A9DD-0E0AB0547E79}"/>
+              </a:ext>
+            </a:extLst>
+          </p:cNvPr>
+          <p:cNvCxnSpPr>
+            <a:stCxn id="13" idx="3"/>
+          </p:cNvCxnSpPr>
+          <p:nvPr/>
+        </p:nvCxnSpPr>
+        <p:spPr>
+          <a:xfrm flipV="1">
+            <a:off x="6986427" y="739739"/>
+            <a:ext cx="3000054" cy="1368"/>
+          </a:xfrm>
+          <a:prstGeom prst="straightConnector1">
+            <a:avLst/>
+          </a:prstGeom>
+          <a:ln w="28575">
+            <a:solidFill>
+              <a:schemeClr val="tx1"/>
+            </a:solidFill>
+            <a:tailEnd type="triangle"/>
+          </a:ln>
+        </p:spPr>
+        <p:style>
+          <a:lnRef idx="1">
+            <a:schemeClr val="accent1"/>
+          </a:lnRef>
+          <a:fillRef idx="0">
+            <a:schemeClr val="accent1"/>
+          </a:fillRef>
+          <a:effectRef idx="0">
+            <a:schemeClr val="accent1"/>
+          </a:effectRef>
+          <a:fontRef idx="minor">
+            <a:schemeClr val="tx1"/>
+          </a:fontRef>
+        </p:style>
+      </p:cxnSp>
+      <p:cxnSp>
+        <p:nvCxnSpPr>
+          <p:cNvPr id="30" name="直接箭头连接符 29">
+            <a:extLst>
+              <a:ext uri="{FF2B5EF4-FFF2-40B4-BE49-F238E27FC236}">
+                <a16:creationId xmlns:a16="http://schemas.microsoft.com/office/drawing/2014/main" id="{35B5937E-77E7-4E4A-AEBE-2F58E209AABE}"/>
+              </a:ext>
+            </a:extLst>
+          </p:cNvPr>
+          <p:cNvCxnSpPr>
+            <a:stCxn id="14" idx="3"/>
+            <a:endCxn id="15" idx="1"/>
+          </p:cNvCxnSpPr>
+          <p:nvPr/>
+        </p:nvCxnSpPr>
+        <p:spPr>
+          <a:xfrm>
+            <a:off x="4058292" y="1687813"/>
+            <a:ext cx="400692" cy="0"/>
+          </a:xfrm>
+          <a:prstGeom prst="straightConnector1">
+            <a:avLst/>
+          </a:prstGeom>
+          <a:ln w="28575">
+            <a:solidFill>
+              <a:schemeClr val="tx1"/>
+            </a:solidFill>
+            <a:tailEnd type="triangle"/>
+          </a:ln>
+        </p:spPr>
+        <p:style>
+          <a:lnRef idx="1">
+            <a:schemeClr val="accent1"/>
+          </a:lnRef>
+          <a:fillRef idx="0">
+            <a:schemeClr val="accent1"/>
+          </a:fillRef>
+          <a:effectRef idx="0">
+            <a:schemeClr val="accent1"/>
+          </a:effectRef>
+          <a:fontRef idx="minor">
+            <a:schemeClr val="tx1"/>
+          </a:fontRef>
+        </p:style>
+      </p:cxnSp>
+      <p:cxnSp>
+        <p:nvCxnSpPr>
+          <p:cNvPr id="32" name="直接箭头连接符 31">
+            <a:extLst>
+              <a:ext uri="{FF2B5EF4-FFF2-40B4-BE49-F238E27FC236}">
+                <a16:creationId xmlns:a16="http://schemas.microsoft.com/office/drawing/2014/main" id="{FAD1D8F3-9D4D-453A-A61B-1D1527A48E10}"/>
+              </a:ext>
+            </a:extLst>
+          </p:cNvPr>
+          <p:cNvCxnSpPr>
+            <a:stCxn id="15" idx="3"/>
+            <a:endCxn id="16" idx="1"/>
+          </p:cNvCxnSpPr>
+          <p:nvPr/>
+        </p:nvCxnSpPr>
+        <p:spPr>
+          <a:xfrm>
+            <a:off x="6010382" y="1687813"/>
+            <a:ext cx="400692" cy="0"/>
+          </a:xfrm>
+          <a:prstGeom prst="straightConnector1">
+            <a:avLst/>
+          </a:prstGeom>
+          <a:ln w="28575">
+            <a:solidFill>
+              <a:schemeClr val="tx1"/>
+            </a:solidFill>
+            <a:tailEnd type="triangle"/>
+          </a:ln>
+        </p:spPr>
+        <p:style>
+          <a:lnRef idx="1">
+            <a:schemeClr val="accent1"/>
+          </a:lnRef>
+          <a:fillRef idx="0">
+            <a:schemeClr val="accent1"/>
+          </a:fillRef>
+          <a:effectRef idx="0">
+            <a:schemeClr val="accent1"/>
+          </a:effectRef>
+          <a:fontRef idx="minor">
+            <a:schemeClr val="tx1"/>
+          </a:fontRef>
+        </p:style>
+      </p:cxnSp>
+      <p:cxnSp>
+        <p:nvCxnSpPr>
+          <p:cNvPr id="34" name="直接箭头连接符 33">
+            <a:extLst>
+              <a:ext uri="{FF2B5EF4-FFF2-40B4-BE49-F238E27FC236}">
+                <a16:creationId xmlns:a16="http://schemas.microsoft.com/office/drawing/2014/main" id="{7CB9DEB4-50A5-4812-95B9-E601BE7638CB}"/>
+              </a:ext>
+            </a:extLst>
+          </p:cNvPr>
+          <p:cNvCxnSpPr>
+            <a:stCxn id="16" idx="3"/>
+            <a:endCxn id="17" idx="1"/>
+          </p:cNvCxnSpPr>
+          <p:nvPr/>
+        </p:nvCxnSpPr>
+        <p:spPr>
+          <a:xfrm>
+            <a:off x="7962472" y="1687813"/>
+            <a:ext cx="400692" cy="0"/>
+          </a:xfrm>
+          <a:prstGeom prst="straightConnector1">
+            <a:avLst/>
+          </a:prstGeom>
+          <a:ln w="28575">
+            <a:solidFill>
+              <a:schemeClr val="tx1"/>
+            </a:solidFill>
+            <a:tailEnd type="triangle"/>
+          </a:ln>
+        </p:spPr>
+        <p:style>
+          <a:lnRef idx="1">
+            <a:schemeClr val="accent1"/>
+          </a:lnRef>
+          <a:fillRef idx="0">
+            <a:schemeClr val="accent1"/>
+          </a:fillRef>
+          <a:effectRef idx="0">
+            <a:schemeClr val="accent1"/>
+          </a:effectRef>
+          <a:fontRef idx="minor">
+            <a:schemeClr val="tx1"/>
+          </a:fontRef>
+        </p:style>
+      </p:cxnSp>
+      <p:cxnSp>
+        <p:nvCxnSpPr>
+          <p:cNvPr id="36" name="直接连接符 35">
+            <a:extLst>
+              <a:ext uri="{FF2B5EF4-FFF2-40B4-BE49-F238E27FC236}">
+                <a16:creationId xmlns:a16="http://schemas.microsoft.com/office/drawing/2014/main" id="{C2063BEE-83FB-4CCB-BD79-8FD091A654F7}"/>
+              </a:ext>
+            </a:extLst>
+          </p:cNvPr>
+          <p:cNvCxnSpPr/>
+          <p:nvPr/>
+        </p:nvCxnSpPr>
+        <p:spPr>
+          <a:xfrm flipH="1">
+            <a:off x="2506894" y="998366"/>
+            <a:ext cx="2928135" cy="432188"/>
+          </a:xfrm>
+          <a:prstGeom prst="line">
+            <a:avLst/>
+          </a:prstGeom>
+          <a:ln w="28575">
+            <a:solidFill>
+              <a:schemeClr val="tx1"/>
+            </a:solidFill>
+            <a:prstDash val="dash"/>
+          </a:ln>
+        </p:spPr>
+        <p:style>
+          <a:lnRef idx="1">
+            <a:schemeClr val="accent1"/>
+          </a:lnRef>
+          <a:fillRef idx="0">
+            <a:schemeClr val="accent1"/>
+          </a:fillRef>
+          <a:effectRef idx="0">
+            <a:schemeClr val="accent1"/>
+          </a:effectRef>
+          <a:fontRef idx="minor">
+            <a:schemeClr val="tx1"/>
+          </a:fontRef>
+        </p:style>
+      </p:cxnSp>
+      <p:cxnSp>
+        <p:nvCxnSpPr>
+          <p:cNvPr id="38" name="直接连接符 37">
+            <a:extLst>
+              <a:ext uri="{FF2B5EF4-FFF2-40B4-BE49-F238E27FC236}">
+                <a16:creationId xmlns:a16="http://schemas.microsoft.com/office/drawing/2014/main" id="{C2EFC718-30A3-447A-B4DF-52C612BBF43F}"/>
+              </a:ext>
+            </a:extLst>
+          </p:cNvPr>
+          <p:cNvCxnSpPr/>
+          <p:nvPr/>
+        </p:nvCxnSpPr>
+        <p:spPr>
+          <a:xfrm>
+            <a:off x="6986427" y="998366"/>
+            <a:ext cx="2928135" cy="432188"/>
+          </a:xfrm>
+          <a:prstGeom prst="line">
+            <a:avLst/>
+          </a:prstGeom>
+          <a:ln w="28575">
+            <a:solidFill>
+              <a:schemeClr val="tx1"/>
+            </a:solidFill>
+            <a:prstDash val="dash"/>
+          </a:ln>
+        </p:spPr>
+        <p:style>
+          <a:lnRef idx="1">
+            <a:schemeClr val="accent1"/>
+          </a:lnRef>
+          <a:fillRef idx="0">
+            <a:schemeClr val="accent1"/>
+          </a:fillRef>
+          <a:effectRef idx="0">
+            <a:schemeClr val="accent1"/>
+          </a:effectRef>
+          <a:fontRef idx="minor">
+            <a:schemeClr val="tx1"/>
+          </a:fontRef>
+        </p:style>
+      </p:cxnSp>
     </p:spTree>
     <p:extLst>
       <p:ext uri="{BB962C8B-B14F-4D97-AF65-F5344CB8AC3E}">
@@ -5133,7 +5759,7 @@
         <p:spPr>
           <a:xfrm>
             <a:off x="311430" y="188459"/>
-            <a:ext cx="1415772" cy="461665"/>
+            <a:ext cx="1832553" cy="461665"/>
           </a:xfrm>
           <a:prstGeom prst="rect">
             <a:avLst/>
@@ -5148,8 +5774,13 @@
           <a:p>
             <a:r>
               <a:rPr lang="zh-CN" altLang="en-US" sz="2400" dirty="0"/>
-              <a:t>推荐顺序</a:t>
-            </a:r>
+              <a:t>推荐顺序 </a:t>
+            </a:r>
+            <a:r>
+              <a:rPr lang="en-US" altLang="zh-CN" sz="2400" dirty="0"/>
+              <a:t>P3</a:t>
+            </a:r>
+            <a:endParaRPr lang="zh-CN" altLang="en-US" sz="2400" dirty="0"/>
           </a:p>
         </p:txBody>
       </p:sp>
@@ -5447,7 +6078,7 @@
         </p:nvSpPr>
         <p:spPr>
           <a:xfrm>
-            <a:off x="6411074" y="483848"/>
+            <a:off x="3604749" y="483848"/>
             <a:ext cx="1551398" cy="514518"/>
           </a:xfrm>
           <a:prstGeom prst="rect">
@@ -5570,7 +6201,7 @@
         </p:nvSpPr>
         <p:spPr>
           <a:xfrm>
-            <a:off x="4458984" y="1430554"/>
+            <a:off x="10407278" y="1430554"/>
             <a:ext cx="1551398" cy="514518"/>
           </a:xfrm>
           <a:prstGeom prst="rect">
@@ -5629,7 +6260,7 @@
         </p:nvSpPr>
         <p:spPr>
           <a:xfrm>
-            <a:off x="6411074" y="1430554"/>
+            <a:off x="4504996" y="1430554"/>
             <a:ext cx="1551398" cy="514518"/>
           </a:xfrm>
           <a:prstGeom prst="rect">
@@ -5688,7 +6319,7 @@
         </p:nvSpPr>
         <p:spPr>
           <a:xfrm>
-            <a:off x="8363164" y="1430554"/>
+            <a:off x="6457086" y="1430554"/>
             <a:ext cx="1551398" cy="514518"/>
           </a:xfrm>
           <a:prstGeom prst="rect">
@@ -5747,7 +6378,7 @@
         </p:nvSpPr>
         <p:spPr>
           <a:xfrm>
-            <a:off x="10315254" y="1304818"/>
+            <a:off x="8409176" y="1304818"/>
             <a:ext cx="1551398" cy="765990"/>
           </a:xfrm>
           <a:prstGeom prst="rect">
@@ -5822,7 +6453,7 @@
         </p:nvSpPr>
         <p:spPr>
           <a:xfrm>
-            <a:off x="6286526" y="2164452"/>
+            <a:off x="4380448" y="2164452"/>
             <a:ext cx="2262158" cy="646331"/>
           </a:xfrm>
           <a:prstGeom prst="rect">
@@ -5865,7 +6496,7 @@
         </p:nvSpPr>
         <p:spPr>
           <a:xfrm>
-            <a:off x="8417036" y="4289988"/>
+            <a:off x="6510958" y="4289988"/>
             <a:ext cx="1338828" cy="369332"/>
           </a:xfrm>
           <a:prstGeom prst="rect">
@@ -5900,7 +6531,7 @@
         </p:nvSpPr>
         <p:spPr>
           <a:xfrm>
-            <a:off x="10208754" y="2302951"/>
+            <a:off x="8302676" y="2302951"/>
             <a:ext cx="1569660" cy="369332"/>
           </a:xfrm>
           <a:prstGeom prst="rect">
@@ -5936,7 +6567,7 @@
         </p:nvSpPr>
         <p:spPr>
           <a:xfrm>
-            <a:off x="10208754" y="4182771"/>
+            <a:off x="8302676" y="4182771"/>
             <a:ext cx="1569660" cy="646331"/>
           </a:xfrm>
           <a:prstGeom prst="rect">
@@ -5995,6 +6626,65 @@
             <a:r>
               <a:rPr lang="zh-CN" altLang="en-US" dirty="0"/>
               <a:t>开启消除癫火任务</a:t>
+            </a:r>
+          </a:p>
+        </p:txBody>
+      </p:sp>
+      <p:sp>
+        <p:nvSpPr>
+          <p:cNvPr id="25" name="矩形 24">
+            <a:extLst>
+              <a:ext uri="{FF2B5EF4-FFF2-40B4-BE49-F238E27FC236}">
+                <a16:creationId xmlns:a16="http://schemas.microsoft.com/office/drawing/2014/main" id="{F8FB1C4F-5724-4E6F-B278-1C6563E0B324}"/>
+              </a:ext>
+            </a:extLst>
+          </p:cNvPr>
+          <p:cNvSpPr/>
+          <p:nvPr/>
+        </p:nvSpPr>
+        <p:spPr>
+          <a:xfrm>
+            <a:off x="8409176" y="483848"/>
+            <a:ext cx="1551398" cy="514518"/>
+          </a:xfrm>
+          <a:prstGeom prst="rect">
+            <a:avLst/>
+          </a:prstGeom>
+          <a:noFill/>
+          <a:ln w="28575">
+            <a:solidFill>
+              <a:schemeClr val="tx1"/>
+            </a:solidFill>
+          </a:ln>
+        </p:spPr>
+        <p:style>
+          <a:lnRef idx="2">
+            <a:schemeClr val="accent1">
+              <a:shade val="50000"/>
+            </a:schemeClr>
+          </a:lnRef>
+          <a:fillRef idx="1">
+            <a:schemeClr val="accent1"/>
+          </a:fillRef>
+          <a:effectRef idx="0">
+            <a:schemeClr val="accent1"/>
+          </a:effectRef>
+          <a:fontRef idx="minor">
+            <a:schemeClr val="lt1"/>
+          </a:fontRef>
+        </p:style>
+        <p:txBody>
+          <a:bodyPr rtlCol="0" anchor="ctr"/>
+          <a:lstStyle/>
+          <a:p>
+            <a:pPr algn="ctr"/>
+            <a:r>
+              <a:rPr lang="zh-CN" altLang="en-US" dirty="0">
+                <a:solidFill>
+                  <a:sysClr val="windowText" lastClr="000000"/>
+                </a:solidFill>
+              </a:rPr>
+              <a:t>永恒之城</a:t>
             </a:r>
           </a:p>
         </p:txBody>

--- a/1 流程/1 整体流程.pptx
+++ b/1 流程/1 整体流程.pptx
@@ -8,6 +8,9 @@
     <p:sldId id="256" r:id="rId2"/>
     <p:sldId id="257" r:id="rId3"/>
     <p:sldId id="258" r:id="rId4"/>
+    <p:sldId id="259" r:id="rId5"/>
+    <p:sldId id="260" r:id="rId6"/>
+    <p:sldId id="261" r:id="rId7"/>
   </p:sldIdLst>
   <p:sldSz cx="12192000" cy="6858000"/>
   <p:notesSz cx="6858000" cy="9144000"/>
@@ -261,7 +264,7 @@
           <a:p>
             <a:fld id="{1095B425-02BF-471E-A664-AA364C1372E9}" type="datetimeFigureOut">
               <a:rPr lang="zh-CN" altLang="en-US" smtClean="0"/>
-              <a:t>2022/3/10</a:t>
+              <a:t>2022/3/23</a:t>
             </a:fld>
             <a:endParaRPr lang="zh-CN" altLang="en-US"/>
           </a:p>
@@ -459,7 +462,7 @@
           <a:p>
             <a:fld id="{1095B425-02BF-471E-A664-AA364C1372E9}" type="datetimeFigureOut">
               <a:rPr lang="zh-CN" altLang="en-US" smtClean="0"/>
-              <a:t>2022/3/10</a:t>
+              <a:t>2022/3/23</a:t>
             </a:fld>
             <a:endParaRPr lang="zh-CN" altLang="en-US"/>
           </a:p>
@@ -667,7 +670,7 @@
           <a:p>
             <a:fld id="{1095B425-02BF-471E-A664-AA364C1372E9}" type="datetimeFigureOut">
               <a:rPr lang="zh-CN" altLang="en-US" smtClean="0"/>
-              <a:t>2022/3/10</a:t>
+              <a:t>2022/3/23</a:t>
             </a:fld>
             <a:endParaRPr lang="zh-CN" altLang="en-US"/>
           </a:p>
@@ -865,7 +868,7 @@
           <a:p>
             <a:fld id="{1095B425-02BF-471E-A664-AA364C1372E9}" type="datetimeFigureOut">
               <a:rPr lang="zh-CN" altLang="en-US" smtClean="0"/>
-              <a:t>2022/3/10</a:t>
+              <a:t>2022/3/23</a:t>
             </a:fld>
             <a:endParaRPr lang="zh-CN" altLang="en-US"/>
           </a:p>
@@ -1140,7 +1143,7 @@
           <a:p>
             <a:fld id="{1095B425-02BF-471E-A664-AA364C1372E9}" type="datetimeFigureOut">
               <a:rPr lang="zh-CN" altLang="en-US" smtClean="0"/>
-              <a:t>2022/3/10</a:t>
+              <a:t>2022/3/23</a:t>
             </a:fld>
             <a:endParaRPr lang="zh-CN" altLang="en-US"/>
           </a:p>
@@ -1405,7 +1408,7 @@
           <a:p>
             <a:fld id="{1095B425-02BF-471E-A664-AA364C1372E9}" type="datetimeFigureOut">
               <a:rPr lang="zh-CN" altLang="en-US" smtClean="0"/>
-              <a:t>2022/3/10</a:t>
+              <a:t>2022/3/23</a:t>
             </a:fld>
             <a:endParaRPr lang="zh-CN" altLang="en-US"/>
           </a:p>
@@ -1817,7 +1820,7 @@
           <a:p>
             <a:fld id="{1095B425-02BF-471E-A664-AA364C1372E9}" type="datetimeFigureOut">
               <a:rPr lang="zh-CN" altLang="en-US" smtClean="0"/>
-              <a:t>2022/3/10</a:t>
+              <a:t>2022/3/23</a:t>
             </a:fld>
             <a:endParaRPr lang="zh-CN" altLang="en-US"/>
           </a:p>
@@ -1958,7 +1961,7 @@
           <a:p>
             <a:fld id="{1095B425-02BF-471E-A664-AA364C1372E9}" type="datetimeFigureOut">
               <a:rPr lang="zh-CN" altLang="en-US" smtClean="0"/>
-              <a:t>2022/3/10</a:t>
+              <a:t>2022/3/23</a:t>
             </a:fld>
             <a:endParaRPr lang="zh-CN" altLang="en-US"/>
           </a:p>
@@ -2071,7 +2074,7 @@
           <a:p>
             <a:fld id="{1095B425-02BF-471E-A664-AA364C1372E9}" type="datetimeFigureOut">
               <a:rPr lang="zh-CN" altLang="en-US" smtClean="0"/>
-              <a:t>2022/3/10</a:t>
+              <a:t>2022/3/23</a:t>
             </a:fld>
             <a:endParaRPr lang="zh-CN" altLang="en-US"/>
           </a:p>
@@ -2382,7 +2385,7 @@
           <a:p>
             <a:fld id="{1095B425-02BF-471E-A664-AA364C1372E9}" type="datetimeFigureOut">
               <a:rPr lang="zh-CN" altLang="en-US" smtClean="0"/>
-              <a:t>2022/3/10</a:t>
+              <a:t>2022/3/23</a:t>
             </a:fld>
             <a:endParaRPr lang="zh-CN" altLang="en-US"/>
           </a:p>
@@ -2670,7 +2673,7 @@
           <a:p>
             <a:fld id="{1095B425-02BF-471E-A664-AA364C1372E9}" type="datetimeFigureOut">
               <a:rPr lang="zh-CN" altLang="en-US" smtClean="0"/>
-              <a:t>2022/3/10</a:t>
+              <a:t>2022/3/23</a:t>
             </a:fld>
             <a:endParaRPr lang="zh-CN" altLang="en-US"/>
           </a:p>
@@ -2911,7 +2914,7 @@
           <a:p>
             <a:fld id="{1095B425-02BF-471E-A664-AA364C1372E9}" type="datetimeFigureOut">
               <a:rPr lang="zh-CN" altLang="en-US" smtClean="0"/>
-              <a:t>2022/3/10</a:t>
+              <a:t>2022/3/23</a:t>
             </a:fld>
             <a:endParaRPr lang="zh-CN" altLang="en-US"/>
           </a:p>
@@ -6189,10 +6192,10 @@
       </p:sp>
       <p:sp>
         <p:nvSpPr>
-          <p:cNvPr id="15" name="矩形 14">
-            <a:extLst>
-              <a:ext uri="{FF2B5EF4-FFF2-40B4-BE49-F238E27FC236}">
-                <a16:creationId xmlns:a16="http://schemas.microsoft.com/office/drawing/2014/main" id="{745193DA-363F-462C-AAD5-A16D0950EAB9}"/>
+          <p:cNvPr id="16" name="矩形 15">
+            <a:extLst>
+              <a:ext uri="{FF2B5EF4-FFF2-40B4-BE49-F238E27FC236}">
+                <a16:creationId xmlns:a16="http://schemas.microsoft.com/office/drawing/2014/main" id="{91B5AEFB-2BFE-4F53-884E-06B1032DCD33}"/>
               </a:ext>
             </a:extLst>
           </p:cNvPr>
@@ -6201,7 +6204,7 @@
         </p:nvSpPr>
         <p:spPr>
           <a:xfrm>
-            <a:off x="10407278" y="1430554"/>
+            <a:off x="4504996" y="1430554"/>
             <a:ext cx="1551398" cy="514518"/>
           </a:xfrm>
           <a:prstGeom prst="rect">
@@ -6241,17 +6244,17 @@
                   <a:sysClr val="windowText" lastClr="000000"/>
                 </a:solidFill>
               </a:rPr>
-              <a:t>龙墓</a:t>
-            </a:r>
-          </a:p>
-        </p:txBody>
-      </p:sp>
-      <p:sp>
-        <p:nvSpPr>
-          <p:cNvPr id="16" name="矩形 15">
-            <a:extLst>
-              <a:ext uri="{FF2B5EF4-FFF2-40B4-BE49-F238E27FC236}">
-                <a16:creationId xmlns:a16="http://schemas.microsoft.com/office/drawing/2014/main" id="{91B5AEFB-2BFE-4F53-884E-06B1032DCD33}"/>
+              <a:t>红狮子城</a:t>
+            </a:r>
+          </a:p>
+        </p:txBody>
+      </p:sp>
+      <p:sp>
+        <p:nvSpPr>
+          <p:cNvPr id="17" name="矩形 16">
+            <a:extLst>
+              <a:ext uri="{FF2B5EF4-FFF2-40B4-BE49-F238E27FC236}">
+                <a16:creationId xmlns:a16="http://schemas.microsoft.com/office/drawing/2014/main" id="{FC2AB27B-2085-4B3D-8868-4CE584BD8346}"/>
               </a:ext>
             </a:extLst>
           </p:cNvPr>
@@ -6260,8 +6263,8 @@
         </p:nvSpPr>
         <p:spPr>
           <a:xfrm>
-            <a:off x="4504996" y="1430554"/>
-            <a:ext cx="1551398" cy="514518"/>
+            <a:off x="6457086" y="1304818"/>
+            <a:ext cx="1551398" cy="765990"/>
           </a:xfrm>
           <a:prstGeom prst="rect">
             <a:avLst/>
@@ -6300,17 +6303,41 @@
                   <a:sysClr val="windowText" lastClr="000000"/>
                 </a:solidFill>
               </a:rPr>
-              <a:t>红狮子城</a:t>
-            </a:r>
-          </a:p>
-        </p:txBody>
-      </p:sp>
-      <p:sp>
-        <p:nvSpPr>
-          <p:cNvPr id="17" name="矩形 16">
-            <a:extLst>
-              <a:ext uri="{FF2B5EF4-FFF2-40B4-BE49-F238E27FC236}">
-                <a16:creationId xmlns:a16="http://schemas.microsoft.com/office/drawing/2014/main" id="{FC2AB27B-2085-4B3D-8868-4CE584BD8346}"/>
+              <a:t>永恒之城</a:t>
+            </a:r>
+            <a:endParaRPr lang="en-US" altLang="zh-CN" dirty="0">
+              <a:solidFill>
+                <a:sysClr val="windowText" lastClr="000000"/>
+              </a:solidFill>
+            </a:endParaRPr>
+          </a:p>
+          <a:p>
+            <a:pPr algn="ctr"/>
+            <a:r>
+              <a:rPr lang="en-US" altLang="zh-CN" dirty="0">
+                <a:solidFill>
+                  <a:sysClr val="windowText" lastClr="000000"/>
+                </a:solidFill>
+              </a:rPr>
+              <a:t>+</a:t>
+            </a:r>
+            <a:r>
+              <a:rPr lang="zh-CN" altLang="en-US" dirty="0">
+                <a:solidFill>
+                  <a:sysClr val="windowText" lastClr="000000"/>
+                </a:solidFill>
+              </a:rPr>
+              <a:t>深根</a:t>
+            </a:r>
+          </a:p>
+        </p:txBody>
+      </p:sp>
+      <p:sp>
+        <p:nvSpPr>
+          <p:cNvPr id="18" name="矩形 17">
+            <a:extLst>
+              <a:ext uri="{FF2B5EF4-FFF2-40B4-BE49-F238E27FC236}">
+                <a16:creationId xmlns:a16="http://schemas.microsoft.com/office/drawing/2014/main" id="{12CDAF52-26AD-4473-B26B-B421A1E5CE9C}"/>
               </a:ext>
             </a:extLst>
           </p:cNvPr>
@@ -6319,8 +6346,8 @@
         </p:nvSpPr>
         <p:spPr>
           <a:xfrm>
-            <a:off x="6457086" y="1430554"/>
-            <a:ext cx="1551398" cy="514518"/>
+            <a:off x="8409176" y="1304818"/>
+            <a:ext cx="1551398" cy="765990"/>
           </a:xfrm>
           <a:prstGeom prst="rect">
             <a:avLst/>
@@ -6359,17 +6386,224 @@
                   <a:sysClr val="windowText" lastClr="000000"/>
                 </a:solidFill>
               </a:rPr>
-              <a:t>永恒之城</a:t>
-            </a:r>
-          </a:p>
-        </p:txBody>
-      </p:sp>
-      <p:sp>
-        <p:nvSpPr>
-          <p:cNvPr id="18" name="矩形 17">
-            <a:extLst>
-              <a:ext uri="{FF2B5EF4-FFF2-40B4-BE49-F238E27FC236}">
-                <a16:creationId xmlns:a16="http://schemas.microsoft.com/office/drawing/2014/main" id="{12CDAF52-26AD-4473-B26B-B421A1E5CE9C}"/>
+              <a:t>安瑟尔河二期</a:t>
+            </a:r>
+            <a:r>
+              <a:rPr lang="en-US" altLang="zh-CN" dirty="0">
+                <a:solidFill>
+                  <a:sysClr val="windowText" lastClr="000000"/>
+                </a:solidFill>
+              </a:rPr>
+              <a:t>+</a:t>
+            </a:r>
+            <a:r>
+              <a:rPr lang="zh-CN" altLang="en-US" dirty="0">
+                <a:solidFill>
+                  <a:sysClr val="windowText" lastClr="000000"/>
+                </a:solidFill>
+              </a:rPr>
+              <a:t>腐败湖</a:t>
+            </a:r>
+          </a:p>
+        </p:txBody>
+      </p:sp>
+      <p:sp>
+        <p:nvSpPr>
+          <p:cNvPr id="20" name="文本框 19">
+            <a:extLst>
+              <a:ext uri="{FF2B5EF4-FFF2-40B4-BE49-F238E27FC236}">
+                <a16:creationId xmlns:a16="http://schemas.microsoft.com/office/drawing/2014/main" id="{02B906E1-2D47-42E3-B265-F5FFB1CF071F}"/>
+              </a:ext>
+            </a:extLst>
+          </p:cNvPr>
+          <p:cNvSpPr txBox="1"/>
+          <p:nvPr/>
+        </p:nvSpPr>
+        <p:spPr>
+          <a:xfrm>
+            <a:off x="4380448" y="2164452"/>
+            <a:ext cx="2262158" cy="646331"/>
+          </a:xfrm>
+          <a:prstGeom prst="rect">
+            <a:avLst/>
+          </a:prstGeom>
+          <a:noFill/>
+        </p:spPr>
+        <p:txBody>
+          <a:bodyPr wrap="none" rtlCol="0">
+            <a:spAutoFit/>
+          </a:bodyPr>
+          <a:lstStyle/>
+          <a:p>
+            <a:r>
+              <a:rPr lang="zh-CN" altLang="en-US" dirty="0"/>
+              <a:t>与狼骑士见面</a:t>
+            </a:r>
+            <a:endParaRPr lang="en-US" altLang="zh-CN" dirty="0"/>
+          </a:p>
+          <a:p>
+            <a:r>
+              <a:rPr lang="zh-CN" altLang="en-US" dirty="0"/>
+              <a:t>后续在猎犬骑士监牢</a:t>
+            </a:r>
+            <a:endParaRPr lang="en-US" altLang="zh-CN" dirty="0"/>
+          </a:p>
+        </p:txBody>
+      </p:sp>
+      <p:sp>
+        <p:nvSpPr>
+          <p:cNvPr id="21" name="文本框 20">
+            <a:extLst>
+              <a:ext uri="{FF2B5EF4-FFF2-40B4-BE49-F238E27FC236}">
+                <a16:creationId xmlns:a16="http://schemas.microsoft.com/office/drawing/2014/main" id="{BA88EF6A-C36D-47AB-BB18-F7E0839623F7}"/>
+              </a:ext>
+            </a:extLst>
+          </p:cNvPr>
+          <p:cNvSpPr txBox="1"/>
+          <p:nvPr/>
+        </p:nvSpPr>
+        <p:spPr>
+          <a:xfrm>
+            <a:off x="6510958" y="4289988"/>
+            <a:ext cx="1338828" cy="369332"/>
+          </a:xfrm>
+          <a:prstGeom prst="rect">
+            <a:avLst/>
+          </a:prstGeom>
+          <a:noFill/>
+        </p:spPr>
+        <p:txBody>
+          <a:bodyPr wrap="none" rtlCol="0">
+            <a:spAutoFit/>
+          </a:bodyPr>
+          <a:lstStyle/>
+          <a:p>
+            <a:r>
+              <a:rPr lang="zh-CN" altLang="en-US" dirty="0"/>
+              <a:t>找到死王子</a:t>
+            </a:r>
+          </a:p>
+        </p:txBody>
+      </p:sp>
+      <p:sp>
+        <p:nvSpPr>
+          <p:cNvPr id="23" name="文本框 22">
+            <a:extLst>
+              <a:ext uri="{FF2B5EF4-FFF2-40B4-BE49-F238E27FC236}">
+                <a16:creationId xmlns:a16="http://schemas.microsoft.com/office/drawing/2014/main" id="{6E9FF449-9337-44A0-AC2C-E12FFFC81880}"/>
+              </a:ext>
+            </a:extLst>
+          </p:cNvPr>
+          <p:cNvSpPr txBox="1"/>
+          <p:nvPr/>
+        </p:nvSpPr>
+        <p:spPr>
+          <a:xfrm>
+            <a:off x="8302676" y="2302951"/>
+            <a:ext cx="1569660" cy="369332"/>
+          </a:xfrm>
+          <a:prstGeom prst="rect">
+            <a:avLst/>
+          </a:prstGeom>
+          <a:noFill/>
+        </p:spPr>
+        <p:txBody>
+          <a:bodyPr wrap="none" rtlCol="0">
+            <a:spAutoFit/>
+          </a:bodyPr>
+          <a:lstStyle/>
+          <a:p>
+            <a:r>
+              <a:rPr lang="zh-CN" altLang="en-US" dirty="0"/>
+              <a:t>跟随剧情指引</a:t>
+            </a:r>
+            <a:endParaRPr lang="en-US" altLang="zh-CN" dirty="0"/>
+          </a:p>
+        </p:txBody>
+      </p:sp>
+      <p:sp>
+        <p:nvSpPr>
+          <p:cNvPr id="24" name="文本框 23">
+            <a:extLst>
+              <a:ext uri="{FF2B5EF4-FFF2-40B4-BE49-F238E27FC236}">
+                <a16:creationId xmlns:a16="http://schemas.microsoft.com/office/drawing/2014/main" id="{CD140992-FBE8-44AB-81C9-C4783BC7A258}"/>
+              </a:ext>
+            </a:extLst>
+          </p:cNvPr>
+          <p:cNvSpPr txBox="1"/>
+          <p:nvPr/>
+        </p:nvSpPr>
+        <p:spPr>
+          <a:xfrm>
+            <a:off x="8302676" y="4182771"/>
+            <a:ext cx="1569660" cy="646331"/>
+          </a:xfrm>
+          <a:prstGeom prst="rect">
+            <a:avLst/>
+          </a:prstGeom>
+          <a:noFill/>
+        </p:spPr>
+        <p:txBody>
+          <a:bodyPr wrap="none" rtlCol="0">
+            <a:spAutoFit/>
+          </a:bodyPr>
+          <a:lstStyle/>
+          <a:p>
+            <a:r>
+              <a:rPr lang="zh-CN" altLang="en-US" dirty="0"/>
+              <a:t>与雪魔女任务</a:t>
+            </a:r>
+            <a:endParaRPr lang="en-US" altLang="zh-CN" dirty="0"/>
+          </a:p>
+          <a:p>
+            <a:r>
+              <a:rPr lang="zh-CN" altLang="en-US" dirty="0"/>
+              <a:t>一同推动</a:t>
+            </a:r>
+          </a:p>
+        </p:txBody>
+      </p:sp>
+      <p:sp>
+        <p:nvSpPr>
+          <p:cNvPr id="22" name="文本框 21">
+            <a:extLst>
+              <a:ext uri="{FF2B5EF4-FFF2-40B4-BE49-F238E27FC236}">
+                <a16:creationId xmlns:a16="http://schemas.microsoft.com/office/drawing/2014/main" id="{0C866ED9-5749-4ED3-9A50-FE51F4351D78}"/>
+              </a:ext>
+            </a:extLst>
+          </p:cNvPr>
+          <p:cNvSpPr txBox="1"/>
+          <p:nvPr/>
+        </p:nvSpPr>
+        <p:spPr>
+          <a:xfrm>
+            <a:off x="2266930" y="5885990"/>
+            <a:ext cx="2031325" cy="369332"/>
+          </a:xfrm>
+          <a:prstGeom prst="rect">
+            <a:avLst/>
+          </a:prstGeom>
+          <a:noFill/>
+        </p:spPr>
+        <p:txBody>
+          <a:bodyPr wrap="none" rtlCol="0">
+            <a:spAutoFit/>
+          </a:bodyPr>
+          <a:lstStyle/>
+          <a:p>
+            <a:r>
+              <a:rPr lang="zh-CN" altLang="en-US" dirty="0"/>
+              <a:t>开启消除癫火任务</a:t>
+            </a:r>
+          </a:p>
+        </p:txBody>
+      </p:sp>
+      <p:sp>
+        <p:nvSpPr>
+          <p:cNvPr id="25" name="矩形 24">
+            <a:extLst>
+              <a:ext uri="{FF2B5EF4-FFF2-40B4-BE49-F238E27FC236}">
+                <a16:creationId xmlns:a16="http://schemas.microsoft.com/office/drawing/2014/main" id="{F8FB1C4F-5724-4E6F-B278-1C6563E0B324}"/>
               </a:ext>
             </a:extLst>
           </p:cNvPr>
@@ -6378,8 +6612,8 @@
         </p:nvSpPr>
         <p:spPr>
           <a:xfrm>
-            <a:off x="8409176" y="1304818"/>
-            <a:ext cx="1551398" cy="765990"/>
+            <a:off x="7526977" y="483848"/>
+            <a:ext cx="1551398" cy="514518"/>
           </a:xfrm>
           <a:prstGeom prst="rect">
             <a:avLst/>
@@ -6418,33 +6652,17 @@
                   <a:sysClr val="windowText" lastClr="000000"/>
                 </a:solidFill>
               </a:rPr>
-              <a:t>安瑟尔河二期</a:t>
-            </a:r>
-            <a:r>
-              <a:rPr lang="en-US" altLang="zh-CN" dirty="0">
-                <a:solidFill>
-                  <a:sysClr val="windowText" lastClr="000000"/>
-                </a:solidFill>
-              </a:rPr>
-              <a:t>+</a:t>
-            </a:r>
-            <a:r>
-              <a:rPr lang="zh-CN" altLang="en-US" dirty="0">
-                <a:solidFill>
-                  <a:sysClr val="windowText" lastClr="000000"/>
-                </a:solidFill>
-              </a:rPr>
-              <a:t>腐败湖</a:t>
-            </a:r>
-          </a:p>
-        </p:txBody>
-      </p:sp>
-      <p:sp>
-        <p:nvSpPr>
-          <p:cNvPr id="20" name="文本框 19">
-            <a:extLst>
-              <a:ext uri="{FF2B5EF4-FFF2-40B4-BE49-F238E27FC236}">
-                <a16:creationId xmlns:a16="http://schemas.microsoft.com/office/drawing/2014/main" id="{02B906E1-2D47-42E3-B265-F5FFB1CF071F}"/>
+              <a:t>永恒之城</a:t>
+            </a:r>
+          </a:p>
+        </p:txBody>
+      </p:sp>
+      <p:sp>
+        <p:nvSpPr>
+          <p:cNvPr id="26" name="文本框 25">
+            <a:extLst>
+              <a:ext uri="{FF2B5EF4-FFF2-40B4-BE49-F238E27FC236}">
+                <a16:creationId xmlns:a16="http://schemas.microsoft.com/office/drawing/2014/main" id="{037EB591-F647-4970-932C-AC3C06BA1896}"/>
               </a:ext>
             </a:extLst>
           </p:cNvPr>
@@ -6453,8 +6671,8 @@
         </p:nvSpPr>
         <p:spPr>
           <a:xfrm>
-            <a:off x="4380448" y="2164452"/>
-            <a:ext cx="2262158" cy="646331"/>
+            <a:off x="6510958" y="2302951"/>
+            <a:ext cx="1569660" cy="369332"/>
           </a:xfrm>
           <a:prstGeom prst="rect">
             <a:avLst/>
@@ -6469,25 +6687,448 @@
           <a:p>
             <a:r>
               <a:rPr lang="zh-CN" altLang="en-US" dirty="0"/>
-              <a:t>与狼骑士见面</a:t>
+              <a:t>获得剧情道具</a:t>
             </a:r>
             <a:endParaRPr lang="en-US" altLang="zh-CN" dirty="0"/>
           </a:p>
-          <a:p>
-            <a:r>
-              <a:rPr lang="zh-CN" altLang="en-US" dirty="0"/>
-              <a:t>后续在猎犬骑士监牢</a:t>
-            </a:r>
-            <a:endParaRPr lang="en-US" altLang="zh-CN" dirty="0"/>
-          </a:p>
-        </p:txBody>
-      </p:sp>
-      <p:sp>
-        <p:nvSpPr>
-          <p:cNvPr id="21" name="文本框 20">
-            <a:extLst>
-              <a:ext uri="{FF2B5EF4-FFF2-40B4-BE49-F238E27FC236}">
-                <a16:creationId xmlns:a16="http://schemas.microsoft.com/office/drawing/2014/main" id="{BA88EF6A-C36D-47AB-BB18-F7E0839623F7}"/>
+        </p:txBody>
+      </p:sp>
+      <p:cxnSp>
+        <p:nvCxnSpPr>
+          <p:cNvPr id="3" name="直接箭头连接符 2">
+            <a:extLst>
+              <a:ext uri="{FF2B5EF4-FFF2-40B4-BE49-F238E27FC236}">
+                <a16:creationId xmlns:a16="http://schemas.microsoft.com/office/drawing/2014/main" id="{89AFE304-3D80-4135-A121-127097F8682A}"/>
+              </a:ext>
+            </a:extLst>
+          </p:cNvPr>
+          <p:cNvCxnSpPr>
+            <a:cxnSpLocks/>
+            <a:endCxn id="13" idx="1"/>
+          </p:cNvCxnSpPr>
+          <p:nvPr/>
+        </p:nvCxnSpPr>
+        <p:spPr>
+          <a:xfrm>
+            <a:off x="2373330" y="741107"/>
+            <a:ext cx="1231419" cy="0"/>
+          </a:xfrm>
+          <a:prstGeom prst="straightConnector1">
+            <a:avLst/>
+          </a:prstGeom>
+          <a:ln w="28575">
+            <a:solidFill>
+              <a:schemeClr val="tx1"/>
+            </a:solidFill>
+            <a:tailEnd type="triangle"/>
+          </a:ln>
+        </p:spPr>
+        <p:style>
+          <a:lnRef idx="1">
+            <a:schemeClr val="accent1"/>
+          </a:lnRef>
+          <a:fillRef idx="0">
+            <a:schemeClr val="accent1"/>
+          </a:fillRef>
+          <a:effectRef idx="0">
+            <a:schemeClr val="accent1"/>
+          </a:effectRef>
+          <a:fontRef idx="minor">
+            <a:schemeClr val="tx1"/>
+          </a:fontRef>
+        </p:style>
+      </p:cxnSp>
+      <p:cxnSp>
+        <p:nvCxnSpPr>
+          <p:cNvPr id="27" name="直接箭头连接符 26">
+            <a:extLst>
+              <a:ext uri="{FF2B5EF4-FFF2-40B4-BE49-F238E27FC236}">
+                <a16:creationId xmlns:a16="http://schemas.microsoft.com/office/drawing/2014/main" id="{39126A72-8ECF-4CC7-AA82-C66877949742}"/>
+              </a:ext>
+            </a:extLst>
+          </p:cNvPr>
+          <p:cNvCxnSpPr>
+            <a:stCxn id="13" idx="3"/>
+          </p:cNvCxnSpPr>
+          <p:nvPr/>
+        </p:nvCxnSpPr>
+        <p:spPr>
+          <a:xfrm flipV="1">
+            <a:off x="5156147" y="729465"/>
+            <a:ext cx="2370830" cy="11642"/>
+          </a:xfrm>
+          <a:prstGeom prst="straightConnector1">
+            <a:avLst/>
+          </a:prstGeom>
+          <a:ln w="28575">
+            <a:solidFill>
+              <a:schemeClr val="tx1"/>
+            </a:solidFill>
+            <a:tailEnd type="triangle"/>
+          </a:ln>
+        </p:spPr>
+        <p:style>
+          <a:lnRef idx="1">
+            <a:schemeClr val="accent1"/>
+          </a:lnRef>
+          <a:fillRef idx="0">
+            <a:schemeClr val="accent1"/>
+          </a:fillRef>
+          <a:effectRef idx="0">
+            <a:schemeClr val="accent1"/>
+          </a:effectRef>
+          <a:fontRef idx="minor">
+            <a:schemeClr val="tx1"/>
+          </a:fontRef>
+        </p:style>
+      </p:cxnSp>
+      <p:cxnSp>
+        <p:nvCxnSpPr>
+          <p:cNvPr id="29" name="直接箭头连接符 28">
+            <a:extLst>
+              <a:ext uri="{FF2B5EF4-FFF2-40B4-BE49-F238E27FC236}">
+                <a16:creationId xmlns:a16="http://schemas.microsoft.com/office/drawing/2014/main" id="{24AAB4A0-E2AE-435A-AD20-A70B0A5F1BDA}"/>
+              </a:ext>
+            </a:extLst>
+          </p:cNvPr>
+          <p:cNvCxnSpPr>
+            <a:stCxn id="25" idx="3"/>
+          </p:cNvCxnSpPr>
+          <p:nvPr/>
+        </p:nvCxnSpPr>
+        <p:spPr>
+          <a:xfrm>
+            <a:off x="9078375" y="741107"/>
+            <a:ext cx="1390991" cy="0"/>
+          </a:xfrm>
+          <a:prstGeom prst="straightConnector1">
+            <a:avLst/>
+          </a:prstGeom>
+          <a:ln w="28575">
+            <a:solidFill>
+              <a:schemeClr val="tx1"/>
+            </a:solidFill>
+            <a:tailEnd type="triangle"/>
+          </a:ln>
+        </p:spPr>
+        <p:style>
+          <a:lnRef idx="1">
+            <a:schemeClr val="accent1"/>
+          </a:lnRef>
+          <a:fillRef idx="0">
+            <a:schemeClr val="accent1"/>
+          </a:fillRef>
+          <a:effectRef idx="0">
+            <a:schemeClr val="accent1"/>
+          </a:effectRef>
+          <a:fontRef idx="minor">
+            <a:schemeClr val="tx1"/>
+          </a:fontRef>
+        </p:style>
+      </p:cxnSp>
+      <p:cxnSp>
+        <p:nvCxnSpPr>
+          <p:cNvPr id="31" name="直接箭头连接符 30">
+            <a:extLst>
+              <a:ext uri="{FF2B5EF4-FFF2-40B4-BE49-F238E27FC236}">
+                <a16:creationId xmlns:a16="http://schemas.microsoft.com/office/drawing/2014/main" id="{EF397E14-FEE8-4382-9470-5C062C6120BB}"/>
+              </a:ext>
+            </a:extLst>
+          </p:cNvPr>
+          <p:cNvCxnSpPr>
+            <a:stCxn id="14" idx="3"/>
+            <a:endCxn id="16" idx="1"/>
+          </p:cNvCxnSpPr>
+          <p:nvPr/>
+        </p:nvCxnSpPr>
+        <p:spPr>
+          <a:xfrm>
+            <a:off x="4058292" y="1687813"/>
+            <a:ext cx="446704" cy="0"/>
+          </a:xfrm>
+          <a:prstGeom prst="straightConnector1">
+            <a:avLst/>
+          </a:prstGeom>
+          <a:ln w="28575">
+            <a:solidFill>
+              <a:schemeClr val="tx1"/>
+            </a:solidFill>
+            <a:tailEnd type="triangle"/>
+          </a:ln>
+        </p:spPr>
+        <p:style>
+          <a:lnRef idx="1">
+            <a:schemeClr val="accent1"/>
+          </a:lnRef>
+          <a:fillRef idx="0">
+            <a:schemeClr val="accent1"/>
+          </a:fillRef>
+          <a:effectRef idx="0">
+            <a:schemeClr val="accent1"/>
+          </a:effectRef>
+          <a:fontRef idx="minor">
+            <a:schemeClr val="tx1"/>
+          </a:fontRef>
+        </p:style>
+      </p:cxnSp>
+      <p:cxnSp>
+        <p:nvCxnSpPr>
+          <p:cNvPr id="33" name="直接箭头连接符 32">
+            <a:extLst>
+              <a:ext uri="{FF2B5EF4-FFF2-40B4-BE49-F238E27FC236}">
+                <a16:creationId xmlns:a16="http://schemas.microsoft.com/office/drawing/2014/main" id="{5F9F3500-79F8-4DB0-98C2-3E056ADAA299}"/>
+              </a:ext>
+            </a:extLst>
+          </p:cNvPr>
+          <p:cNvCxnSpPr>
+            <a:cxnSpLocks/>
+            <a:stCxn id="17" idx="3"/>
+            <a:endCxn id="18" idx="1"/>
+          </p:cNvCxnSpPr>
+          <p:nvPr/>
+        </p:nvCxnSpPr>
+        <p:spPr>
+          <a:xfrm>
+            <a:off x="8008484" y="1687813"/>
+            <a:ext cx="400692" cy="0"/>
+          </a:xfrm>
+          <a:prstGeom prst="straightConnector1">
+            <a:avLst/>
+          </a:prstGeom>
+          <a:ln w="28575">
+            <a:solidFill>
+              <a:schemeClr val="tx1"/>
+            </a:solidFill>
+            <a:tailEnd type="triangle"/>
+          </a:ln>
+        </p:spPr>
+        <p:style>
+          <a:lnRef idx="1">
+            <a:schemeClr val="accent1"/>
+          </a:lnRef>
+          <a:fillRef idx="0">
+            <a:schemeClr val="accent1"/>
+          </a:fillRef>
+          <a:effectRef idx="0">
+            <a:schemeClr val="accent1"/>
+          </a:effectRef>
+          <a:fontRef idx="minor">
+            <a:schemeClr val="tx1"/>
+          </a:fontRef>
+        </p:style>
+      </p:cxnSp>
+      <p:cxnSp>
+        <p:nvCxnSpPr>
+          <p:cNvPr id="36" name="直接连接符 35">
+            <a:extLst>
+              <a:ext uri="{FF2B5EF4-FFF2-40B4-BE49-F238E27FC236}">
+                <a16:creationId xmlns:a16="http://schemas.microsoft.com/office/drawing/2014/main" id="{4012A04A-7504-44DE-AFC8-195CD0D870F8}"/>
+              </a:ext>
+            </a:extLst>
+          </p:cNvPr>
+          <p:cNvCxnSpPr>
+            <a:cxnSpLocks/>
+          </p:cNvCxnSpPr>
+          <p:nvPr/>
+        </p:nvCxnSpPr>
+        <p:spPr>
+          <a:xfrm flipH="1">
+            <a:off x="2506894" y="998366"/>
+            <a:ext cx="1097855" cy="432188"/>
+          </a:xfrm>
+          <a:prstGeom prst="line">
+            <a:avLst/>
+          </a:prstGeom>
+          <a:ln w="28575">
+            <a:solidFill>
+              <a:schemeClr val="tx1"/>
+            </a:solidFill>
+            <a:prstDash val="dash"/>
+          </a:ln>
+        </p:spPr>
+        <p:style>
+          <a:lnRef idx="1">
+            <a:schemeClr val="accent1"/>
+          </a:lnRef>
+          <a:fillRef idx="0">
+            <a:schemeClr val="accent1"/>
+          </a:fillRef>
+          <a:effectRef idx="0">
+            <a:schemeClr val="accent1"/>
+          </a:effectRef>
+          <a:fontRef idx="minor">
+            <a:schemeClr val="tx1"/>
+          </a:fontRef>
+        </p:style>
+      </p:cxnSp>
+      <p:cxnSp>
+        <p:nvCxnSpPr>
+          <p:cNvPr id="38" name="直接连接符 37">
+            <a:extLst>
+              <a:ext uri="{FF2B5EF4-FFF2-40B4-BE49-F238E27FC236}">
+                <a16:creationId xmlns:a16="http://schemas.microsoft.com/office/drawing/2014/main" id="{9D7F375E-5BAA-45F4-AAA4-5842480E8103}"/>
+              </a:ext>
+            </a:extLst>
+          </p:cNvPr>
+          <p:cNvCxnSpPr>
+            <a:cxnSpLocks/>
+          </p:cNvCxnSpPr>
+          <p:nvPr/>
+        </p:nvCxnSpPr>
+        <p:spPr>
+          <a:xfrm>
+            <a:off x="5156147" y="998366"/>
+            <a:ext cx="900247" cy="408903"/>
+          </a:xfrm>
+          <a:prstGeom prst="line">
+            <a:avLst/>
+          </a:prstGeom>
+          <a:ln w="28575">
+            <a:solidFill>
+              <a:schemeClr val="tx1"/>
+            </a:solidFill>
+            <a:prstDash val="dash"/>
+          </a:ln>
+        </p:spPr>
+        <p:style>
+          <a:lnRef idx="1">
+            <a:schemeClr val="accent1"/>
+          </a:lnRef>
+          <a:fillRef idx="0">
+            <a:schemeClr val="accent1"/>
+          </a:fillRef>
+          <a:effectRef idx="0">
+            <a:schemeClr val="accent1"/>
+          </a:effectRef>
+          <a:fontRef idx="minor">
+            <a:schemeClr val="tx1"/>
+          </a:fontRef>
+        </p:style>
+      </p:cxnSp>
+      <p:cxnSp>
+        <p:nvCxnSpPr>
+          <p:cNvPr id="40" name="直接连接符 39">
+            <a:extLst>
+              <a:ext uri="{FF2B5EF4-FFF2-40B4-BE49-F238E27FC236}">
+                <a16:creationId xmlns:a16="http://schemas.microsoft.com/office/drawing/2014/main" id="{68029C00-451B-4094-9D4F-C4FB43BF231B}"/>
+              </a:ext>
+            </a:extLst>
+          </p:cNvPr>
+          <p:cNvCxnSpPr>
+            <a:cxnSpLocks/>
+          </p:cNvCxnSpPr>
+          <p:nvPr/>
+        </p:nvCxnSpPr>
+        <p:spPr>
+          <a:xfrm flipH="1">
+            <a:off x="6510958" y="986724"/>
+            <a:ext cx="1016019" cy="306452"/>
+          </a:xfrm>
+          <a:prstGeom prst="line">
+            <a:avLst/>
+          </a:prstGeom>
+          <a:ln w="28575">
+            <a:solidFill>
+              <a:schemeClr val="tx1"/>
+            </a:solidFill>
+            <a:prstDash val="dash"/>
+          </a:ln>
+        </p:spPr>
+        <p:style>
+          <a:lnRef idx="1">
+            <a:schemeClr val="accent1"/>
+          </a:lnRef>
+          <a:fillRef idx="0">
+            <a:schemeClr val="accent1"/>
+          </a:fillRef>
+          <a:effectRef idx="0">
+            <a:schemeClr val="accent1"/>
+          </a:effectRef>
+          <a:fontRef idx="minor">
+            <a:schemeClr val="tx1"/>
+          </a:fontRef>
+        </p:style>
+      </p:cxnSp>
+      <p:cxnSp>
+        <p:nvCxnSpPr>
+          <p:cNvPr id="44" name="直接连接符 43">
+            <a:extLst>
+              <a:ext uri="{FF2B5EF4-FFF2-40B4-BE49-F238E27FC236}">
+                <a16:creationId xmlns:a16="http://schemas.microsoft.com/office/drawing/2014/main" id="{5195B1EC-55B0-4A89-82A9-0B8657CBAF3E}"/>
+              </a:ext>
+            </a:extLst>
+          </p:cNvPr>
+          <p:cNvCxnSpPr>
+            <a:cxnSpLocks/>
+          </p:cNvCxnSpPr>
+          <p:nvPr/>
+        </p:nvCxnSpPr>
+        <p:spPr>
+          <a:xfrm>
+            <a:off x="9078375" y="998366"/>
+            <a:ext cx="882199" cy="306452"/>
+          </a:xfrm>
+          <a:prstGeom prst="line">
+            <a:avLst/>
+          </a:prstGeom>
+          <a:ln w="28575">
+            <a:solidFill>
+              <a:schemeClr val="tx1"/>
+            </a:solidFill>
+            <a:prstDash val="dash"/>
+          </a:ln>
+        </p:spPr>
+        <p:style>
+          <a:lnRef idx="1">
+            <a:schemeClr val="accent1"/>
+          </a:lnRef>
+          <a:fillRef idx="0">
+            <a:schemeClr val="accent1"/>
+          </a:fillRef>
+          <a:effectRef idx="0">
+            <a:schemeClr val="accent1"/>
+          </a:effectRef>
+          <a:fontRef idx="minor">
+            <a:schemeClr val="tx1"/>
+          </a:fontRef>
+        </p:style>
+      </p:cxnSp>
+    </p:spTree>
+    <p:extLst>
+      <p:ext uri="{BB962C8B-B14F-4D97-AF65-F5344CB8AC3E}">
+        <p14:creationId xmlns:p14="http://schemas.microsoft.com/office/powerpoint/2010/main" val="1765958182"/>
+      </p:ext>
+    </p:extLst>
+  </p:cSld>
+  <p:clrMapOvr>
+    <a:masterClrMapping/>
+  </p:clrMapOvr>
+</p:sld>
+</file>
+
+<file path=ppt/slides/slide4.xml><?xml version="1.0" encoding="utf-8"?>
+<p:sld xmlns:a="http://schemas.openxmlformats.org/drawingml/2006/main" xmlns:r="http://schemas.openxmlformats.org/officeDocument/2006/relationships" xmlns:p="http://schemas.openxmlformats.org/presentationml/2006/main">
+  <p:cSld>
+    <p:spTree>
+      <p:nvGrpSpPr>
+        <p:cNvPr id="1" name=""/>
+        <p:cNvGrpSpPr/>
+        <p:nvPr/>
+      </p:nvGrpSpPr>
+      <p:grpSpPr>
+        <a:xfrm>
+          <a:off x="0" y="0"/>
+          <a:ext cx="0" cy="0"/>
+          <a:chOff x="0" y="0"/>
+          <a:chExt cx="0" cy="0"/>
+        </a:xfrm>
+      </p:grpSpPr>
+      <p:sp>
+        <p:nvSpPr>
+          <p:cNvPr id="4" name="文本框 3">
+            <a:extLst>
+              <a:ext uri="{FF2B5EF4-FFF2-40B4-BE49-F238E27FC236}">
+                <a16:creationId xmlns:a16="http://schemas.microsoft.com/office/drawing/2014/main" id="{FE02B6D8-195B-44BF-8507-5816631F11F1}"/>
               </a:ext>
             </a:extLst>
           </p:cNvPr>
@@ -6496,8 +7137,8 @@
         </p:nvSpPr>
         <p:spPr>
           <a:xfrm>
-            <a:off x="6510958" y="4289988"/>
-            <a:ext cx="1338828" cy="369332"/>
+            <a:off x="311430" y="188459"/>
+            <a:ext cx="1832553" cy="461665"/>
           </a:xfrm>
           <a:prstGeom prst="rect">
             <a:avLst/>
@@ -6511,18 +7152,23 @@
           <a:lstStyle/>
           <a:p>
             <a:r>
-              <a:rPr lang="zh-CN" altLang="en-US" dirty="0"/>
-              <a:t>找到死王子</a:t>
-            </a:r>
-          </a:p>
-        </p:txBody>
-      </p:sp>
-      <p:sp>
-        <p:nvSpPr>
-          <p:cNvPr id="23" name="文本框 22">
-            <a:extLst>
-              <a:ext uri="{FF2B5EF4-FFF2-40B4-BE49-F238E27FC236}">
-                <a16:creationId xmlns:a16="http://schemas.microsoft.com/office/drawing/2014/main" id="{6E9FF449-9337-44A0-AC2C-E12FFFC81880}"/>
+              <a:rPr lang="zh-CN" altLang="en-US" sz="2400" dirty="0"/>
+              <a:t>推荐顺序 </a:t>
+            </a:r>
+            <a:r>
+              <a:rPr lang="en-US" altLang="zh-CN" sz="2400" dirty="0"/>
+              <a:t>P4</a:t>
+            </a:r>
+            <a:endParaRPr lang="zh-CN" altLang="en-US" sz="2400" dirty="0"/>
+          </a:p>
+        </p:txBody>
+      </p:sp>
+      <p:sp>
+        <p:nvSpPr>
+          <p:cNvPr id="5" name="文本框 4">
+            <a:extLst>
+              <a:ext uri="{FF2B5EF4-FFF2-40B4-BE49-F238E27FC236}">
+                <a16:creationId xmlns:a16="http://schemas.microsoft.com/office/drawing/2014/main" id="{B4CBD8FE-66B3-4CE2-BDBD-DA35FA0488BF}"/>
               </a:ext>
             </a:extLst>
           </p:cNvPr>
@@ -6531,8 +7177,8 @@
         </p:nvSpPr>
         <p:spPr>
           <a:xfrm>
-            <a:off x="8302676" y="2302951"/>
-            <a:ext cx="1569660" cy="369332"/>
+            <a:off x="580734" y="821122"/>
+            <a:ext cx="877163" cy="369332"/>
           </a:xfrm>
           <a:prstGeom prst="rect">
             <a:avLst/>
@@ -6547,18 +7193,17 @@
           <a:p>
             <a:r>
               <a:rPr lang="zh-CN" altLang="en-US" dirty="0"/>
-              <a:t>跟随剧情指引</a:t>
-            </a:r>
-            <a:endParaRPr lang="en-US" altLang="zh-CN" dirty="0"/>
-          </a:p>
-        </p:txBody>
-      </p:sp>
-      <p:sp>
-        <p:nvSpPr>
-          <p:cNvPr id="24" name="文本框 23">
-            <a:extLst>
-              <a:ext uri="{FF2B5EF4-FFF2-40B4-BE49-F238E27FC236}">
-                <a16:creationId xmlns:a16="http://schemas.microsoft.com/office/drawing/2014/main" id="{CD140992-FBE8-44AB-81C9-C4783BC7A258}"/>
+              <a:t>大阶段</a:t>
+            </a:r>
+          </a:p>
+        </p:txBody>
+      </p:sp>
+      <p:sp>
+        <p:nvSpPr>
+          <p:cNvPr id="6" name="文本框 5">
+            <a:extLst>
+              <a:ext uri="{FF2B5EF4-FFF2-40B4-BE49-F238E27FC236}">
+                <a16:creationId xmlns:a16="http://schemas.microsoft.com/office/drawing/2014/main" id="{DDCA534D-6F0A-4CB8-A0E1-4B7984D1A12D}"/>
               </a:ext>
             </a:extLst>
           </p:cNvPr>
@@ -6567,8 +7212,8 @@
         </p:nvSpPr>
         <p:spPr>
           <a:xfrm>
-            <a:off x="8302676" y="4182771"/>
-            <a:ext cx="1569660" cy="646331"/>
+            <a:off x="580733" y="1499621"/>
+            <a:ext cx="877163" cy="369332"/>
           </a:xfrm>
           <a:prstGeom prst="rect">
             <a:avLst/>
@@ -6583,24 +7228,17 @@
           <a:p>
             <a:r>
               <a:rPr lang="zh-CN" altLang="en-US" dirty="0"/>
-              <a:t>与雪魔女任务</a:t>
-            </a:r>
-            <a:endParaRPr lang="en-US" altLang="zh-CN" dirty="0"/>
-          </a:p>
-          <a:p>
-            <a:r>
-              <a:rPr lang="zh-CN" altLang="en-US" dirty="0"/>
-              <a:t>一同推动</a:t>
-            </a:r>
-          </a:p>
-        </p:txBody>
-      </p:sp>
-      <p:sp>
-        <p:nvSpPr>
-          <p:cNvPr id="22" name="文本框 21">
-            <a:extLst>
-              <a:ext uri="{FF2B5EF4-FFF2-40B4-BE49-F238E27FC236}">
-                <a16:creationId xmlns:a16="http://schemas.microsoft.com/office/drawing/2014/main" id="{0C866ED9-5749-4ED3-9A50-FE51F4351D78}"/>
+              <a:t>小阶段</a:t>
+            </a:r>
+          </a:p>
+        </p:txBody>
+      </p:sp>
+      <p:sp>
+        <p:nvSpPr>
+          <p:cNvPr id="7" name="文本框 6">
+            <a:extLst>
+              <a:ext uri="{FF2B5EF4-FFF2-40B4-BE49-F238E27FC236}">
+                <a16:creationId xmlns:a16="http://schemas.microsoft.com/office/drawing/2014/main" id="{48BD4D6A-8701-4BCA-9E10-94E8867C88C0}"/>
               </a:ext>
             </a:extLst>
           </p:cNvPr>
@@ -6609,8 +7247,8 @@
         </p:nvSpPr>
         <p:spPr>
           <a:xfrm>
-            <a:off x="2266930" y="5885990"/>
-            <a:ext cx="2031325" cy="369332"/>
+            <a:off x="580733" y="2349118"/>
+            <a:ext cx="1338828" cy="369332"/>
           </a:xfrm>
           <a:prstGeom prst="rect">
             <a:avLst/>
@@ -6625,17 +7263,192 @@
           <a:p>
             <a:r>
               <a:rPr lang="zh-CN" altLang="en-US" dirty="0"/>
-              <a:t>开启消除癫火任务</a:t>
-            </a:r>
-          </a:p>
-        </p:txBody>
-      </p:sp>
-      <p:sp>
-        <p:nvSpPr>
-          <p:cNvPr id="25" name="矩形 24">
-            <a:extLst>
-              <a:ext uri="{FF2B5EF4-FFF2-40B4-BE49-F238E27FC236}">
-                <a16:creationId xmlns:a16="http://schemas.microsoft.com/office/drawing/2014/main" id="{F8FB1C4F-5724-4E6F-B278-1C6563E0B324}"/>
+              <a:t>雪魔女系列</a:t>
+            </a:r>
+          </a:p>
+        </p:txBody>
+      </p:sp>
+      <p:sp>
+        <p:nvSpPr>
+          <p:cNvPr id="8" name="文本框 7">
+            <a:extLst>
+              <a:ext uri="{FF2B5EF4-FFF2-40B4-BE49-F238E27FC236}">
+                <a16:creationId xmlns:a16="http://schemas.microsoft.com/office/drawing/2014/main" id="{E1700672-92EF-4A5E-A510-C123DFA5ADAD}"/>
+              </a:ext>
+            </a:extLst>
+          </p:cNvPr>
+          <p:cNvSpPr txBox="1"/>
+          <p:nvPr/>
+        </p:nvSpPr>
+        <p:spPr>
+          <a:xfrm>
+            <a:off x="580733" y="3057630"/>
+            <a:ext cx="1569660" cy="369332"/>
+          </a:xfrm>
+          <a:prstGeom prst="rect">
+            <a:avLst/>
+          </a:prstGeom>
+          <a:noFill/>
+        </p:spPr>
+        <p:txBody>
+          <a:bodyPr wrap="none" rtlCol="0">
+            <a:spAutoFit/>
+          </a:bodyPr>
+          <a:lstStyle/>
+          <a:p>
+            <a:r>
+              <a:rPr lang="zh-CN" altLang="en-US" dirty="0"/>
+              <a:t>火山官邸系列</a:t>
+            </a:r>
+          </a:p>
+        </p:txBody>
+      </p:sp>
+      <p:sp>
+        <p:nvSpPr>
+          <p:cNvPr id="9" name="文本框 8">
+            <a:extLst>
+              <a:ext uri="{FF2B5EF4-FFF2-40B4-BE49-F238E27FC236}">
+                <a16:creationId xmlns:a16="http://schemas.microsoft.com/office/drawing/2014/main" id="{9373ECB8-FC84-4991-90F0-667ECC3A75C6}"/>
+              </a:ext>
+            </a:extLst>
+          </p:cNvPr>
+          <p:cNvSpPr txBox="1"/>
+          <p:nvPr/>
+        </p:nvSpPr>
+        <p:spPr>
+          <a:xfrm>
+            <a:off x="580733" y="3766142"/>
+            <a:ext cx="1569660" cy="369332"/>
+          </a:xfrm>
+          <a:prstGeom prst="rect">
+            <a:avLst/>
+          </a:prstGeom>
+          <a:noFill/>
+        </p:spPr>
+        <p:txBody>
+          <a:bodyPr wrap="none" rtlCol="0">
+            <a:spAutoFit/>
+          </a:bodyPr>
+          <a:lstStyle/>
+          <a:p>
+            <a:r>
+              <a:rPr lang="zh-CN" altLang="en-US" dirty="0"/>
+              <a:t>受诅咒者系列</a:t>
+            </a:r>
+          </a:p>
+        </p:txBody>
+      </p:sp>
+      <p:sp>
+        <p:nvSpPr>
+          <p:cNvPr id="10" name="文本框 9">
+            <a:extLst>
+              <a:ext uri="{FF2B5EF4-FFF2-40B4-BE49-F238E27FC236}">
+                <a16:creationId xmlns:a16="http://schemas.microsoft.com/office/drawing/2014/main" id="{0CA6403B-1B6F-4E03-BE55-C8F819C87C87}"/>
+              </a:ext>
+            </a:extLst>
+          </p:cNvPr>
+          <p:cNvSpPr txBox="1"/>
+          <p:nvPr/>
+        </p:nvSpPr>
+        <p:spPr>
+          <a:xfrm>
+            <a:off x="580733" y="4474654"/>
+            <a:ext cx="1569660" cy="369332"/>
+          </a:xfrm>
+          <a:prstGeom prst="rect">
+            <a:avLst/>
+          </a:prstGeom>
+          <a:noFill/>
+        </p:spPr>
+        <p:txBody>
+          <a:bodyPr wrap="none" rtlCol="0">
+            <a:spAutoFit/>
+          </a:bodyPr>
+          <a:lstStyle/>
+          <a:p>
+            <a:r>
+              <a:rPr lang="zh-CN" altLang="en-US" dirty="0"/>
+              <a:t>死眠少女系列</a:t>
+            </a:r>
+          </a:p>
+        </p:txBody>
+      </p:sp>
+      <p:sp>
+        <p:nvSpPr>
+          <p:cNvPr id="11" name="文本框 10">
+            <a:extLst>
+              <a:ext uri="{FF2B5EF4-FFF2-40B4-BE49-F238E27FC236}">
+                <a16:creationId xmlns:a16="http://schemas.microsoft.com/office/drawing/2014/main" id="{CDB62ED1-CB6E-4A4A-8A52-1BF064BC2C65}"/>
+              </a:ext>
+            </a:extLst>
+          </p:cNvPr>
+          <p:cNvSpPr txBox="1"/>
+          <p:nvPr/>
+        </p:nvSpPr>
+        <p:spPr>
+          <a:xfrm>
+            <a:off x="580733" y="5183166"/>
+            <a:ext cx="1338828" cy="369332"/>
+          </a:xfrm>
+          <a:prstGeom prst="rect">
+            <a:avLst/>
+          </a:prstGeom>
+          <a:noFill/>
+        </p:spPr>
+        <p:txBody>
+          <a:bodyPr wrap="none" rtlCol="0">
+            <a:spAutoFit/>
+          </a:bodyPr>
+          <a:lstStyle/>
+          <a:p>
+            <a:r>
+              <a:rPr lang="zh-CN" altLang="en-US" dirty="0"/>
+              <a:t>金面具系列</a:t>
+            </a:r>
+          </a:p>
+        </p:txBody>
+      </p:sp>
+      <p:sp>
+        <p:nvSpPr>
+          <p:cNvPr id="12" name="文本框 11">
+            <a:extLst>
+              <a:ext uri="{FF2B5EF4-FFF2-40B4-BE49-F238E27FC236}">
+                <a16:creationId xmlns:a16="http://schemas.microsoft.com/office/drawing/2014/main" id="{57DC7A97-9899-49D2-9060-B887ACE1403F}"/>
+              </a:ext>
+            </a:extLst>
+          </p:cNvPr>
+          <p:cNvSpPr txBox="1"/>
+          <p:nvPr/>
+        </p:nvSpPr>
+        <p:spPr>
+          <a:xfrm>
+            <a:off x="580733" y="5891678"/>
+            <a:ext cx="1107996" cy="369332"/>
+          </a:xfrm>
+          <a:prstGeom prst="rect">
+            <a:avLst/>
+          </a:prstGeom>
+          <a:noFill/>
+        </p:spPr>
+        <p:txBody>
+          <a:bodyPr wrap="none" rtlCol="0">
+            <a:spAutoFit/>
+          </a:bodyPr>
+          <a:lstStyle/>
+          <a:p>
+            <a:r>
+              <a:rPr lang="zh-CN" altLang="en-US" dirty="0"/>
+              <a:t>癫火系列</a:t>
+            </a:r>
+          </a:p>
+        </p:txBody>
+      </p:sp>
+      <p:sp>
+        <p:nvSpPr>
+          <p:cNvPr id="13" name="矩形 12">
+            <a:extLst>
+              <a:ext uri="{FF2B5EF4-FFF2-40B4-BE49-F238E27FC236}">
+                <a16:creationId xmlns:a16="http://schemas.microsoft.com/office/drawing/2014/main" id="{D22DF2B9-986E-4CF3-B45D-13ECB6004EF3}"/>
               </a:ext>
             </a:extLst>
           </p:cNvPr>
@@ -6644,7 +7457,7 @@
         </p:nvSpPr>
         <p:spPr>
           <a:xfrm>
-            <a:off x="8409176" y="483848"/>
+            <a:off x="4504996" y="483848"/>
             <a:ext cx="1551398" cy="514518"/>
           </a:xfrm>
           <a:prstGeom prst="rect">
@@ -6684,15 +7497,2758 @@
                   <a:sysClr val="windowText" lastClr="000000"/>
                 </a:solidFill>
               </a:rPr>
-              <a:t>永恒之城</a:t>
-            </a:r>
-          </a:p>
-        </p:txBody>
-      </p:sp>
+              <a:t>亚坦高原</a:t>
+            </a:r>
+          </a:p>
+        </p:txBody>
+      </p:sp>
+      <p:sp>
+        <p:nvSpPr>
+          <p:cNvPr id="14" name="矩形 13">
+            <a:extLst>
+              <a:ext uri="{FF2B5EF4-FFF2-40B4-BE49-F238E27FC236}">
+                <a16:creationId xmlns:a16="http://schemas.microsoft.com/office/drawing/2014/main" id="{333B98A7-A260-46D1-BBF0-0E4F7973635D}"/>
+              </a:ext>
+            </a:extLst>
+          </p:cNvPr>
+          <p:cNvSpPr/>
+          <p:nvPr/>
+        </p:nvSpPr>
+        <p:spPr>
+          <a:xfrm>
+            <a:off x="2506894" y="1430554"/>
+            <a:ext cx="1551398" cy="514518"/>
+          </a:xfrm>
+          <a:prstGeom prst="rect">
+            <a:avLst/>
+          </a:prstGeom>
+          <a:noFill/>
+          <a:ln w="28575">
+            <a:solidFill>
+              <a:schemeClr val="tx1"/>
+            </a:solidFill>
+          </a:ln>
+        </p:spPr>
+        <p:style>
+          <a:lnRef idx="2">
+            <a:schemeClr val="accent1">
+              <a:shade val="50000"/>
+            </a:schemeClr>
+          </a:lnRef>
+          <a:fillRef idx="1">
+            <a:schemeClr val="accent1"/>
+          </a:fillRef>
+          <a:effectRef idx="0">
+            <a:schemeClr val="accent1"/>
+          </a:effectRef>
+          <a:fontRef idx="minor">
+            <a:schemeClr val="lt1"/>
+          </a:fontRef>
+        </p:style>
+        <p:txBody>
+          <a:bodyPr rtlCol="0" anchor="ctr"/>
+          <a:lstStyle/>
+          <a:p>
+            <a:pPr algn="ctr"/>
+            <a:r>
+              <a:rPr lang="zh-CN" altLang="en-US" dirty="0">
+                <a:solidFill>
+                  <a:sysClr val="windowText" lastClr="000000"/>
+                </a:solidFill>
+              </a:rPr>
+              <a:t>王城正门</a:t>
+            </a:r>
+          </a:p>
+        </p:txBody>
+      </p:sp>
+      <p:sp>
+        <p:nvSpPr>
+          <p:cNvPr id="16" name="矩形 15">
+            <a:extLst>
+              <a:ext uri="{FF2B5EF4-FFF2-40B4-BE49-F238E27FC236}">
+                <a16:creationId xmlns:a16="http://schemas.microsoft.com/office/drawing/2014/main" id="{91B5AEFB-2BFE-4F53-884E-06B1032DCD33}"/>
+              </a:ext>
+            </a:extLst>
+          </p:cNvPr>
+          <p:cNvSpPr/>
+          <p:nvPr/>
+        </p:nvSpPr>
+        <p:spPr>
+          <a:xfrm>
+            <a:off x="4504996" y="1430554"/>
+            <a:ext cx="1551398" cy="514518"/>
+          </a:xfrm>
+          <a:prstGeom prst="rect">
+            <a:avLst/>
+          </a:prstGeom>
+          <a:noFill/>
+          <a:ln w="28575">
+            <a:solidFill>
+              <a:schemeClr val="tx1"/>
+            </a:solidFill>
+          </a:ln>
+        </p:spPr>
+        <p:style>
+          <a:lnRef idx="2">
+            <a:schemeClr val="accent1">
+              <a:shade val="50000"/>
+            </a:schemeClr>
+          </a:lnRef>
+          <a:fillRef idx="1">
+            <a:schemeClr val="accent1"/>
+          </a:fillRef>
+          <a:effectRef idx="0">
+            <a:schemeClr val="accent1"/>
+          </a:effectRef>
+          <a:fontRef idx="minor">
+            <a:schemeClr val="lt1"/>
+          </a:fontRef>
+        </p:style>
+        <p:txBody>
+          <a:bodyPr rtlCol="0" anchor="ctr"/>
+          <a:lstStyle/>
+          <a:p>
+            <a:pPr algn="ctr"/>
+            <a:r>
+              <a:rPr lang="zh-CN" altLang="en-US" dirty="0">
+                <a:solidFill>
+                  <a:sysClr val="windowText" lastClr="000000"/>
+                </a:solidFill>
+              </a:rPr>
+              <a:t>西部谷地</a:t>
+            </a:r>
+          </a:p>
+        </p:txBody>
+      </p:sp>
+      <p:sp>
+        <p:nvSpPr>
+          <p:cNvPr id="17" name="矩形 16">
+            <a:extLst>
+              <a:ext uri="{FF2B5EF4-FFF2-40B4-BE49-F238E27FC236}">
+                <a16:creationId xmlns:a16="http://schemas.microsoft.com/office/drawing/2014/main" id="{FC2AB27B-2085-4B3D-8868-4CE584BD8346}"/>
+              </a:ext>
+            </a:extLst>
+          </p:cNvPr>
+          <p:cNvSpPr/>
+          <p:nvPr/>
+        </p:nvSpPr>
+        <p:spPr>
+          <a:xfrm>
+            <a:off x="6457086" y="1430554"/>
+            <a:ext cx="1551398" cy="514518"/>
+          </a:xfrm>
+          <a:prstGeom prst="rect">
+            <a:avLst/>
+          </a:prstGeom>
+          <a:noFill/>
+          <a:ln w="28575">
+            <a:solidFill>
+              <a:schemeClr val="tx1"/>
+            </a:solidFill>
+          </a:ln>
+        </p:spPr>
+        <p:style>
+          <a:lnRef idx="2">
+            <a:schemeClr val="accent1">
+              <a:shade val="50000"/>
+            </a:schemeClr>
+          </a:lnRef>
+          <a:fillRef idx="1">
+            <a:schemeClr val="accent1"/>
+          </a:fillRef>
+          <a:effectRef idx="0">
+            <a:schemeClr val="accent1"/>
+          </a:effectRef>
+          <a:fontRef idx="minor">
+            <a:schemeClr val="lt1"/>
+          </a:fontRef>
+        </p:style>
+        <p:txBody>
+          <a:bodyPr rtlCol="0" anchor="ctr"/>
+          <a:lstStyle/>
+          <a:p>
+            <a:pPr algn="ctr"/>
+            <a:r>
+              <a:rPr lang="zh-CN" altLang="en-US" dirty="0">
+                <a:solidFill>
+                  <a:sysClr val="windowText" lastClr="000000"/>
+                </a:solidFill>
+              </a:rPr>
+              <a:t>风车村</a:t>
+            </a:r>
+          </a:p>
+        </p:txBody>
+      </p:sp>
+      <p:sp>
+        <p:nvSpPr>
+          <p:cNvPr id="22" name="文本框 21">
+            <a:extLst>
+              <a:ext uri="{FF2B5EF4-FFF2-40B4-BE49-F238E27FC236}">
+                <a16:creationId xmlns:a16="http://schemas.microsoft.com/office/drawing/2014/main" id="{0C866ED9-5749-4ED3-9A50-FE51F4351D78}"/>
+              </a:ext>
+            </a:extLst>
+          </p:cNvPr>
+          <p:cNvSpPr txBox="1"/>
+          <p:nvPr/>
+        </p:nvSpPr>
+        <p:spPr>
+          <a:xfrm>
+            <a:off x="2603561" y="5778090"/>
+            <a:ext cx="1338828" cy="369332"/>
+          </a:xfrm>
+          <a:prstGeom prst="rect">
+            <a:avLst/>
+          </a:prstGeom>
+          <a:noFill/>
+        </p:spPr>
+        <p:txBody>
+          <a:bodyPr wrap="none" rtlCol="0">
+            <a:spAutoFit/>
+          </a:bodyPr>
+          <a:lstStyle/>
+          <a:p>
+            <a:r>
+              <a:rPr lang="zh-CN" altLang="en-US" dirty="0"/>
+              <a:t>见到米莉森</a:t>
+            </a:r>
+            <a:endParaRPr lang="en-US" altLang="zh-CN" dirty="0"/>
+          </a:p>
+        </p:txBody>
+      </p:sp>
+      <p:sp>
+        <p:nvSpPr>
+          <p:cNvPr id="25" name="矩形 24">
+            <a:extLst>
+              <a:ext uri="{FF2B5EF4-FFF2-40B4-BE49-F238E27FC236}">
+                <a16:creationId xmlns:a16="http://schemas.microsoft.com/office/drawing/2014/main" id="{F8FB1C4F-5724-4E6F-B278-1C6563E0B324}"/>
+              </a:ext>
+            </a:extLst>
+          </p:cNvPr>
+          <p:cNvSpPr/>
+          <p:nvPr/>
+        </p:nvSpPr>
+        <p:spPr>
+          <a:xfrm>
+            <a:off x="9335228" y="483848"/>
+            <a:ext cx="1551398" cy="514518"/>
+          </a:xfrm>
+          <a:prstGeom prst="rect">
+            <a:avLst/>
+          </a:prstGeom>
+          <a:noFill/>
+          <a:ln w="28575">
+            <a:solidFill>
+              <a:schemeClr val="tx1"/>
+            </a:solidFill>
+          </a:ln>
+        </p:spPr>
+        <p:style>
+          <a:lnRef idx="2">
+            <a:schemeClr val="accent1">
+              <a:shade val="50000"/>
+            </a:schemeClr>
+          </a:lnRef>
+          <a:fillRef idx="1">
+            <a:schemeClr val="accent1"/>
+          </a:fillRef>
+          <a:effectRef idx="0">
+            <a:schemeClr val="accent1"/>
+          </a:effectRef>
+          <a:fontRef idx="minor">
+            <a:schemeClr val="lt1"/>
+          </a:fontRef>
+        </p:style>
+        <p:txBody>
+          <a:bodyPr rtlCol="0" anchor="ctr"/>
+          <a:lstStyle/>
+          <a:p>
+            <a:pPr algn="ctr"/>
+            <a:r>
+              <a:rPr lang="zh-CN" altLang="en-US" dirty="0">
+                <a:solidFill>
+                  <a:sysClr val="windowText" lastClr="000000"/>
+                </a:solidFill>
+              </a:rPr>
+              <a:t>火山</a:t>
+            </a:r>
+          </a:p>
+        </p:txBody>
+      </p:sp>
+      <p:sp>
+        <p:nvSpPr>
+          <p:cNvPr id="27" name="文本框 26">
+            <a:extLst>
+              <a:ext uri="{FF2B5EF4-FFF2-40B4-BE49-F238E27FC236}">
+                <a16:creationId xmlns:a16="http://schemas.microsoft.com/office/drawing/2014/main" id="{221AE391-B5BD-4EFF-9F6C-2E162AC8DF4F}"/>
+              </a:ext>
+            </a:extLst>
+          </p:cNvPr>
+          <p:cNvSpPr txBox="1"/>
+          <p:nvPr/>
+        </p:nvSpPr>
+        <p:spPr>
+          <a:xfrm>
+            <a:off x="2383265" y="2919130"/>
+            <a:ext cx="1867819" cy="646331"/>
+          </a:xfrm>
+          <a:prstGeom prst="rect">
+            <a:avLst/>
+          </a:prstGeom>
+          <a:noFill/>
+        </p:spPr>
+        <p:txBody>
+          <a:bodyPr wrap="none" rtlCol="0">
+            <a:spAutoFit/>
+          </a:bodyPr>
+          <a:lstStyle/>
+          <a:p>
+            <a:r>
+              <a:rPr lang="zh-CN" altLang="en-US" dirty="0"/>
+              <a:t>进入官邸</a:t>
+            </a:r>
+            <a:endParaRPr lang="en-US" altLang="zh-CN" dirty="0"/>
+          </a:p>
+          <a:p>
+            <a:r>
+              <a:rPr lang="zh-CN" altLang="en-US" dirty="0"/>
+              <a:t>暗杀任务</a:t>
+            </a:r>
+            <a:r>
+              <a:rPr lang="en-US" altLang="zh-CN" dirty="0"/>
+              <a:t>1+</a:t>
+            </a:r>
+            <a:r>
+              <a:rPr lang="zh-CN" altLang="en-US" dirty="0"/>
+              <a:t>帕奇</a:t>
+            </a:r>
+          </a:p>
+        </p:txBody>
+      </p:sp>
+      <p:sp>
+        <p:nvSpPr>
+          <p:cNvPr id="28" name="文本框 27">
+            <a:extLst>
+              <a:ext uri="{FF2B5EF4-FFF2-40B4-BE49-F238E27FC236}">
+                <a16:creationId xmlns:a16="http://schemas.microsoft.com/office/drawing/2014/main" id="{0309F54B-CE3A-4B0C-98A4-9356FB40E900}"/>
+              </a:ext>
+            </a:extLst>
+          </p:cNvPr>
+          <p:cNvSpPr txBox="1"/>
+          <p:nvPr/>
+        </p:nvSpPr>
+        <p:spPr>
+          <a:xfrm>
+            <a:off x="2267850" y="5187752"/>
+            <a:ext cx="1569660" cy="369332"/>
+          </a:xfrm>
+          <a:prstGeom prst="rect">
+            <a:avLst/>
+          </a:prstGeom>
+          <a:noFill/>
+        </p:spPr>
+        <p:txBody>
+          <a:bodyPr wrap="none" rtlCol="0">
+            <a:spAutoFit/>
+          </a:bodyPr>
+          <a:lstStyle/>
+          <a:p>
+            <a:r>
+              <a:rPr lang="zh-CN" altLang="en-US" dirty="0"/>
+              <a:t>见到祷告老师</a:t>
+            </a:r>
+          </a:p>
+        </p:txBody>
+      </p:sp>
+      <p:sp>
+        <p:nvSpPr>
+          <p:cNvPr id="29" name="文本框 28">
+            <a:extLst>
+              <a:ext uri="{FF2B5EF4-FFF2-40B4-BE49-F238E27FC236}">
+                <a16:creationId xmlns:a16="http://schemas.microsoft.com/office/drawing/2014/main" id="{41878241-32D5-4B17-B94C-F04A60E9B649}"/>
+              </a:ext>
+            </a:extLst>
+          </p:cNvPr>
+          <p:cNvSpPr txBox="1"/>
+          <p:nvPr/>
+        </p:nvSpPr>
+        <p:spPr>
+          <a:xfrm>
+            <a:off x="6563371" y="5187752"/>
+            <a:ext cx="1338828" cy="369332"/>
+          </a:xfrm>
+          <a:prstGeom prst="rect">
+            <a:avLst/>
+          </a:prstGeom>
+          <a:noFill/>
+        </p:spPr>
+        <p:txBody>
+          <a:bodyPr wrap="none" rtlCol="0">
+            <a:spAutoFit/>
+          </a:bodyPr>
+          <a:lstStyle/>
+          <a:p>
+            <a:r>
+              <a:rPr lang="zh-CN" altLang="en-US" dirty="0"/>
+              <a:t>找到金面具</a:t>
+            </a:r>
+          </a:p>
+        </p:txBody>
+      </p:sp>
+      <p:sp>
+        <p:nvSpPr>
+          <p:cNvPr id="30" name="文本框 29">
+            <a:extLst>
+              <a:ext uri="{FF2B5EF4-FFF2-40B4-BE49-F238E27FC236}">
+                <a16:creationId xmlns:a16="http://schemas.microsoft.com/office/drawing/2014/main" id="{7FD5EB9C-2FDA-4D3B-B56A-25B593F8595D}"/>
+              </a:ext>
+            </a:extLst>
+          </p:cNvPr>
+          <p:cNvSpPr txBox="1"/>
+          <p:nvPr/>
+        </p:nvSpPr>
+        <p:spPr>
+          <a:xfrm>
+            <a:off x="6332538" y="5782676"/>
+            <a:ext cx="1800493" cy="369332"/>
+          </a:xfrm>
+          <a:prstGeom prst="rect">
+            <a:avLst/>
+          </a:prstGeom>
+          <a:noFill/>
+        </p:spPr>
+        <p:txBody>
+          <a:bodyPr wrap="none" rtlCol="0">
+            <a:spAutoFit/>
+          </a:bodyPr>
+          <a:lstStyle/>
+          <a:p>
+            <a:r>
+              <a:rPr lang="zh-CN" altLang="en-US" dirty="0"/>
+              <a:t>再次见到米莉森</a:t>
+            </a:r>
+          </a:p>
+        </p:txBody>
+      </p:sp>
+      <p:sp>
+        <p:nvSpPr>
+          <p:cNvPr id="21" name="文本框 20">
+            <a:extLst>
+              <a:ext uri="{FF2B5EF4-FFF2-40B4-BE49-F238E27FC236}">
+                <a16:creationId xmlns:a16="http://schemas.microsoft.com/office/drawing/2014/main" id="{2DFF8ED4-B5DF-4520-AB61-491C3211EB17}"/>
+              </a:ext>
+            </a:extLst>
+          </p:cNvPr>
+          <p:cNvSpPr txBox="1"/>
+          <p:nvPr/>
+        </p:nvSpPr>
+        <p:spPr>
+          <a:xfrm>
+            <a:off x="4726697" y="5778090"/>
+            <a:ext cx="1107996" cy="369332"/>
+          </a:xfrm>
+          <a:prstGeom prst="rect">
+            <a:avLst/>
+          </a:prstGeom>
+          <a:noFill/>
+        </p:spPr>
+        <p:txBody>
+          <a:bodyPr wrap="none" rtlCol="0">
+            <a:spAutoFit/>
+          </a:bodyPr>
+          <a:lstStyle/>
+          <a:p>
+            <a:r>
+              <a:rPr lang="zh-CN" altLang="en-US" dirty="0"/>
+              <a:t>获取义手</a:t>
+            </a:r>
+          </a:p>
+        </p:txBody>
+      </p:sp>
+      <p:sp>
+        <p:nvSpPr>
+          <p:cNvPr id="23" name="文本框 22">
+            <a:extLst>
+              <a:ext uri="{FF2B5EF4-FFF2-40B4-BE49-F238E27FC236}">
+                <a16:creationId xmlns:a16="http://schemas.microsoft.com/office/drawing/2014/main" id="{87FEC32C-C3BB-4360-95B0-1D48514FEA35}"/>
+              </a:ext>
+            </a:extLst>
+          </p:cNvPr>
+          <p:cNvSpPr txBox="1"/>
+          <p:nvPr/>
+        </p:nvSpPr>
+        <p:spPr>
+          <a:xfrm>
+            <a:off x="4665783" y="2919130"/>
+            <a:ext cx="1229824" cy="369332"/>
+          </a:xfrm>
+          <a:prstGeom prst="rect">
+            <a:avLst/>
+          </a:prstGeom>
+          <a:noFill/>
+        </p:spPr>
+        <p:txBody>
+          <a:bodyPr wrap="none" rtlCol="0">
+            <a:spAutoFit/>
+          </a:bodyPr>
+          <a:lstStyle/>
+          <a:p>
+            <a:r>
+              <a:rPr lang="zh-CN" altLang="en-US" dirty="0"/>
+              <a:t>暗杀任务</a:t>
+            </a:r>
+            <a:r>
+              <a:rPr lang="en-US" altLang="zh-CN" dirty="0"/>
+              <a:t>2</a:t>
+            </a:r>
+            <a:endParaRPr lang="zh-CN" altLang="en-US" dirty="0"/>
+          </a:p>
+        </p:txBody>
+      </p:sp>
+      <p:sp>
+        <p:nvSpPr>
+          <p:cNvPr id="24" name="矩形 23">
+            <a:extLst>
+              <a:ext uri="{FF2B5EF4-FFF2-40B4-BE49-F238E27FC236}">
+                <a16:creationId xmlns:a16="http://schemas.microsoft.com/office/drawing/2014/main" id="{0C884401-4183-4426-8326-1DB8D76458C4}"/>
+              </a:ext>
+            </a:extLst>
+          </p:cNvPr>
+          <p:cNvSpPr/>
+          <p:nvPr/>
+        </p:nvSpPr>
+        <p:spPr>
+          <a:xfrm>
+            <a:off x="8409176" y="1430554"/>
+            <a:ext cx="1551398" cy="514518"/>
+          </a:xfrm>
+          <a:prstGeom prst="rect">
+            <a:avLst/>
+          </a:prstGeom>
+          <a:noFill/>
+          <a:ln w="28575">
+            <a:solidFill>
+              <a:schemeClr val="tx1"/>
+            </a:solidFill>
+          </a:ln>
+        </p:spPr>
+        <p:style>
+          <a:lnRef idx="2">
+            <a:schemeClr val="accent1">
+              <a:shade val="50000"/>
+            </a:schemeClr>
+          </a:lnRef>
+          <a:fillRef idx="1">
+            <a:schemeClr val="accent1"/>
+          </a:fillRef>
+          <a:effectRef idx="0">
+            <a:schemeClr val="accent1"/>
+          </a:effectRef>
+          <a:fontRef idx="minor">
+            <a:schemeClr val="lt1"/>
+          </a:fontRef>
+        </p:style>
+        <p:txBody>
+          <a:bodyPr rtlCol="0" anchor="ctr"/>
+          <a:lstStyle/>
+          <a:p>
+            <a:pPr algn="ctr"/>
+            <a:r>
+              <a:rPr lang="zh-CN" altLang="en-US" dirty="0">
+                <a:solidFill>
+                  <a:sysClr val="windowText" lastClr="000000"/>
+                </a:solidFill>
+              </a:rPr>
+              <a:t>野外</a:t>
+            </a:r>
+          </a:p>
+        </p:txBody>
+      </p:sp>
+      <p:sp>
+        <p:nvSpPr>
+          <p:cNvPr id="26" name="矩形 25">
+            <a:extLst>
+              <a:ext uri="{FF2B5EF4-FFF2-40B4-BE49-F238E27FC236}">
+                <a16:creationId xmlns:a16="http://schemas.microsoft.com/office/drawing/2014/main" id="{3DB244C9-89B9-432F-B398-2CA77BDFAEE5}"/>
+              </a:ext>
+            </a:extLst>
+          </p:cNvPr>
+          <p:cNvSpPr/>
+          <p:nvPr/>
+        </p:nvSpPr>
+        <p:spPr>
+          <a:xfrm>
+            <a:off x="10361266" y="1430554"/>
+            <a:ext cx="1551398" cy="514518"/>
+          </a:xfrm>
+          <a:prstGeom prst="rect">
+            <a:avLst/>
+          </a:prstGeom>
+          <a:noFill/>
+          <a:ln w="28575">
+            <a:solidFill>
+              <a:schemeClr val="tx1"/>
+            </a:solidFill>
+          </a:ln>
+        </p:spPr>
+        <p:style>
+          <a:lnRef idx="2">
+            <a:schemeClr val="accent1">
+              <a:shade val="50000"/>
+            </a:schemeClr>
+          </a:lnRef>
+          <a:fillRef idx="1">
+            <a:schemeClr val="accent1"/>
+          </a:fillRef>
+          <a:effectRef idx="0">
+            <a:schemeClr val="accent1"/>
+          </a:effectRef>
+          <a:fontRef idx="minor">
+            <a:schemeClr val="lt1"/>
+          </a:fontRef>
+        </p:style>
+        <p:txBody>
+          <a:bodyPr rtlCol="0" anchor="ctr"/>
+          <a:lstStyle/>
+          <a:p>
+            <a:pPr algn="ctr"/>
+            <a:r>
+              <a:rPr lang="zh-CN" altLang="en-US" dirty="0">
+                <a:solidFill>
+                  <a:sysClr val="windowText" lastClr="000000"/>
+                </a:solidFill>
+              </a:rPr>
+              <a:t>官邸内部</a:t>
+            </a:r>
+          </a:p>
+        </p:txBody>
+      </p:sp>
+      <p:sp>
+        <p:nvSpPr>
+          <p:cNvPr id="31" name="文本框 30">
+            <a:extLst>
+              <a:ext uri="{FF2B5EF4-FFF2-40B4-BE49-F238E27FC236}">
+                <a16:creationId xmlns:a16="http://schemas.microsoft.com/office/drawing/2014/main" id="{493965CC-7CE4-455B-A8BF-AE2952A1999E}"/>
+              </a:ext>
+            </a:extLst>
+          </p:cNvPr>
+          <p:cNvSpPr txBox="1"/>
+          <p:nvPr/>
+        </p:nvSpPr>
+        <p:spPr>
+          <a:xfrm>
+            <a:off x="10556103" y="2919130"/>
+            <a:ext cx="939681" cy="369332"/>
+          </a:xfrm>
+          <a:prstGeom prst="rect">
+            <a:avLst/>
+          </a:prstGeom>
+          <a:noFill/>
+        </p:spPr>
+        <p:txBody>
+          <a:bodyPr wrap="none" rtlCol="0">
+            <a:spAutoFit/>
+          </a:bodyPr>
+          <a:lstStyle/>
+          <a:p>
+            <a:r>
+              <a:rPr lang="en-US" altLang="zh-CN" dirty="0"/>
+              <a:t>HR</a:t>
+            </a:r>
+            <a:r>
+              <a:rPr lang="zh-CN" altLang="en-US" dirty="0"/>
+              <a:t>支线</a:t>
+            </a:r>
+          </a:p>
+        </p:txBody>
+      </p:sp>
+      <p:sp>
+        <p:nvSpPr>
+          <p:cNvPr id="32" name="文本框 31">
+            <a:extLst>
+              <a:ext uri="{FF2B5EF4-FFF2-40B4-BE49-F238E27FC236}">
+                <a16:creationId xmlns:a16="http://schemas.microsoft.com/office/drawing/2014/main" id="{98BA0973-FADE-4C86-9383-7CECE7F93944}"/>
+              </a:ext>
+            </a:extLst>
+          </p:cNvPr>
+          <p:cNvSpPr txBox="1"/>
+          <p:nvPr/>
+        </p:nvSpPr>
+        <p:spPr>
+          <a:xfrm>
+            <a:off x="10556103" y="3766142"/>
+            <a:ext cx="1107996" cy="369332"/>
+          </a:xfrm>
+          <a:prstGeom prst="rect">
+            <a:avLst/>
+          </a:prstGeom>
+          <a:noFill/>
+        </p:spPr>
+        <p:txBody>
+          <a:bodyPr wrap="none" rtlCol="0">
+            <a:spAutoFit/>
+          </a:bodyPr>
+          <a:lstStyle/>
+          <a:p>
+            <a:r>
+              <a:rPr lang="zh-CN" altLang="en-US" dirty="0"/>
+              <a:t>一个温床</a:t>
+            </a:r>
+          </a:p>
+        </p:txBody>
+      </p:sp>
+      <p:cxnSp>
+        <p:nvCxnSpPr>
+          <p:cNvPr id="3" name="直接箭头连接符 2">
+            <a:extLst>
+              <a:ext uri="{FF2B5EF4-FFF2-40B4-BE49-F238E27FC236}">
+                <a16:creationId xmlns:a16="http://schemas.microsoft.com/office/drawing/2014/main" id="{9A1B641D-C22C-4B57-8000-2E51797DDE40}"/>
+              </a:ext>
+            </a:extLst>
+          </p:cNvPr>
+          <p:cNvCxnSpPr>
+            <a:cxnSpLocks/>
+            <a:endCxn id="13" idx="1"/>
+          </p:cNvCxnSpPr>
+          <p:nvPr/>
+        </p:nvCxnSpPr>
+        <p:spPr>
+          <a:xfrm>
+            <a:off x="2506894" y="741107"/>
+            <a:ext cx="1998102" cy="0"/>
+          </a:xfrm>
+          <a:prstGeom prst="straightConnector1">
+            <a:avLst/>
+          </a:prstGeom>
+          <a:ln w="28575">
+            <a:solidFill>
+              <a:schemeClr val="tx1"/>
+            </a:solidFill>
+            <a:tailEnd type="triangle"/>
+          </a:ln>
+        </p:spPr>
+        <p:style>
+          <a:lnRef idx="1">
+            <a:schemeClr val="accent1"/>
+          </a:lnRef>
+          <a:fillRef idx="0">
+            <a:schemeClr val="accent1"/>
+          </a:fillRef>
+          <a:effectRef idx="0">
+            <a:schemeClr val="accent1"/>
+          </a:effectRef>
+          <a:fontRef idx="minor">
+            <a:schemeClr val="tx1"/>
+          </a:fontRef>
+        </p:style>
+      </p:cxnSp>
+      <p:cxnSp>
+        <p:nvCxnSpPr>
+          <p:cNvPr id="20" name="直接箭头连接符 19">
+            <a:extLst>
+              <a:ext uri="{FF2B5EF4-FFF2-40B4-BE49-F238E27FC236}">
+                <a16:creationId xmlns:a16="http://schemas.microsoft.com/office/drawing/2014/main" id="{18302DAF-BD06-4983-AB54-8A37E9A49B7D}"/>
+              </a:ext>
+            </a:extLst>
+          </p:cNvPr>
+          <p:cNvCxnSpPr>
+            <a:stCxn id="13" idx="3"/>
+            <a:endCxn id="25" idx="1"/>
+          </p:cNvCxnSpPr>
+          <p:nvPr/>
+        </p:nvCxnSpPr>
+        <p:spPr>
+          <a:xfrm>
+            <a:off x="6056394" y="741107"/>
+            <a:ext cx="3278834" cy="0"/>
+          </a:xfrm>
+          <a:prstGeom prst="straightConnector1">
+            <a:avLst/>
+          </a:prstGeom>
+          <a:ln w="28575">
+            <a:solidFill>
+              <a:schemeClr val="tx1"/>
+            </a:solidFill>
+            <a:tailEnd type="triangle"/>
+          </a:ln>
+        </p:spPr>
+        <p:style>
+          <a:lnRef idx="1">
+            <a:schemeClr val="accent1"/>
+          </a:lnRef>
+          <a:fillRef idx="0">
+            <a:schemeClr val="accent1"/>
+          </a:fillRef>
+          <a:effectRef idx="0">
+            <a:schemeClr val="accent1"/>
+          </a:effectRef>
+          <a:fontRef idx="minor">
+            <a:schemeClr val="tx1"/>
+          </a:fontRef>
+        </p:style>
+      </p:cxnSp>
+      <p:cxnSp>
+        <p:nvCxnSpPr>
+          <p:cNvPr id="34" name="直接箭头连接符 33">
+            <a:extLst>
+              <a:ext uri="{FF2B5EF4-FFF2-40B4-BE49-F238E27FC236}">
+                <a16:creationId xmlns:a16="http://schemas.microsoft.com/office/drawing/2014/main" id="{2CF4EBA8-BF3A-40FF-B292-EC47FACC6BA5}"/>
+              </a:ext>
+            </a:extLst>
+          </p:cNvPr>
+          <p:cNvCxnSpPr>
+            <a:stCxn id="25" idx="3"/>
+          </p:cNvCxnSpPr>
+          <p:nvPr/>
+        </p:nvCxnSpPr>
+        <p:spPr>
+          <a:xfrm>
+            <a:off x="10886626" y="741107"/>
+            <a:ext cx="1026038" cy="0"/>
+          </a:xfrm>
+          <a:prstGeom prst="straightConnector1">
+            <a:avLst/>
+          </a:prstGeom>
+          <a:ln w="28575">
+            <a:solidFill>
+              <a:schemeClr val="tx1"/>
+            </a:solidFill>
+            <a:tailEnd type="triangle"/>
+          </a:ln>
+        </p:spPr>
+        <p:style>
+          <a:lnRef idx="1">
+            <a:schemeClr val="accent1"/>
+          </a:lnRef>
+          <a:fillRef idx="0">
+            <a:schemeClr val="accent1"/>
+          </a:fillRef>
+          <a:effectRef idx="0">
+            <a:schemeClr val="accent1"/>
+          </a:effectRef>
+          <a:fontRef idx="minor">
+            <a:schemeClr val="tx1"/>
+          </a:fontRef>
+        </p:style>
+      </p:cxnSp>
     </p:spTree>
     <p:extLst>
       <p:ext uri="{BB962C8B-B14F-4D97-AF65-F5344CB8AC3E}">
-        <p14:creationId xmlns:p14="http://schemas.microsoft.com/office/powerpoint/2010/main" val="1765958182"/>
+        <p14:creationId xmlns:p14="http://schemas.microsoft.com/office/powerpoint/2010/main" val="190634040"/>
+      </p:ext>
+    </p:extLst>
+  </p:cSld>
+  <p:clrMapOvr>
+    <a:masterClrMapping/>
+  </p:clrMapOvr>
+</p:sld>
+</file>
+
+<file path=ppt/slides/slide5.xml><?xml version="1.0" encoding="utf-8"?>
+<p:sld xmlns:a="http://schemas.openxmlformats.org/drawingml/2006/main" xmlns:r="http://schemas.openxmlformats.org/officeDocument/2006/relationships" xmlns:p="http://schemas.openxmlformats.org/presentationml/2006/main">
+  <p:cSld>
+    <p:spTree>
+      <p:nvGrpSpPr>
+        <p:cNvPr id="1" name=""/>
+        <p:cNvGrpSpPr/>
+        <p:nvPr/>
+      </p:nvGrpSpPr>
+      <p:grpSpPr>
+        <a:xfrm>
+          <a:off x="0" y="0"/>
+          <a:ext cx="0" cy="0"/>
+          <a:chOff x="0" y="0"/>
+          <a:chExt cx="0" cy="0"/>
+        </a:xfrm>
+      </p:grpSpPr>
+      <p:sp>
+        <p:nvSpPr>
+          <p:cNvPr id="4" name="文本框 3">
+            <a:extLst>
+              <a:ext uri="{FF2B5EF4-FFF2-40B4-BE49-F238E27FC236}">
+                <a16:creationId xmlns:a16="http://schemas.microsoft.com/office/drawing/2014/main" id="{FE02B6D8-195B-44BF-8507-5816631F11F1}"/>
+              </a:ext>
+            </a:extLst>
+          </p:cNvPr>
+          <p:cNvSpPr txBox="1"/>
+          <p:nvPr/>
+        </p:nvSpPr>
+        <p:spPr>
+          <a:xfrm>
+            <a:off x="311430" y="188459"/>
+            <a:ext cx="1832553" cy="461665"/>
+          </a:xfrm>
+          <a:prstGeom prst="rect">
+            <a:avLst/>
+          </a:prstGeom>
+          <a:noFill/>
+        </p:spPr>
+        <p:txBody>
+          <a:bodyPr wrap="none" rtlCol="0">
+            <a:spAutoFit/>
+          </a:bodyPr>
+          <a:lstStyle/>
+          <a:p>
+            <a:r>
+              <a:rPr lang="zh-CN" altLang="en-US" sz="2400" dirty="0"/>
+              <a:t>推荐顺序 </a:t>
+            </a:r>
+            <a:r>
+              <a:rPr lang="en-US" altLang="zh-CN" sz="2400" dirty="0"/>
+              <a:t>P4</a:t>
+            </a:r>
+            <a:endParaRPr lang="zh-CN" altLang="en-US" sz="2400" dirty="0"/>
+          </a:p>
+        </p:txBody>
+      </p:sp>
+      <p:sp>
+        <p:nvSpPr>
+          <p:cNvPr id="5" name="文本框 4">
+            <a:extLst>
+              <a:ext uri="{FF2B5EF4-FFF2-40B4-BE49-F238E27FC236}">
+                <a16:creationId xmlns:a16="http://schemas.microsoft.com/office/drawing/2014/main" id="{B4CBD8FE-66B3-4CE2-BDBD-DA35FA0488BF}"/>
+              </a:ext>
+            </a:extLst>
+          </p:cNvPr>
+          <p:cNvSpPr txBox="1"/>
+          <p:nvPr/>
+        </p:nvSpPr>
+        <p:spPr>
+          <a:xfrm>
+            <a:off x="580734" y="821122"/>
+            <a:ext cx="877163" cy="369332"/>
+          </a:xfrm>
+          <a:prstGeom prst="rect">
+            <a:avLst/>
+          </a:prstGeom>
+          <a:noFill/>
+        </p:spPr>
+        <p:txBody>
+          <a:bodyPr wrap="none" rtlCol="0">
+            <a:spAutoFit/>
+          </a:bodyPr>
+          <a:lstStyle/>
+          <a:p>
+            <a:r>
+              <a:rPr lang="zh-CN" altLang="en-US" dirty="0"/>
+              <a:t>大阶段</a:t>
+            </a:r>
+          </a:p>
+        </p:txBody>
+      </p:sp>
+      <p:sp>
+        <p:nvSpPr>
+          <p:cNvPr id="6" name="文本框 5">
+            <a:extLst>
+              <a:ext uri="{FF2B5EF4-FFF2-40B4-BE49-F238E27FC236}">
+                <a16:creationId xmlns:a16="http://schemas.microsoft.com/office/drawing/2014/main" id="{DDCA534D-6F0A-4CB8-A0E1-4B7984D1A12D}"/>
+              </a:ext>
+            </a:extLst>
+          </p:cNvPr>
+          <p:cNvSpPr txBox="1"/>
+          <p:nvPr/>
+        </p:nvSpPr>
+        <p:spPr>
+          <a:xfrm>
+            <a:off x="580733" y="1499621"/>
+            <a:ext cx="877163" cy="369332"/>
+          </a:xfrm>
+          <a:prstGeom prst="rect">
+            <a:avLst/>
+          </a:prstGeom>
+          <a:noFill/>
+        </p:spPr>
+        <p:txBody>
+          <a:bodyPr wrap="none" rtlCol="0">
+            <a:spAutoFit/>
+          </a:bodyPr>
+          <a:lstStyle/>
+          <a:p>
+            <a:r>
+              <a:rPr lang="zh-CN" altLang="en-US" dirty="0"/>
+              <a:t>小阶段</a:t>
+            </a:r>
+          </a:p>
+        </p:txBody>
+      </p:sp>
+      <p:sp>
+        <p:nvSpPr>
+          <p:cNvPr id="7" name="文本框 6">
+            <a:extLst>
+              <a:ext uri="{FF2B5EF4-FFF2-40B4-BE49-F238E27FC236}">
+                <a16:creationId xmlns:a16="http://schemas.microsoft.com/office/drawing/2014/main" id="{48BD4D6A-8701-4BCA-9E10-94E8867C88C0}"/>
+              </a:ext>
+            </a:extLst>
+          </p:cNvPr>
+          <p:cNvSpPr txBox="1"/>
+          <p:nvPr/>
+        </p:nvSpPr>
+        <p:spPr>
+          <a:xfrm>
+            <a:off x="580733" y="2349118"/>
+            <a:ext cx="1338828" cy="369332"/>
+          </a:xfrm>
+          <a:prstGeom prst="rect">
+            <a:avLst/>
+          </a:prstGeom>
+          <a:noFill/>
+        </p:spPr>
+        <p:txBody>
+          <a:bodyPr wrap="none" rtlCol="0">
+            <a:spAutoFit/>
+          </a:bodyPr>
+          <a:lstStyle/>
+          <a:p>
+            <a:r>
+              <a:rPr lang="zh-CN" altLang="en-US" dirty="0"/>
+              <a:t>雪魔女系列</a:t>
+            </a:r>
+          </a:p>
+        </p:txBody>
+      </p:sp>
+      <p:sp>
+        <p:nvSpPr>
+          <p:cNvPr id="8" name="文本框 7">
+            <a:extLst>
+              <a:ext uri="{FF2B5EF4-FFF2-40B4-BE49-F238E27FC236}">
+                <a16:creationId xmlns:a16="http://schemas.microsoft.com/office/drawing/2014/main" id="{E1700672-92EF-4A5E-A510-C123DFA5ADAD}"/>
+              </a:ext>
+            </a:extLst>
+          </p:cNvPr>
+          <p:cNvSpPr txBox="1"/>
+          <p:nvPr/>
+        </p:nvSpPr>
+        <p:spPr>
+          <a:xfrm>
+            <a:off x="580733" y="3057630"/>
+            <a:ext cx="1569660" cy="369332"/>
+          </a:xfrm>
+          <a:prstGeom prst="rect">
+            <a:avLst/>
+          </a:prstGeom>
+          <a:noFill/>
+        </p:spPr>
+        <p:txBody>
+          <a:bodyPr wrap="none" rtlCol="0">
+            <a:spAutoFit/>
+          </a:bodyPr>
+          <a:lstStyle/>
+          <a:p>
+            <a:r>
+              <a:rPr lang="zh-CN" altLang="en-US" dirty="0"/>
+              <a:t>火山官邸系列</a:t>
+            </a:r>
+          </a:p>
+        </p:txBody>
+      </p:sp>
+      <p:sp>
+        <p:nvSpPr>
+          <p:cNvPr id="9" name="文本框 8">
+            <a:extLst>
+              <a:ext uri="{FF2B5EF4-FFF2-40B4-BE49-F238E27FC236}">
+                <a16:creationId xmlns:a16="http://schemas.microsoft.com/office/drawing/2014/main" id="{9373ECB8-FC84-4991-90F0-667ECC3A75C6}"/>
+              </a:ext>
+            </a:extLst>
+          </p:cNvPr>
+          <p:cNvSpPr txBox="1"/>
+          <p:nvPr/>
+        </p:nvSpPr>
+        <p:spPr>
+          <a:xfrm>
+            <a:off x="580733" y="3766142"/>
+            <a:ext cx="1569660" cy="369332"/>
+          </a:xfrm>
+          <a:prstGeom prst="rect">
+            <a:avLst/>
+          </a:prstGeom>
+          <a:noFill/>
+        </p:spPr>
+        <p:txBody>
+          <a:bodyPr wrap="none" rtlCol="0">
+            <a:spAutoFit/>
+          </a:bodyPr>
+          <a:lstStyle/>
+          <a:p>
+            <a:r>
+              <a:rPr lang="zh-CN" altLang="en-US" dirty="0"/>
+              <a:t>受诅咒者系列</a:t>
+            </a:r>
+          </a:p>
+        </p:txBody>
+      </p:sp>
+      <p:sp>
+        <p:nvSpPr>
+          <p:cNvPr id="10" name="文本框 9">
+            <a:extLst>
+              <a:ext uri="{FF2B5EF4-FFF2-40B4-BE49-F238E27FC236}">
+                <a16:creationId xmlns:a16="http://schemas.microsoft.com/office/drawing/2014/main" id="{0CA6403B-1B6F-4E03-BE55-C8F819C87C87}"/>
+              </a:ext>
+            </a:extLst>
+          </p:cNvPr>
+          <p:cNvSpPr txBox="1"/>
+          <p:nvPr/>
+        </p:nvSpPr>
+        <p:spPr>
+          <a:xfrm>
+            <a:off x="580733" y="4474654"/>
+            <a:ext cx="1569660" cy="369332"/>
+          </a:xfrm>
+          <a:prstGeom prst="rect">
+            <a:avLst/>
+          </a:prstGeom>
+          <a:noFill/>
+        </p:spPr>
+        <p:txBody>
+          <a:bodyPr wrap="none" rtlCol="0">
+            <a:spAutoFit/>
+          </a:bodyPr>
+          <a:lstStyle/>
+          <a:p>
+            <a:r>
+              <a:rPr lang="zh-CN" altLang="en-US" dirty="0"/>
+              <a:t>死眠少女系列</a:t>
+            </a:r>
+          </a:p>
+        </p:txBody>
+      </p:sp>
+      <p:sp>
+        <p:nvSpPr>
+          <p:cNvPr id="11" name="文本框 10">
+            <a:extLst>
+              <a:ext uri="{FF2B5EF4-FFF2-40B4-BE49-F238E27FC236}">
+                <a16:creationId xmlns:a16="http://schemas.microsoft.com/office/drawing/2014/main" id="{CDB62ED1-CB6E-4A4A-8A52-1BF064BC2C65}"/>
+              </a:ext>
+            </a:extLst>
+          </p:cNvPr>
+          <p:cNvSpPr txBox="1"/>
+          <p:nvPr/>
+        </p:nvSpPr>
+        <p:spPr>
+          <a:xfrm>
+            <a:off x="580733" y="5183166"/>
+            <a:ext cx="1338828" cy="369332"/>
+          </a:xfrm>
+          <a:prstGeom prst="rect">
+            <a:avLst/>
+          </a:prstGeom>
+          <a:noFill/>
+        </p:spPr>
+        <p:txBody>
+          <a:bodyPr wrap="none" rtlCol="0">
+            <a:spAutoFit/>
+          </a:bodyPr>
+          <a:lstStyle/>
+          <a:p>
+            <a:r>
+              <a:rPr lang="zh-CN" altLang="en-US" dirty="0"/>
+              <a:t>金面具系列</a:t>
+            </a:r>
+          </a:p>
+        </p:txBody>
+      </p:sp>
+      <p:sp>
+        <p:nvSpPr>
+          <p:cNvPr id="12" name="文本框 11">
+            <a:extLst>
+              <a:ext uri="{FF2B5EF4-FFF2-40B4-BE49-F238E27FC236}">
+                <a16:creationId xmlns:a16="http://schemas.microsoft.com/office/drawing/2014/main" id="{57DC7A97-9899-49D2-9060-B887ACE1403F}"/>
+              </a:ext>
+            </a:extLst>
+          </p:cNvPr>
+          <p:cNvSpPr txBox="1"/>
+          <p:nvPr/>
+        </p:nvSpPr>
+        <p:spPr>
+          <a:xfrm>
+            <a:off x="580733" y="5891678"/>
+            <a:ext cx="1107996" cy="369332"/>
+          </a:xfrm>
+          <a:prstGeom prst="rect">
+            <a:avLst/>
+          </a:prstGeom>
+          <a:noFill/>
+        </p:spPr>
+        <p:txBody>
+          <a:bodyPr wrap="none" rtlCol="0">
+            <a:spAutoFit/>
+          </a:bodyPr>
+          <a:lstStyle/>
+          <a:p>
+            <a:r>
+              <a:rPr lang="zh-CN" altLang="en-US" dirty="0"/>
+              <a:t>癫火系列</a:t>
+            </a:r>
+          </a:p>
+        </p:txBody>
+      </p:sp>
+      <p:sp>
+        <p:nvSpPr>
+          <p:cNvPr id="13" name="矩形 12">
+            <a:extLst>
+              <a:ext uri="{FF2B5EF4-FFF2-40B4-BE49-F238E27FC236}">
+                <a16:creationId xmlns:a16="http://schemas.microsoft.com/office/drawing/2014/main" id="{D22DF2B9-986E-4CF3-B45D-13ECB6004EF3}"/>
+              </a:ext>
+            </a:extLst>
+          </p:cNvPr>
+          <p:cNvSpPr/>
+          <p:nvPr/>
+        </p:nvSpPr>
+        <p:spPr>
+          <a:xfrm>
+            <a:off x="4504996" y="483848"/>
+            <a:ext cx="1551398" cy="514518"/>
+          </a:xfrm>
+          <a:prstGeom prst="rect">
+            <a:avLst/>
+          </a:prstGeom>
+          <a:noFill/>
+          <a:ln w="28575">
+            <a:solidFill>
+              <a:schemeClr val="tx1"/>
+            </a:solidFill>
+          </a:ln>
+        </p:spPr>
+        <p:style>
+          <a:lnRef idx="2">
+            <a:schemeClr val="accent1">
+              <a:shade val="50000"/>
+            </a:schemeClr>
+          </a:lnRef>
+          <a:fillRef idx="1">
+            <a:schemeClr val="accent1"/>
+          </a:fillRef>
+          <a:effectRef idx="0">
+            <a:schemeClr val="accent1"/>
+          </a:effectRef>
+          <a:fontRef idx="minor">
+            <a:schemeClr val="lt1"/>
+          </a:fontRef>
+        </p:style>
+        <p:txBody>
+          <a:bodyPr rtlCol="0" anchor="ctr"/>
+          <a:lstStyle/>
+          <a:p>
+            <a:pPr algn="ctr"/>
+            <a:r>
+              <a:rPr lang="zh-CN" altLang="en-US" dirty="0">
+                <a:solidFill>
+                  <a:sysClr val="windowText" lastClr="000000"/>
+                </a:solidFill>
+              </a:rPr>
+              <a:t>王城</a:t>
+            </a:r>
+          </a:p>
+        </p:txBody>
+      </p:sp>
+      <p:sp>
+        <p:nvSpPr>
+          <p:cNvPr id="14" name="矩形 13">
+            <a:extLst>
+              <a:ext uri="{FF2B5EF4-FFF2-40B4-BE49-F238E27FC236}">
+                <a16:creationId xmlns:a16="http://schemas.microsoft.com/office/drawing/2014/main" id="{333B98A7-A260-46D1-BBF0-0E4F7973635D}"/>
+              </a:ext>
+            </a:extLst>
+          </p:cNvPr>
+          <p:cNvSpPr/>
+          <p:nvPr/>
+        </p:nvSpPr>
+        <p:spPr>
+          <a:xfrm>
+            <a:off x="2506894" y="1430554"/>
+            <a:ext cx="1551398" cy="514518"/>
+          </a:xfrm>
+          <a:prstGeom prst="rect">
+            <a:avLst/>
+          </a:prstGeom>
+          <a:noFill/>
+          <a:ln w="28575">
+            <a:solidFill>
+              <a:schemeClr val="tx1"/>
+            </a:solidFill>
+          </a:ln>
+        </p:spPr>
+        <p:style>
+          <a:lnRef idx="2">
+            <a:schemeClr val="accent1">
+              <a:shade val="50000"/>
+            </a:schemeClr>
+          </a:lnRef>
+          <a:fillRef idx="1">
+            <a:schemeClr val="accent1"/>
+          </a:fillRef>
+          <a:effectRef idx="0">
+            <a:schemeClr val="accent1"/>
+          </a:effectRef>
+          <a:fontRef idx="minor">
+            <a:schemeClr val="lt1"/>
+          </a:fontRef>
+        </p:style>
+        <p:txBody>
+          <a:bodyPr rtlCol="0" anchor="ctr"/>
+          <a:lstStyle/>
+          <a:p>
+            <a:pPr algn="ctr"/>
+            <a:r>
+              <a:rPr lang="zh-CN" altLang="en-US" dirty="0">
+                <a:solidFill>
+                  <a:sysClr val="windowText" lastClr="000000"/>
+                </a:solidFill>
+              </a:rPr>
+              <a:t>外城</a:t>
+            </a:r>
+          </a:p>
+        </p:txBody>
+      </p:sp>
+      <p:sp>
+        <p:nvSpPr>
+          <p:cNvPr id="16" name="矩形 15">
+            <a:extLst>
+              <a:ext uri="{FF2B5EF4-FFF2-40B4-BE49-F238E27FC236}">
+                <a16:creationId xmlns:a16="http://schemas.microsoft.com/office/drawing/2014/main" id="{91B5AEFB-2BFE-4F53-884E-06B1032DCD33}"/>
+              </a:ext>
+            </a:extLst>
+          </p:cNvPr>
+          <p:cNvSpPr/>
+          <p:nvPr/>
+        </p:nvSpPr>
+        <p:spPr>
+          <a:xfrm>
+            <a:off x="4504996" y="1430554"/>
+            <a:ext cx="1551398" cy="514518"/>
+          </a:xfrm>
+          <a:prstGeom prst="rect">
+            <a:avLst/>
+          </a:prstGeom>
+          <a:noFill/>
+          <a:ln w="28575">
+            <a:solidFill>
+              <a:schemeClr val="tx1"/>
+            </a:solidFill>
+          </a:ln>
+        </p:spPr>
+        <p:style>
+          <a:lnRef idx="2">
+            <a:schemeClr val="accent1">
+              <a:shade val="50000"/>
+            </a:schemeClr>
+          </a:lnRef>
+          <a:fillRef idx="1">
+            <a:schemeClr val="accent1"/>
+          </a:fillRef>
+          <a:effectRef idx="0">
+            <a:schemeClr val="accent1"/>
+          </a:effectRef>
+          <a:fontRef idx="minor">
+            <a:schemeClr val="lt1"/>
+          </a:fontRef>
+        </p:style>
+        <p:txBody>
+          <a:bodyPr rtlCol="0" anchor="ctr"/>
+          <a:lstStyle/>
+          <a:p>
+            <a:pPr algn="ctr"/>
+            <a:r>
+              <a:rPr lang="zh-CN" altLang="en-US" dirty="0">
+                <a:solidFill>
+                  <a:sysClr val="windowText" lastClr="000000"/>
+                </a:solidFill>
+              </a:rPr>
+              <a:t>内城</a:t>
+            </a:r>
+          </a:p>
+        </p:txBody>
+      </p:sp>
+      <p:sp>
+        <p:nvSpPr>
+          <p:cNvPr id="17" name="矩形 16">
+            <a:extLst>
+              <a:ext uri="{FF2B5EF4-FFF2-40B4-BE49-F238E27FC236}">
+                <a16:creationId xmlns:a16="http://schemas.microsoft.com/office/drawing/2014/main" id="{FC2AB27B-2085-4B3D-8868-4CE584BD8346}"/>
+              </a:ext>
+            </a:extLst>
+          </p:cNvPr>
+          <p:cNvSpPr/>
+          <p:nvPr/>
+        </p:nvSpPr>
+        <p:spPr>
+          <a:xfrm>
+            <a:off x="6457086" y="1430554"/>
+            <a:ext cx="1551398" cy="514518"/>
+          </a:xfrm>
+          <a:prstGeom prst="rect">
+            <a:avLst/>
+          </a:prstGeom>
+          <a:noFill/>
+          <a:ln w="28575">
+            <a:solidFill>
+              <a:schemeClr val="tx1"/>
+            </a:solidFill>
+          </a:ln>
+        </p:spPr>
+        <p:style>
+          <a:lnRef idx="2">
+            <a:schemeClr val="accent1">
+              <a:shade val="50000"/>
+            </a:schemeClr>
+          </a:lnRef>
+          <a:fillRef idx="1">
+            <a:schemeClr val="accent1"/>
+          </a:fillRef>
+          <a:effectRef idx="0">
+            <a:schemeClr val="accent1"/>
+          </a:effectRef>
+          <a:fontRef idx="minor">
+            <a:schemeClr val="lt1"/>
+          </a:fontRef>
+        </p:style>
+        <p:txBody>
+          <a:bodyPr rtlCol="0" anchor="ctr"/>
+          <a:lstStyle/>
+          <a:p>
+            <a:pPr algn="ctr"/>
+            <a:r>
+              <a:rPr lang="zh-CN" altLang="en-US" dirty="0">
+                <a:solidFill>
+                  <a:sysClr val="windowText" lastClr="000000"/>
+                </a:solidFill>
+              </a:rPr>
+              <a:t>下水道</a:t>
+            </a:r>
+          </a:p>
+        </p:txBody>
+      </p:sp>
+      <p:sp>
+        <p:nvSpPr>
+          <p:cNvPr id="28" name="文本框 27">
+            <a:extLst>
+              <a:ext uri="{FF2B5EF4-FFF2-40B4-BE49-F238E27FC236}">
+                <a16:creationId xmlns:a16="http://schemas.microsoft.com/office/drawing/2014/main" id="{0309F54B-CE3A-4B0C-98A4-9356FB40E900}"/>
+              </a:ext>
+            </a:extLst>
+          </p:cNvPr>
+          <p:cNvSpPr txBox="1"/>
+          <p:nvPr/>
+        </p:nvSpPr>
+        <p:spPr>
+          <a:xfrm>
+            <a:off x="4726697" y="5044666"/>
+            <a:ext cx="1107996" cy="646331"/>
+          </a:xfrm>
+          <a:prstGeom prst="rect">
+            <a:avLst/>
+          </a:prstGeom>
+          <a:noFill/>
+        </p:spPr>
+        <p:txBody>
+          <a:bodyPr wrap="none" rtlCol="0">
+            <a:spAutoFit/>
+          </a:bodyPr>
+          <a:lstStyle/>
+          <a:p>
+            <a:r>
+              <a:rPr lang="zh-CN" altLang="en-US" dirty="0"/>
+              <a:t>再次见面</a:t>
+            </a:r>
+            <a:endParaRPr lang="en-US" altLang="zh-CN" dirty="0"/>
+          </a:p>
+          <a:p>
+            <a:r>
+              <a:rPr lang="zh-CN" altLang="en-US" dirty="0"/>
+              <a:t>雕像谜题</a:t>
+            </a:r>
+          </a:p>
+        </p:txBody>
+      </p:sp>
+      <p:sp>
+        <p:nvSpPr>
+          <p:cNvPr id="23" name="文本框 22">
+            <a:extLst>
+              <a:ext uri="{FF2B5EF4-FFF2-40B4-BE49-F238E27FC236}">
+                <a16:creationId xmlns:a16="http://schemas.microsoft.com/office/drawing/2014/main" id="{87FEC32C-C3BB-4360-95B0-1D48514FEA35}"/>
+              </a:ext>
+            </a:extLst>
+          </p:cNvPr>
+          <p:cNvSpPr txBox="1"/>
+          <p:nvPr/>
+        </p:nvSpPr>
+        <p:spPr>
+          <a:xfrm>
+            <a:off x="4665783" y="2919130"/>
+            <a:ext cx="1569660" cy="369332"/>
+          </a:xfrm>
+          <a:prstGeom prst="rect">
+            <a:avLst/>
+          </a:prstGeom>
+          <a:noFill/>
+        </p:spPr>
+        <p:txBody>
+          <a:bodyPr wrap="none" rtlCol="0">
+            <a:spAutoFit/>
+          </a:bodyPr>
+          <a:lstStyle/>
+          <a:p>
+            <a:r>
+              <a:rPr lang="zh-CN" altLang="en-US" dirty="0"/>
+              <a:t>战技老师支线</a:t>
+            </a:r>
+          </a:p>
+        </p:txBody>
+      </p:sp>
+      <p:cxnSp>
+        <p:nvCxnSpPr>
+          <p:cNvPr id="3" name="直接箭头连接符 2">
+            <a:extLst>
+              <a:ext uri="{FF2B5EF4-FFF2-40B4-BE49-F238E27FC236}">
+                <a16:creationId xmlns:a16="http://schemas.microsoft.com/office/drawing/2014/main" id="{9A1B641D-C22C-4B57-8000-2E51797DDE40}"/>
+              </a:ext>
+            </a:extLst>
+          </p:cNvPr>
+          <p:cNvCxnSpPr>
+            <a:cxnSpLocks/>
+            <a:endCxn id="13" idx="1"/>
+          </p:cNvCxnSpPr>
+          <p:nvPr/>
+        </p:nvCxnSpPr>
+        <p:spPr>
+          <a:xfrm>
+            <a:off x="2506894" y="741107"/>
+            <a:ext cx="1998102" cy="0"/>
+          </a:xfrm>
+          <a:prstGeom prst="straightConnector1">
+            <a:avLst/>
+          </a:prstGeom>
+          <a:ln w="28575">
+            <a:solidFill>
+              <a:schemeClr val="tx1"/>
+            </a:solidFill>
+            <a:tailEnd type="triangle"/>
+          </a:ln>
+        </p:spPr>
+        <p:style>
+          <a:lnRef idx="1">
+            <a:schemeClr val="accent1"/>
+          </a:lnRef>
+          <a:fillRef idx="0">
+            <a:schemeClr val="accent1"/>
+          </a:fillRef>
+          <a:effectRef idx="0">
+            <a:schemeClr val="accent1"/>
+          </a:effectRef>
+          <a:fontRef idx="minor">
+            <a:schemeClr val="tx1"/>
+          </a:fontRef>
+        </p:style>
+      </p:cxnSp>
+      <p:cxnSp>
+        <p:nvCxnSpPr>
+          <p:cNvPr id="20" name="直接箭头连接符 19">
+            <a:extLst>
+              <a:ext uri="{FF2B5EF4-FFF2-40B4-BE49-F238E27FC236}">
+                <a16:creationId xmlns:a16="http://schemas.microsoft.com/office/drawing/2014/main" id="{18302DAF-BD06-4983-AB54-8A37E9A49B7D}"/>
+              </a:ext>
+            </a:extLst>
+          </p:cNvPr>
+          <p:cNvCxnSpPr>
+            <a:cxnSpLocks/>
+            <a:stCxn id="13" idx="3"/>
+          </p:cNvCxnSpPr>
+          <p:nvPr/>
+        </p:nvCxnSpPr>
+        <p:spPr>
+          <a:xfrm>
+            <a:off x="6056394" y="741107"/>
+            <a:ext cx="3278834" cy="0"/>
+          </a:xfrm>
+          <a:prstGeom prst="straightConnector1">
+            <a:avLst/>
+          </a:prstGeom>
+          <a:ln w="28575">
+            <a:solidFill>
+              <a:schemeClr val="tx1"/>
+            </a:solidFill>
+            <a:tailEnd type="triangle"/>
+          </a:ln>
+        </p:spPr>
+        <p:style>
+          <a:lnRef idx="1">
+            <a:schemeClr val="accent1"/>
+          </a:lnRef>
+          <a:fillRef idx="0">
+            <a:schemeClr val="accent1"/>
+          </a:fillRef>
+          <a:effectRef idx="0">
+            <a:schemeClr val="accent1"/>
+          </a:effectRef>
+          <a:fontRef idx="minor">
+            <a:schemeClr val="tx1"/>
+          </a:fontRef>
+        </p:style>
+      </p:cxnSp>
+      <p:sp>
+        <p:nvSpPr>
+          <p:cNvPr id="33" name="文本框 32">
+            <a:extLst>
+              <a:ext uri="{FF2B5EF4-FFF2-40B4-BE49-F238E27FC236}">
+                <a16:creationId xmlns:a16="http://schemas.microsoft.com/office/drawing/2014/main" id="{48AE5369-7012-43A8-98C0-4DD418BE10E9}"/>
+              </a:ext>
+            </a:extLst>
+          </p:cNvPr>
+          <p:cNvSpPr txBox="1"/>
+          <p:nvPr/>
+        </p:nvSpPr>
+        <p:spPr>
+          <a:xfrm>
+            <a:off x="4726697" y="3766142"/>
+            <a:ext cx="1107996" cy="369332"/>
+          </a:xfrm>
+          <a:prstGeom prst="rect">
+            <a:avLst/>
+          </a:prstGeom>
+          <a:noFill/>
+        </p:spPr>
+        <p:txBody>
+          <a:bodyPr wrap="none" rtlCol="0">
+            <a:spAutoFit/>
+          </a:bodyPr>
+          <a:lstStyle/>
+          <a:p>
+            <a:r>
+              <a:rPr lang="zh-CN" altLang="en-US" dirty="0"/>
+              <a:t>两个温床</a:t>
+            </a:r>
+          </a:p>
+        </p:txBody>
+      </p:sp>
+      <p:sp>
+        <p:nvSpPr>
+          <p:cNvPr id="36" name="文本框 35">
+            <a:extLst>
+              <a:ext uri="{FF2B5EF4-FFF2-40B4-BE49-F238E27FC236}">
+                <a16:creationId xmlns:a16="http://schemas.microsoft.com/office/drawing/2014/main" id="{C8050BB7-6286-44BA-9AD4-3BBA47601649}"/>
+              </a:ext>
+            </a:extLst>
+          </p:cNvPr>
+          <p:cNvSpPr txBox="1"/>
+          <p:nvPr/>
+        </p:nvSpPr>
+        <p:spPr>
+          <a:xfrm>
+            <a:off x="6678786" y="3627642"/>
+            <a:ext cx="1338828" cy="646331"/>
+          </a:xfrm>
+          <a:prstGeom prst="rect">
+            <a:avLst/>
+          </a:prstGeom>
+          <a:noFill/>
+        </p:spPr>
+        <p:txBody>
+          <a:bodyPr wrap="none" rtlCol="0">
+            <a:spAutoFit/>
+          </a:bodyPr>
+          <a:lstStyle/>
+          <a:p>
+            <a:r>
+              <a:rPr lang="zh-CN" altLang="en-US" dirty="0"/>
+              <a:t>营救本体</a:t>
+            </a:r>
+            <a:endParaRPr lang="en-US" altLang="zh-CN" dirty="0"/>
+          </a:p>
+          <a:p>
+            <a:r>
+              <a:rPr lang="zh-CN" altLang="en-US" dirty="0"/>
+              <a:t>虾子的温床</a:t>
+            </a:r>
+          </a:p>
+        </p:txBody>
+      </p:sp>
+      <p:sp>
+        <p:nvSpPr>
+          <p:cNvPr id="29" name="文本框 28">
+            <a:extLst>
+              <a:ext uri="{FF2B5EF4-FFF2-40B4-BE49-F238E27FC236}">
+                <a16:creationId xmlns:a16="http://schemas.microsoft.com/office/drawing/2014/main" id="{0F3F1BEE-F59D-4EB0-8F2E-E2E5BE8A1484}"/>
+              </a:ext>
+            </a:extLst>
+          </p:cNvPr>
+          <p:cNvSpPr txBox="1"/>
+          <p:nvPr/>
+        </p:nvSpPr>
+        <p:spPr>
+          <a:xfrm>
+            <a:off x="6909619" y="5891678"/>
+            <a:ext cx="646331" cy="369332"/>
+          </a:xfrm>
+          <a:prstGeom prst="rect">
+            <a:avLst/>
+          </a:prstGeom>
+          <a:noFill/>
+        </p:spPr>
+        <p:txBody>
+          <a:bodyPr wrap="none" rtlCol="0">
+            <a:spAutoFit/>
+          </a:bodyPr>
+          <a:lstStyle/>
+          <a:p>
+            <a:r>
+              <a:rPr lang="zh-CN" altLang="en-US" dirty="0"/>
+              <a:t>三指</a:t>
+            </a:r>
+          </a:p>
+        </p:txBody>
+      </p:sp>
+    </p:spTree>
+    <p:extLst>
+      <p:ext uri="{BB962C8B-B14F-4D97-AF65-F5344CB8AC3E}">
+        <p14:creationId xmlns:p14="http://schemas.microsoft.com/office/powerpoint/2010/main" val="3517523023"/>
+      </p:ext>
+    </p:extLst>
+  </p:cSld>
+  <p:clrMapOvr>
+    <a:masterClrMapping/>
+  </p:clrMapOvr>
+</p:sld>
+</file>
+
+<file path=ppt/slides/slide6.xml><?xml version="1.0" encoding="utf-8"?>
+<p:sld xmlns:a="http://schemas.openxmlformats.org/drawingml/2006/main" xmlns:r="http://schemas.openxmlformats.org/officeDocument/2006/relationships" xmlns:p="http://schemas.openxmlformats.org/presentationml/2006/main">
+  <p:cSld>
+    <p:spTree>
+      <p:nvGrpSpPr>
+        <p:cNvPr id="1" name=""/>
+        <p:cNvGrpSpPr/>
+        <p:nvPr/>
+      </p:nvGrpSpPr>
+      <p:grpSpPr>
+        <a:xfrm>
+          <a:off x="0" y="0"/>
+          <a:ext cx="0" cy="0"/>
+          <a:chOff x="0" y="0"/>
+          <a:chExt cx="0" cy="0"/>
+        </a:xfrm>
+      </p:grpSpPr>
+      <p:sp>
+        <p:nvSpPr>
+          <p:cNvPr id="4" name="文本框 3">
+            <a:extLst>
+              <a:ext uri="{FF2B5EF4-FFF2-40B4-BE49-F238E27FC236}">
+                <a16:creationId xmlns:a16="http://schemas.microsoft.com/office/drawing/2014/main" id="{FE02B6D8-195B-44BF-8507-5816631F11F1}"/>
+              </a:ext>
+            </a:extLst>
+          </p:cNvPr>
+          <p:cNvSpPr txBox="1"/>
+          <p:nvPr/>
+        </p:nvSpPr>
+        <p:spPr>
+          <a:xfrm>
+            <a:off x="311430" y="188459"/>
+            <a:ext cx="1832553" cy="461665"/>
+          </a:xfrm>
+          <a:prstGeom prst="rect">
+            <a:avLst/>
+          </a:prstGeom>
+          <a:noFill/>
+        </p:spPr>
+        <p:txBody>
+          <a:bodyPr wrap="none" rtlCol="0">
+            <a:spAutoFit/>
+          </a:bodyPr>
+          <a:lstStyle/>
+          <a:p>
+            <a:r>
+              <a:rPr lang="zh-CN" altLang="en-US" sz="2400" dirty="0"/>
+              <a:t>推荐顺序 </a:t>
+            </a:r>
+            <a:r>
+              <a:rPr lang="en-US" altLang="zh-CN" sz="2400" dirty="0"/>
+              <a:t>P4</a:t>
+            </a:r>
+            <a:endParaRPr lang="zh-CN" altLang="en-US" sz="2400" dirty="0"/>
+          </a:p>
+        </p:txBody>
+      </p:sp>
+      <p:sp>
+        <p:nvSpPr>
+          <p:cNvPr id="5" name="文本框 4">
+            <a:extLst>
+              <a:ext uri="{FF2B5EF4-FFF2-40B4-BE49-F238E27FC236}">
+                <a16:creationId xmlns:a16="http://schemas.microsoft.com/office/drawing/2014/main" id="{B4CBD8FE-66B3-4CE2-BDBD-DA35FA0488BF}"/>
+              </a:ext>
+            </a:extLst>
+          </p:cNvPr>
+          <p:cNvSpPr txBox="1"/>
+          <p:nvPr/>
+        </p:nvSpPr>
+        <p:spPr>
+          <a:xfrm>
+            <a:off x="580734" y="821122"/>
+            <a:ext cx="877163" cy="369332"/>
+          </a:xfrm>
+          <a:prstGeom prst="rect">
+            <a:avLst/>
+          </a:prstGeom>
+          <a:noFill/>
+        </p:spPr>
+        <p:txBody>
+          <a:bodyPr wrap="none" rtlCol="0">
+            <a:spAutoFit/>
+          </a:bodyPr>
+          <a:lstStyle/>
+          <a:p>
+            <a:r>
+              <a:rPr lang="zh-CN" altLang="en-US" dirty="0"/>
+              <a:t>大阶段</a:t>
+            </a:r>
+          </a:p>
+        </p:txBody>
+      </p:sp>
+      <p:sp>
+        <p:nvSpPr>
+          <p:cNvPr id="6" name="文本框 5">
+            <a:extLst>
+              <a:ext uri="{FF2B5EF4-FFF2-40B4-BE49-F238E27FC236}">
+                <a16:creationId xmlns:a16="http://schemas.microsoft.com/office/drawing/2014/main" id="{DDCA534D-6F0A-4CB8-A0E1-4B7984D1A12D}"/>
+              </a:ext>
+            </a:extLst>
+          </p:cNvPr>
+          <p:cNvSpPr txBox="1"/>
+          <p:nvPr/>
+        </p:nvSpPr>
+        <p:spPr>
+          <a:xfrm>
+            <a:off x="580733" y="1499621"/>
+            <a:ext cx="877163" cy="369332"/>
+          </a:xfrm>
+          <a:prstGeom prst="rect">
+            <a:avLst/>
+          </a:prstGeom>
+          <a:noFill/>
+        </p:spPr>
+        <p:txBody>
+          <a:bodyPr wrap="none" rtlCol="0">
+            <a:spAutoFit/>
+          </a:bodyPr>
+          <a:lstStyle/>
+          <a:p>
+            <a:r>
+              <a:rPr lang="zh-CN" altLang="en-US" dirty="0"/>
+              <a:t>小阶段</a:t>
+            </a:r>
+          </a:p>
+        </p:txBody>
+      </p:sp>
+      <p:sp>
+        <p:nvSpPr>
+          <p:cNvPr id="7" name="文本框 6">
+            <a:extLst>
+              <a:ext uri="{FF2B5EF4-FFF2-40B4-BE49-F238E27FC236}">
+                <a16:creationId xmlns:a16="http://schemas.microsoft.com/office/drawing/2014/main" id="{48BD4D6A-8701-4BCA-9E10-94E8867C88C0}"/>
+              </a:ext>
+            </a:extLst>
+          </p:cNvPr>
+          <p:cNvSpPr txBox="1"/>
+          <p:nvPr/>
+        </p:nvSpPr>
+        <p:spPr>
+          <a:xfrm>
+            <a:off x="580733" y="2349118"/>
+            <a:ext cx="1338828" cy="369332"/>
+          </a:xfrm>
+          <a:prstGeom prst="rect">
+            <a:avLst/>
+          </a:prstGeom>
+          <a:noFill/>
+        </p:spPr>
+        <p:txBody>
+          <a:bodyPr wrap="none" rtlCol="0">
+            <a:spAutoFit/>
+          </a:bodyPr>
+          <a:lstStyle/>
+          <a:p>
+            <a:r>
+              <a:rPr lang="zh-CN" altLang="en-US" dirty="0"/>
+              <a:t>雪魔女系列</a:t>
+            </a:r>
+          </a:p>
+        </p:txBody>
+      </p:sp>
+      <p:sp>
+        <p:nvSpPr>
+          <p:cNvPr id="8" name="文本框 7">
+            <a:extLst>
+              <a:ext uri="{FF2B5EF4-FFF2-40B4-BE49-F238E27FC236}">
+                <a16:creationId xmlns:a16="http://schemas.microsoft.com/office/drawing/2014/main" id="{E1700672-92EF-4A5E-A510-C123DFA5ADAD}"/>
+              </a:ext>
+            </a:extLst>
+          </p:cNvPr>
+          <p:cNvSpPr txBox="1"/>
+          <p:nvPr/>
+        </p:nvSpPr>
+        <p:spPr>
+          <a:xfrm>
+            <a:off x="580733" y="3057630"/>
+            <a:ext cx="1569660" cy="369332"/>
+          </a:xfrm>
+          <a:prstGeom prst="rect">
+            <a:avLst/>
+          </a:prstGeom>
+          <a:noFill/>
+        </p:spPr>
+        <p:txBody>
+          <a:bodyPr wrap="none" rtlCol="0">
+            <a:spAutoFit/>
+          </a:bodyPr>
+          <a:lstStyle/>
+          <a:p>
+            <a:r>
+              <a:rPr lang="zh-CN" altLang="en-US" dirty="0"/>
+              <a:t>火山官邸系列</a:t>
+            </a:r>
+          </a:p>
+        </p:txBody>
+      </p:sp>
+      <p:sp>
+        <p:nvSpPr>
+          <p:cNvPr id="9" name="文本框 8">
+            <a:extLst>
+              <a:ext uri="{FF2B5EF4-FFF2-40B4-BE49-F238E27FC236}">
+                <a16:creationId xmlns:a16="http://schemas.microsoft.com/office/drawing/2014/main" id="{9373ECB8-FC84-4991-90F0-667ECC3A75C6}"/>
+              </a:ext>
+            </a:extLst>
+          </p:cNvPr>
+          <p:cNvSpPr txBox="1"/>
+          <p:nvPr/>
+        </p:nvSpPr>
+        <p:spPr>
+          <a:xfrm>
+            <a:off x="580733" y="3766142"/>
+            <a:ext cx="1569660" cy="369332"/>
+          </a:xfrm>
+          <a:prstGeom prst="rect">
+            <a:avLst/>
+          </a:prstGeom>
+          <a:noFill/>
+        </p:spPr>
+        <p:txBody>
+          <a:bodyPr wrap="none" rtlCol="0">
+            <a:spAutoFit/>
+          </a:bodyPr>
+          <a:lstStyle/>
+          <a:p>
+            <a:r>
+              <a:rPr lang="zh-CN" altLang="en-US" dirty="0"/>
+              <a:t>受诅咒者系列</a:t>
+            </a:r>
+          </a:p>
+        </p:txBody>
+      </p:sp>
+      <p:sp>
+        <p:nvSpPr>
+          <p:cNvPr id="10" name="文本框 9">
+            <a:extLst>
+              <a:ext uri="{FF2B5EF4-FFF2-40B4-BE49-F238E27FC236}">
+                <a16:creationId xmlns:a16="http://schemas.microsoft.com/office/drawing/2014/main" id="{0CA6403B-1B6F-4E03-BE55-C8F819C87C87}"/>
+              </a:ext>
+            </a:extLst>
+          </p:cNvPr>
+          <p:cNvSpPr txBox="1"/>
+          <p:nvPr/>
+        </p:nvSpPr>
+        <p:spPr>
+          <a:xfrm>
+            <a:off x="580733" y="4474654"/>
+            <a:ext cx="1569660" cy="369332"/>
+          </a:xfrm>
+          <a:prstGeom prst="rect">
+            <a:avLst/>
+          </a:prstGeom>
+          <a:noFill/>
+        </p:spPr>
+        <p:txBody>
+          <a:bodyPr wrap="none" rtlCol="0">
+            <a:spAutoFit/>
+          </a:bodyPr>
+          <a:lstStyle/>
+          <a:p>
+            <a:r>
+              <a:rPr lang="zh-CN" altLang="en-US" dirty="0"/>
+              <a:t>死眠少女系列</a:t>
+            </a:r>
+          </a:p>
+        </p:txBody>
+      </p:sp>
+      <p:sp>
+        <p:nvSpPr>
+          <p:cNvPr id="11" name="文本框 10">
+            <a:extLst>
+              <a:ext uri="{FF2B5EF4-FFF2-40B4-BE49-F238E27FC236}">
+                <a16:creationId xmlns:a16="http://schemas.microsoft.com/office/drawing/2014/main" id="{CDB62ED1-CB6E-4A4A-8A52-1BF064BC2C65}"/>
+              </a:ext>
+            </a:extLst>
+          </p:cNvPr>
+          <p:cNvSpPr txBox="1"/>
+          <p:nvPr/>
+        </p:nvSpPr>
+        <p:spPr>
+          <a:xfrm>
+            <a:off x="580733" y="5183166"/>
+            <a:ext cx="1338828" cy="369332"/>
+          </a:xfrm>
+          <a:prstGeom prst="rect">
+            <a:avLst/>
+          </a:prstGeom>
+          <a:noFill/>
+        </p:spPr>
+        <p:txBody>
+          <a:bodyPr wrap="none" rtlCol="0">
+            <a:spAutoFit/>
+          </a:bodyPr>
+          <a:lstStyle/>
+          <a:p>
+            <a:r>
+              <a:rPr lang="zh-CN" altLang="en-US" dirty="0"/>
+              <a:t>金面具系列</a:t>
+            </a:r>
+          </a:p>
+        </p:txBody>
+      </p:sp>
+      <p:sp>
+        <p:nvSpPr>
+          <p:cNvPr id="12" name="文本框 11">
+            <a:extLst>
+              <a:ext uri="{FF2B5EF4-FFF2-40B4-BE49-F238E27FC236}">
+                <a16:creationId xmlns:a16="http://schemas.microsoft.com/office/drawing/2014/main" id="{57DC7A97-9899-49D2-9060-B887ACE1403F}"/>
+              </a:ext>
+            </a:extLst>
+          </p:cNvPr>
+          <p:cNvSpPr txBox="1"/>
+          <p:nvPr/>
+        </p:nvSpPr>
+        <p:spPr>
+          <a:xfrm>
+            <a:off x="580733" y="5891678"/>
+            <a:ext cx="1107996" cy="369332"/>
+          </a:xfrm>
+          <a:prstGeom prst="rect">
+            <a:avLst/>
+          </a:prstGeom>
+          <a:noFill/>
+        </p:spPr>
+        <p:txBody>
+          <a:bodyPr wrap="none" rtlCol="0">
+            <a:spAutoFit/>
+          </a:bodyPr>
+          <a:lstStyle/>
+          <a:p>
+            <a:r>
+              <a:rPr lang="zh-CN" altLang="en-US" dirty="0"/>
+              <a:t>癫火系列</a:t>
+            </a:r>
+          </a:p>
+        </p:txBody>
+      </p:sp>
+      <p:sp>
+        <p:nvSpPr>
+          <p:cNvPr id="13" name="矩形 12">
+            <a:extLst>
+              <a:ext uri="{FF2B5EF4-FFF2-40B4-BE49-F238E27FC236}">
+                <a16:creationId xmlns:a16="http://schemas.microsoft.com/office/drawing/2014/main" id="{D22DF2B9-986E-4CF3-B45D-13ECB6004EF3}"/>
+              </a:ext>
+            </a:extLst>
+          </p:cNvPr>
+          <p:cNvSpPr/>
+          <p:nvPr/>
+        </p:nvSpPr>
+        <p:spPr>
+          <a:xfrm>
+            <a:off x="4504996" y="483848"/>
+            <a:ext cx="1551398" cy="514518"/>
+          </a:xfrm>
+          <a:prstGeom prst="rect">
+            <a:avLst/>
+          </a:prstGeom>
+          <a:noFill/>
+          <a:ln w="28575">
+            <a:solidFill>
+              <a:schemeClr val="tx1"/>
+            </a:solidFill>
+          </a:ln>
+        </p:spPr>
+        <p:style>
+          <a:lnRef idx="2">
+            <a:schemeClr val="accent1">
+              <a:shade val="50000"/>
+            </a:schemeClr>
+          </a:lnRef>
+          <a:fillRef idx="1">
+            <a:schemeClr val="accent1"/>
+          </a:fillRef>
+          <a:effectRef idx="0">
+            <a:schemeClr val="accent1"/>
+          </a:effectRef>
+          <a:fontRef idx="minor">
+            <a:schemeClr val="lt1"/>
+          </a:fontRef>
+        </p:style>
+        <p:txBody>
+          <a:bodyPr rtlCol="0" anchor="ctr"/>
+          <a:lstStyle/>
+          <a:p>
+            <a:pPr algn="ctr"/>
+            <a:r>
+              <a:rPr lang="zh-CN" altLang="en-US" dirty="0">
+                <a:solidFill>
+                  <a:sysClr val="windowText" lastClr="000000"/>
+                </a:solidFill>
+              </a:rPr>
+              <a:t>雪山</a:t>
+            </a:r>
+          </a:p>
+        </p:txBody>
+      </p:sp>
+      <p:sp>
+        <p:nvSpPr>
+          <p:cNvPr id="14" name="矩形 13">
+            <a:extLst>
+              <a:ext uri="{FF2B5EF4-FFF2-40B4-BE49-F238E27FC236}">
+                <a16:creationId xmlns:a16="http://schemas.microsoft.com/office/drawing/2014/main" id="{333B98A7-A260-46D1-BBF0-0E4F7973635D}"/>
+              </a:ext>
+            </a:extLst>
+          </p:cNvPr>
+          <p:cNvSpPr/>
+          <p:nvPr/>
+        </p:nvSpPr>
+        <p:spPr>
+          <a:xfrm>
+            <a:off x="2506894" y="1430554"/>
+            <a:ext cx="1551398" cy="514518"/>
+          </a:xfrm>
+          <a:prstGeom prst="rect">
+            <a:avLst/>
+          </a:prstGeom>
+          <a:noFill/>
+          <a:ln w="28575">
+            <a:solidFill>
+              <a:schemeClr val="tx1"/>
+            </a:solidFill>
+          </a:ln>
+        </p:spPr>
+        <p:style>
+          <a:lnRef idx="2">
+            <a:schemeClr val="accent1">
+              <a:shade val="50000"/>
+            </a:schemeClr>
+          </a:lnRef>
+          <a:fillRef idx="1">
+            <a:schemeClr val="accent1"/>
+          </a:fillRef>
+          <a:effectRef idx="0">
+            <a:schemeClr val="accent1"/>
+          </a:effectRef>
+          <a:fontRef idx="minor">
+            <a:schemeClr val="lt1"/>
+          </a:fontRef>
+        </p:style>
+        <p:txBody>
+          <a:bodyPr rtlCol="0" anchor="ctr"/>
+          <a:lstStyle/>
+          <a:p>
+            <a:pPr algn="ctr"/>
+            <a:r>
+              <a:rPr lang="zh-CN" altLang="en-US" dirty="0">
+                <a:solidFill>
+                  <a:sysClr val="windowText" lastClr="000000"/>
+                </a:solidFill>
+              </a:rPr>
+              <a:t>巨人山顶</a:t>
+            </a:r>
+          </a:p>
+        </p:txBody>
+      </p:sp>
+      <p:sp>
+        <p:nvSpPr>
+          <p:cNvPr id="16" name="矩形 15">
+            <a:extLst>
+              <a:ext uri="{FF2B5EF4-FFF2-40B4-BE49-F238E27FC236}">
+                <a16:creationId xmlns:a16="http://schemas.microsoft.com/office/drawing/2014/main" id="{91B5AEFB-2BFE-4F53-884E-06B1032DCD33}"/>
+              </a:ext>
+            </a:extLst>
+          </p:cNvPr>
+          <p:cNvSpPr/>
+          <p:nvPr/>
+        </p:nvSpPr>
+        <p:spPr>
+          <a:xfrm>
+            <a:off x="4504996" y="1430554"/>
+            <a:ext cx="1551398" cy="514518"/>
+          </a:xfrm>
+          <a:prstGeom prst="rect">
+            <a:avLst/>
+          </a:prstGeom>
+          <a:noFill/>
+          <a:ln w="28575">
+            <a:solidFill>
+              <a:schemeClr val="tx1"/>
+            </a:solidFill>
+          </a:ln>
+        </p:spPr>
+        <p:style>
+          <a:lnRef idx="2">
+            <a:schemeClr val="accent1">
+              <a:shade val="50000"/>
+            </a:schemeClr>
+          </a:lnRef>
+          <a:fillRef idx="1">
+            <a:schemeClr val="accent1"/>
+          </a:fillRef>
+          <a:effectRef idx="0">
+            <a:schemeClr val="accent1"/>
+          </a:effectRef>
+          <a:fontRef idx="minor">
+            <a:schemeClr val="lt1"/>
+          </a:fontRef>
+        </p:style>
+        <p:txBody>
+          <a:bodyPr rtlCol="0" anchor="ctr"/>
+          <a:lstStyle/>
+          <a:p>
+            <a:pPr algn="ctr"/>
+            <a:r>
+              <a:rPr lang="zh-CN" altLang="en-US" dirty="0">
+                <a:solidFill>
+                  <a:sysClr val="windowText" lastClr="000000"/>
+                </a:solidFill>
+              </a:rPr>
+              <a:t>鲜血王朝</a:t>
+            </a:r>
+          </a:p>
+        </p:txBody>
+      </p:sp>
+      <p:sp>
+        <p:nvSpPr>
+          <p:cNvPr id="17" name="矩形 16">
+            <a:extLst>
+              <a:ext uri="{FF2B5EF4-FFF2-40B4-BE49-F238E27FC236}">
+                <a16:creationId xmlns:a16="http://schemas.microsoft.com/office/drawing/2014/main" id="{FC2AB27B-2085-4B3D-8868-4CE584BD8346}"/>
+              </a:ext>
+            </a:extLst>
+          </p:cNvPr>
+          <p:cNvSpPr/>
+          <p:nvPr/>
+        </p:nvSpPr>
+        <p:spPr>
+          <a:xfrm>
+            <a:off x="6457086" y="1298747"/>
+            <a:ext cx="1551398" cy="778132"/>
+          </a:xfrm>
+          <a:prstGeom prst="rect">
+            <a:avLst/>
+          </a:prstGeom>
+          <a:noFill/>
+          <a:ln w="28575">
+            <a:solidFill>
+              <a:schemeClr val="tx1"/>
+            </a:solidFill>
+          </a:ln>
+        </p:spPr>
+        <p:style>
+          <a:lnRef idx="2">
+            <a:schemeClr val="accent1">
+              <a:shade val="50000"/>
+            </a:schemeClr>
+          </a:lnRef>
+          <a:fillRef idx="1">
+            <a:schemeClr val="accent1"/>
+          </a:fillRef>
+          <a:effectRef idx="0">
+            <a:schemeClr val="accent1"/>
+          </a:effectRef>
+          <a:fontRef idx="minor">
+            <a:schemeClr val="lt1"/>
+          </a:fontRef>
+        </p:style>
+        <p:txBody>
+          <a:bodyPr rtlCol="0" anchor="ctr"/>
+          <a:lstStyle/>
+          <a:p>
+            <a:pPr algn="ctr"/>
+            <a:r>
+              <a:rPr lang="zh-CN" altLang="en-US" dirty="0">
+                <a:solidFill>
+                  <a:sysClr val="windowText" lastClr="000000"/>
+                </a:solidFill>
+              </a:rPr>
+              <a:t>化圣雪原与圣树</a:t>
+            </a:r>
+          </a:p>
+        </p:txBody>
+      </p:sp>
+      <p:sp>
+        <p:nvSpPr>
+          <p:cNvPr id="25" name="矩形 24">
+            <a:extLst>
+              <a:ext uri="{FF2B5EF4-FFF2-40B4-BE49-F238E27FC236}">
+                <a16:creationId xmlns:a16="http://schemas.microsoft.com/office/drawing/2014/main" id="{F8FB1C4F-5724-4E6F-B278-1C6563E0B324}"/>
+              </a:ext>
+            </a:extLst>
+          </p:cNvPr>
+          <p:cNvSpPr/>
+          <p:nvPr/>
+        </p:nvSpPr>
+        <p:spPr>
+          <a:xfrm>
+            <a:off x="9335228" y="483848"/>
+            <a:ext cx="1551398" cy="514518"/>
+          </a:xfrm>
+          <a:prstGeom prst="rect">
+            <a:avLst/>
+          </a:prstGeom>
+          <a:noFill/>
+          <a:ln w="28575">
+            <a:solidFill>
+              <a:schemeClr val="tx1"/>
+            </a:solidFill>
+          </a:ln>
+        </p:spPr>
+        <p:style>
+          <a:lnRef idx="2">
+            <a:schemeClr val="accent1">
+              <a:shade val="50000"/>
+            </a:schemeClr>
+          </a:lnRef>
+          <a:fillRef idx="1">
+            <a:schemeClr val="accent1"/>
+          </a:fillRef>
+          <a:effectRef idx="0">
+            <a:schemeClr val="accent1"/>
+          </a:effectRef>
+          <a:fontRef idx="minor">
+            <a:schemeClr val="lt1"/>
+          </a:fontRef>
+        </p:style>
+        <p:txBody>
+          <a:bodyPr rtlCol="0" anchor="ctr"/>
+          <a:lstStyle/>
+          <a:p>
+            <a:pPr algn="ctr"/>
+            <a:r>
+              <a:rPr lang="zh-CN" altLang="en-US" dirty="0">
+                <a:solidFill>
+                  <a:sysClr val="windowText" lastClr="000000"/>
+                </a:solidFill>
+              </a:rPr>
+              <a:t>火山</a:t>
+            </a:r>
+          </a:p>
+        </p:txBody>
+      </p:sp>
+      <p:sp>
+        <p:nvSpPr>
+          <p:cNvPr id="28" name="文本框 27">
+            <a:extLst>
+              <a:ext uri="{FF2B5EF4-FFF2-40B4-BE49-F238E27FC236}">
+                <a16:creationId xmlns:a16="http://schemas.microsoft.com/office/drawing/2014/main" id="{0309F54B-CE3A-4B0C-98A4-9356FB40E900}"/>
+              </a:ext>
+            </a:extLst>
+          </p:cNvPr>
+          <p:cNvSpPr txBox="1"/>
+          <p:nvPr/>
+        </p:nvSpPr>
+        <p:spPr>
+          <a:xfrm>
+            <a:off x="2667681" y="5183166"/>
+            <a:ext cx="1107996" cy="369332"/>
+          </a:xfrm>
+          <a:prstGeom prst="rect">
+            <a:avLst/>
+          </a:prstGeom>
+          <a:noFill/>
+        </p:spPr>
+        <p:txBody>
+          <a:bodyPr wrap="none" rtlCol="0">
+            <a:spAutoFit/>
+          </a:bodyPr>
+          <a:lstStyle/>
+          <a:p>
+            <a:r>
+              <a:rPr lang="zh-CN" altLang="en-US" dirty="0"/>
+              <a:t>再次见面</a:t>
+            </a:r>
+            <a:endParaRPr lang="en-US" altLang="zh-CN" dirty="0"/>
+          </a:p>
+        </p:txBody>
+      </p:sp>
+      <p:sp>
+        <p:nvSpPr>
+          <p:cNvPr id="23" name="文本框 22">
+            <a:extLst>
+              <a:ext uri="{FF2B5EF4-FFF2-40B4-BE49-F238E27FC236}">
+                <a16:creationId xmlns:a16="http://schemas.microsoft.com/office/drawing/2014/main" id="{87FEC32C-C3BB-4360-95B0-1D48514FEA35}"/>
+              </a:ext>
+            </a:extLst>
+          </p:cNvPr>
+          <p:cNvSpPr txBox="1"/>
+          <p:nvPr/>
+        </p:nvSpPr>
+        <p:spPr>
+          <a:xfrm>
+            <a:off x="2667681" y="3057630"/>
+            <a:ext cx="1229824" cy="369332"/>
+          </a:xfrm>
+          <a:prstGeom prst="rect">
+            <a:avLst/>
+          </a:prstGeom>
+          <a:noFill/>
+        </p:spPr>
+        <p:txBody>
+          <a:bodyPr wrap="none" rtlCol="0">
+            <a:spAutoFit/>
+          </a:bodyPr>
+          <a:lstStyle/>
+          <a:p>
+            <a:r>
+              <a:rPr lang="zh-CN" altLang="en-US" dirty="0"/>
+              <a:t>暗杀任务</a:t>
+            </a:r>
+            <a:r>
+              <a:rPr lang="en-US" altLang="zh-CN" dirty="0"/>
+              <a:t>3</a:t>
+            </a:r>
+            <a:endParaRPr lang="zh-CN" altLang="en-US" dirty="0"/>
+          </a:p>
+        </p:txBody>
+      </p:sp>
+      <p:sp>
+        <p:nvSpPr>
+          <p:cNvPr id="24" name="矩形 23">
+            <a:extLst>
+              <a:ext uri="{FF2B5EF4-FFF2-40B4-BE49-F238E27FC236}">
+                <a16:creationId xmlns:a16="http://schemas.microsoft.com/office/drawing/2014/main" id="{0C884401-4183-4426-8326-1DB8D76458C4}"/>
+              </a:ext>
+            </a:extLst>
+          </p:cNvPr>
+          <p:cNvSpPr/>
+          <p:nvPr/>
+        </p:nvSpPr>
+        <p:spPr>
+          <a:xfrm>
+            <a:off x="8409176" y="1430554"/>
+            <a:ext cx="1551398" cy="514518"/>
+          </a:xfrm>
+          <a:prstGeom prst="rect">
+            <a:avLst/>
+          </a:prstGeom>
+          <a:noFill/>
+          <a:ln w="28575">
+            <a:solidFill>
+              <a:schemeClr val="tx1"/>
+            </a:solidFill>
+          </a:ln>
+        </p:spPr>
+        <p:style>
+          <a:lnRef idx="2">
+            <a:schemeClr val="accent1">
+              <a:shade val="50000"/>
+            </a:schemeClr>
+          </a:lnRef>
+          <a:fillRef idx="1">
+            <a:schemeClr val="accent1"/>
+          </a:fillRef>
+          <a:effectRef idx="0">
+            <a:schemeClr val="accent1"/>
+          </a:effectRef>
+          <a:fontRef idx="minor">
+            <a:schemeClr val="lt1"/>
+          </a:fontRef>
+        </p:style>
+        <p:txBody>
+          <a:bodyPr rtlCol="0" anchor="ctr"/>
+          <a:lstStyle/>
+          <a:p>
+            <a:pPr algn="ctr"/>
+            <a:r>
+              <a:rPr lang="zh-CN" altLang="en-US" dirty="0">
+                <a:solidFill>
+                  <a:sysClr val="windowText" lastClr="000000"/>
+                </a:solidFill>
+              </a:rPr>
+              <a:t>野外</a:t>
+            </a:r>
+          </a:p>
+        </p:txBody>
+      </p:sp>
+      <p:sp>
+        <p:nvSpPr>
+          <p:cNvPr id="26" name="矩形 25">
+            <a:extLst>
+              <a:ext uri="{FF2B5EF4-FFF2-40B4-BE49-F238E27FC236}">
+                <a16:creationId xmlns:a16="http://schemas.microsoft.com/office/drawing/2014/main" id="{3DB244C9-89B9-432F-B398-2CA77BDFAEE5}"/>
+              </a:ext>
+            </a:extLst>
+          </p:cNvPr>
+          <p:cNvSpPr/>
+          <p:nvPr/>
+        </p:nvSpPr>
+        <p:spPr>
+          <a:xfrm>
+            <a:off x="10361266" y="1430554"/>
+            <a:ext cx="1551398" cy="514518"/>
+          </a:xfrm>
+          <a:prstGeom prst="rect">
+            <a:avLst/>
+          </a:prstGeom>
+          <a:noFill/>
+          <a:ln w="28575">
+            <a:solidFill>
+              <a:schemeClr val="tx1"/>
+            </a:solidFill>
+          </a:ln>
+        </p:spPr>
+        <p:style>
+          <a:lnRef idx="2">
+            <a:schemeClr val="accent1">
+              <a:shade val="50000"/>
+            </a:schemeClr>
+          </a:lnRef>
+          <a:fillRef idx="1">
+            <a:schemeClr val="accent1"/>
+          </a:fillRef>
+          <a:effectRef idx="0">
+            <a:schemeClr val="accent1"/>
+          </a:effectRef>
+          <a:fontRef idx="minor">
+            <a:schemeClr val="lt1"/>
+          </a:fontRef>
+        </p:style>
+        <p:txBody>
+          <a:bodyPr rtlCol="0" anchor="ctr"/>
+          <a:lstStyle/>
+          <a:p>
+            <a:pPr algn="ctr"/>
+            <a:r>
+              <a:rPr lang="zh-CN" altLang="en-US" dirty="0">
+                <a:solidFill>
+                  <a:sysClr val="windowText" lastClr="000000"/>
+                </a:solidFill>
+              </a:rPr>
+              <a:t>官邸内部</a:t>
+            </a:r>
+          </a:p>
+        </p:txBody>
+      </p:sp>
+      <p:cxnSp>
+        <p:nvCxnSpPr>
+          <p:cNvPr id="3" name="直接箭头连接符 2">
+            <a:extLst>
+              <a:ext uri="{FF2B5EF4-FFF2-40B4-BE49-F238E27FC236}">
+                <a16:creationId xmlns:a16="http://schemas.microsoft.com/office/drawing/2014/main" id="{9A1B641D-C22C-4B57-8000-2E51797DDE40}"/>
+              </a:ext>
+            </a:extLst>
+          </p:cNvPr>
+          <p:cNvCxnSpPr>
+            <a:cxnSpLocks/>
+            <a:endCxn id="13" idx="1"/>
+          </p:cNvCxnSpPr>
+          <p:nvPr/>
+        </p:nvCxnSpPr>
+        <p:spPr>
+          <a:xfrm>
+            <a:off x="2506894" y="741107"/>
+            <a:ext cx="1998102" cy="0"/>
+          </a:xfrm>
+          <a:prstGeom prst="straightConnector1">
+            <a:avLst/>
+          </a:prstGeom>
+          <a:ln w="28575">
+            <a:solidFill>
+              <a:schemeClr val="tx1"/>
+            </a:solidFill>
+            <a:tailEnd type="triangle"/>
+          </a:ln>
+        </p:spPr>
+        <p:style>
+          <a:lnRef idx="1">
+            <a:schemeClr val="accent1"/>
+          </a:lnRef>
+          <a:fillRef idx="0">
+            <a:schemeClr val="accent1"/>
+          </a:fillRef>
+          <a:effectRef idx="0">
+            <a:schemeClr val="accent1"/>
+          </a:effectRef>
+          <a:fontRef idx="minor">
+            <a:schemeClr val="tx1"/>
+          </a:fontRef>
+        </p:style>
+      </p:cxnSp>
+      <p:cxnSp>
+        <p:nvCxnSpPr>
+          <p:cNvPr id="20" name="直接箭头连接符 19">
+            <a:extLst>
+              <a:ext uri="{FF2B5EF4-FFF2-40B4-BE49-F238E27FC236}">
+                <a16:creationId xmlns:a16="http://schemas.microsoft.com/office/drawing/2014/main" id="{18302DAF-BD06-4983-AB54-8A37E9A49B7D}"/>
+              </a:ext>
+            </a:extLst>
+          </p:cNvPr>
+          <p:cNvCxnSpPr>
+            <a:stCxn id="13" idx="3"/>
+            <a:endCxn id="25" idx="1"/>
+          </p:cNvCxnSpPr>
+          <p:nvPr/>
+        </p:nvCxnSpPr>
+        <p:spPr>
+          <a:xfrm>
+            <a:off x="6056394" y="741107"/>
+            <a:ext cx="3278834" cy="0"/>
+          </a:xfrm>
+          <a:prstGeom prst="straightConnector1">
+            <a:avLst/>
+          </a:prstGeom>
+          <a:ln w="28575">
+            <a:solidFill>
+              <a:schemeClr val="tx1"/>
+            </a:solidFill>
+            <a:tailEnd type="triangle"/>
+          </a:ln>
+        </p:spPr>
+        <p:style>
+          <a:lnRef idx="1">
+            <a:schemeClr val="accent1"/>
+          </a:lnRef>
+          <a:fillRef idx="0">
+            <a:schemeClr val="accent1"/>
+          </a:fillRef>
+          <a:effectRef idx="0">
+            <a:schemeClr val="accent1"/>
+          </a:effectRef>
+          <a:fontRef idx="minor">
+            <a:schemeClr val="tx1"/>
+          </a:fontRef>
+        </p:style>
+      </p:cxnSp>
+      <p:cxnSp>
+        <p:nvCxnSpPr>
+          <p:cNvPr id="34" name="直接箭头连接符 33">
+            <a:extLst>
+              <a:ext uri="{FF2B5EF4-FFF2-40B4-BE49-F238E27FC236}">
+                <a16:creationId xmlns:a16="http://schemas.microsoft.com/office/drawing/2014/main" id="{2CF4EBA8-BF3A-40FF-B292-EC47FACC6BA5}"/>
+              </a:ext>
+            </a:extLst>
+          </p:cNvPr>
+          <p:cNvCxnSpPr>
+            <a:stCxn id="25" idx="3"/>
+          </p:cNvCxnSpPr>
+          <p:nvPr/>
+        </p:nvCxnSpPr>
+        <p:spPr>
+          <a:xfrm>
+            <a:off x="10886626" y="741107"/>
+            <a:ext cx="1026038" cy="0"/>
+          </a:xfrm>
+          <a:prstGeom prst="straightConnector1">
+            <a:avLst/>
+          </a:prstGeom>
+          <a:ln w="28575">
+            <a:solidFill>
+              <a:schemeClr val="tx1"/>
+            </a:solidFill>
+            <a:tailEnd type="triangle"/>
+          </a:ln>
+        </p:spPr>
+        <p:style>
+          <a:lnRef idx="1">
+            <a:schemeClr val="accent1"/>
+          </a:lnRef>
+          <a:fillRef idx="0">
+            <a:schemeClr val="accent1"/>
+          </a:fillRef>
+          <a:effectRef idx="0">
+            <a:schemeClr val="accent1"/>
+          </a:effectRef>
+          <a:fontRef idx="minor">
+            <a:schemeClr val="tx1"/>
+          </a:fontRef>
+        </p:style>
+      </p:cxnSp>
+      <p:sp>
+        <p:nvSpPr>
+          <p:cNvPr id="33" name="文本框 32">
+            <a:extLst>
+              <a:ext uri="{FF2B5EF4-FFF2-40B4-BE49-F238E27FC236}">
+                <a16:creationId xmlns:a16="http://schemas.microsoft.com/office/drawing/2014/main" id="{48AE5369-7012-43A8-98C0-4DD418BE10E9}"/>
+              </a:ext>
+            </a:extLst>
+          </p:cNvPr>
+          <p:cNvSpPr txBox="1"/>
+          <p:nvPr/>
+        </p:nvSpPr>
+        <p:spPr>
+          <a:xfrm>
+            <a:off x="6678786" y="3766142"/>
+            <a:ext cx="1107996" cy="369332"/>
+          </a:xfrm>
+          <a:prstGeom prst="rect">
+            <a:avLst/>
+          </a:prstGeom>
+          <a:noFill/>
+        </p:spPr>
+        <p:txBody>
+          <a:bodyPr wrap="none" rtlCol="0">
+            <a:spAutoFit/>
+          </a:bodyPr>
+          <a:lstStyle/>
+          <a:p>
+            <a:r>
+              <a:rPr lang="zh-CN" altLang="en-US" dirty="0"/>
+              <a:t>两个温床</a:t>
+            </a:r>
+          </a:p>
+        </p:txBody>
+      </p:sp>
+      <p:sp>
+        <p:nvSpPr>
+          <p:cNvPr id="29" name="文本框 28">
+            <a:extLst>
+              <a:ext uri="{FF2B5EF4-FFF2-40B4-BE49-F238E27FC236}">
+                <a16:creationId xmlns:a16="http://schemas.microsoft.com/office/drawing/2014/main" id="{0F3F1BEE-F59D-4EB0-8F2E-E2E5BE8A1484}"/>
+              </a:ext>
+            </a:extLst>
+          </p:cNvPr>
+          <p:cNvSpPr txBox="1"/>
+          <p:nvPr/>
+        </p:nvSpPr>
+        <p:spPr>
+          <a:xfrm>
+            <a:off x="2667681" y="5753178"/>
+            <a:ext cx="1107996" cy="646331"/>
+          </a:xfrm>
+          <a:prstGeom prst="rect">
+            <a:avLst/>
+          </a:prstGeom>
+          <a:noFill/>
+        </p:spPr>
+        <p:txBody>
+          <a:bodyPr wrap="none" rtlCol="0">
+            <a:spAutoFit/>
+          </a:bodyPr>
+          <a:lstStyle/>
+          <a:p>
+            <a:r>
+              <a:rPr lang="zh-CN" altLang="en-US" dirty="0"/>
+              <a:t>米莉森</a:t>
+            </a:r>
+            <a:endParaRPr lang="en-US" altLang="zh-CN" dirty="0"/>
+          </a:p>
+          <a:p>
+            <a:r>
+              <a:rPr lang="zh-CN" altLang="en-US" dirty="0"/>
+              <a:t>夏波利利</a:t>
+            </a:r>
+          </a:p>
+        </p:txBody>
+      </p:sp>
+    </p:spTree>
+    <p:extLst>
+      <p:ext uri="{BB962C8B-B14F-4D97-AF65-F5344CB8AC3E}">
+        <p14:creationId xmlns:p14="http://schemas.microsoft.com/office/powerpoint/2010/main" val="315093786"/>
       </p:ext>
     </p:extLst>
   </p:cSld>

--- a/1 流程/1 整体流程.pptx
+++ b/1 流程/1 整体流程.pptx
@@ -264,7 +264,7 @@
           <a:p>
             <a:fld id="{1095B425-02BF-471E-A664-AA364C1372E9}" type="datetimeFigureOut">
               <a:rPr lang="zh-CN" altLang="en-US" smtClean="0"/>
-              <a:t>2022/3/23</a:t>
+              <a:t>2022/4/1</a:t>
             </a:fld>
             <a:endParaRPr lang="zh-CN" altLang="en-US"/>
           </a:p>
@@ -462,7 +462,7 @@
           <a:p>
             <a:fld id="{1095B425-02BF-471E-A664-AA364C1372E9}" type="datetimeFigureOut">
               <a:rPr lang="zh-CN" altLang="en-US" smtClean="0"/>
-              <a:t>2022/3/23</a:t>
+              <a:t>2022/4/1</a:t>
             </a:fld>
             <a:endParaRPr lang="zh-CN" altLang="en-US"/>
           </a:p>
@@ -670,7 +670,7 @@
           <a:p>
             <a:fld id="{1095B425-02BF-471E-A664-AA364C1372E9}" type="datetimeFigureOut">
               <a:rPr lang="zh-CN" altLang="en-US" smtClean="0"/>
-              <a:t>2022/3/23</a:t>
+              <a:t>2022/4/1</a:t>
             </a:fld>
             <a:endParaRPr lang="zh-CN" altLang="en-US"/>
           </a:p>
@@ -868,7 +868,7 @@
           <a:p>
             <a:fld id="{1095B425-02BF-471E-A664-AA364C1372E9}" type="datetimeFigureOut">
               <a:rPr lang="zh-CN" altLang="en-US" smtClean="0"/>
-              <a:t>2022/3/23</a:t>
+              <a:t>2022/4/1</a:t>
             </a:fld>
             <a:endParaRPr lang="zh-CN" altLang="en-US"/>
           </a:p>
@@ -1143,7 +1143,7 @@
           <a:p>
             <a:fld id="{1095B425-02BF-471E-A664-AA364C1372E9}" type="datetimeFigureOut">
               <a:rPr lang="zh-CN" altLang="en-US" smtClean="0"/>
-              <a:t>2022/3/23</a:t>
+              <a:t>2022/4/1</a:t>
             </a:fld>
             <a:endParaRPr lang="zh-CN" altLang="en-US"/>
           </a:p>
@@ -1408,7 +1408,7 @@
           <a:p>
             <a:fld id="{1095B425-02BF-471E-A664-AA364C1372E9}" type="datetimeFigureOut">
               <a:rPr lang="zh-CN" altLang="en-US" smtClean="0"/>
-              <a:t>2022/3/23</a:t>
+              <a:t>2022/4/1</a:t>
             </a:fld>
             <a:endParaRPr lang="zh-CN" altLang="en-US"/>
           </a:p>
@@ -1820,7 +1820,7 @@
           <a:p>
             <a:fld id="{1095B425-02BF-471E-A664-AA364C1372E9}" type="datetimeFigureOut">
               <a:rPr lang="zh-CN" altLang="en-US" smtClean="0"/>
-              <a:t>2022/3/23</a:t>
+              <a:t>2022/4/1</a:t>
             </a:fld>
             <a:endParaRPr lang="zh-CN" altLang="en-US"/>
           </a:p>
@@ -1961,7 +1961,7 @@
           <a:p>
             <a:fld id="{1095B425-02BF-471E-A664-AA364C1372E9}" type="datetimeFigureOut">
               <a:rPr lang="zh-CN" altLang="en-US" smtClean="0"/>
-              <a:t>2022/3/23</a:t>
+              <a:t>2022/4/1</a:t>
             </a:fld>
             <a:endParaRPr lang="zh-CN" altLang="en-US"/>
           </a:p>
@@ -2074,7 +2074,7 @@
           <a:p>
             <a:fld id="{1095B425-02BF-471E-A664-AA364C1372E9}" type="datetimeFigureOut">
               <a:rPr lang="zh-CN" altLang="en-US" smtClean="0"/>
-              <a:t>2022/3/23</a:t>
+              <a:t>2022/4/1</a:t>
             </a:fld>
             <a:endParaRPr lang="zh-CN" altLang="en-US"/>
           </a:p>
@@ -2385,7 +2385,7 @@
           <a:p>
             <a:fld id="{1095B425-02BF-471E-A664-AA364C1372E9}" type="datetimeFigureOut">
               <a:rPr lang="zh-CN" altLang="en-US" smtClean="0"/>
-              <a:t>2022/3/23</a:t>
+              <a:t>2022/4/1</a:t>
             </a:fld>
             <a:endParaRPr lang="zh-CN" altLang="en-US"/>
           </a:p>
@@ -2673,7 +2673,7 @@
           <a:p>
             <a:fld id="{1095B425-02BF-471E-A664-AA364C1372E9}" type="datetimeFigureOut">
               <a:rPr lang="zh-CN" altLang="en-US" smtClean="0"/>
-              <a:t>2022/3/23</a:t>
+              <a:t>2022/4/1</a:t>
             </a:fld>
             <a:endParaRPr lang="zh-CN" altLang="en-US"/>
           </a:p>
@@ -2914,7 +2914,7 @@
           <a:p>
             <a:fld id="{1095B425-02BF-471E-A664-AA364C1372E9}" type="datetimeFigureOut">
               <a:rPr lang="zh-CN" altLang="en-US" smtClean="0"/>
-              <a:t>2022/3/23</a:t>
+              <a:t>2022/4/1</a:t>
             </a:fld>
             <a:endParaRPr lang="zh-CN" altLang="en-US"/>
           </a:p>
@@ -8330,6 +8330,309 @@
           </a:fontRef>
         </p:style>
       </p:cxnSp>
+      <p:cxnSp>
+        <p:nvCxnSpPr>
+          <p:cNvPr id="15" name="直接连接符 14">
+            <a:extLst>
+              <a:ext uri="{FF2B5EF4-FFF2-40B4-BE49-F238E27FC236}">
+                <a16:creationId xmlns:a16="http://schemas.microsoft.com/office/drawing/2014/main" id="{646F4AE7-378B-45EB-B7C0-CD2BFBF143E1}"/>
+              </a:ext>
+            </a:extLst>
+          </p:cNvPr>
+          <p:cNvCxnSpPr/>
+          <p:nvPr/>
+        </p:nvCxnSpPr>
+        <p:spPr>
+          <a:xfrm flipH="1">
+            <a:off x="2506894" y="998366"/>
+            <a:ext cx="1998102" cy="432188"/>
+          </a:xfrm>
+          <a:prstGeom prst="line">
+            <a:avLst/>
+          </a:prstGeom>
+          <a:ln w="28575">
+            <a:solidFill>
+              <a:schemeClr val="tx1"/>
+            </a:solidFill>
+            <a:prstDash val="dash"/>
+          </a:ln>
+        </p:spPr>
+        <p:style>
+          <a:lnRef idx="1">
+            <a:schemeClr val="accent1"/>
+          </a:lnRef>
+          <a:fillRef idx="0">
+            <a:schemeClr val="accent1"/>
+          </a:fillRef>
+          <a:effectRef idx="0">
+            <a:schemeClr val="accent1"/>
+          </a:effectRef>
+          <a:fontRef idx="minor">
+            <a:schemeClr val="tx1"/>
+          </a:fontRef>
+        </p:style>
+      </p:cxnSp>
+      <p:cxnSp>
+        <p:nvCxnSpPr>
+          <p:cNvPr id="19" name="直接连接符 18">
+            <a:extLst>
+              <a:ext uri="{FF2B5EF4-FFF2-40B4-BE49-F238E27FC236}">
+                <a16:creationId xmlns:a16="http://schemas.microsoft.com/office/drawing/2014/main" id="{BA7B6248-C51D-446A-ACCC-090078F7DF43}"/>
+              </a:ext>
+            </a:extLst>
+          </p:cNvPr>
+          <p:cNvCxnSpPr/>
+          <p:nvPr/>
+        </p:nvCxnSpPr>
+        <p:spPr>
+          <a:xfrm>
+            <a:off x="6056394" y="998366"/>
+            <a:ext cx="1952090" cy="432188"/>
+          </a:xfrm>
+          <a:prstGeom prst="line">
+            <a:avLst/>
+          </a:prstGeom>
+          <a:ln w="28575">
+            <a:solidFill>
+              <a:schemeClr val="tx1"/>
+            </a:solidFill>
+            <a:prstDash val="dash"/>
+          </a:ln>
+        </p:spPr>
+        <p:style>
+          <a:lnRef idx="1">
+            <a:schemeClr val="accent1"/>
+          </a:lnRef>
+          <a:fillRef idx="0">
+            <a:schemeClr val="accent1"/>
+          </a:fillRef>
+          <a:effectRef idx="0">
+            <a:schemeClr val="accent1"/>
+          </a:effectRef>
+          <a:fontRef idx="minor">
+            <a:schemeClr val="tx1"/>
+          </a:fontRef>
+        </p:style>
+      </p:cxnSp>
+      <p:cxnSp>
+        <p:nvCxnSpPr>
+          <p:cNvPr id="35" name="直接连接符 34">
+            <a:extLst>
+              <a:ext uri="{FF2B5EF4-FFF2-40B4-BE49-F238E27FC236}">
+                <a16:creationId xmlns:a16="http://schemas.microsoft.com/office/drawing/2014/main" id="{D2B71493-3970-4923-A0CB-0445633C48C2}"/>
+              </a:ext>
+            </a:extLst>
+          </p:cNvPr>
+          <p:cNvCxnSpPr/>
+          <p:nvPr/>
+        </p:nvCxnSpPr>
+        <p:spPr>
+          <a:xfrm flipH="1">
+            <a:off x="8409176" y="998366"/>
+            <a:ext cx="926052" cy="432188"/>
+          </a:xfrm>
+          <a:prstGeom prst="line">
+            <a:avLst/>
+          </a:prstGeom>
+          <a:ln w="28575">
+            <a:solidFill>
+              <a:schemeClr val="tx1"/>
+            </a:solidFill>
+            <a:prstDash val="dash"/>
+          </a:ln>
+        </p:spPr>
+        <p:style>
+          <a:lnRef idx="1">
+            <a:schemeClr val="accent1"/>
+          </a:lnRef>
+          <a:fillRef idx="0">
+            <a:schemeClr val="accent1"/>
+          </a:fillRef>
+          <a:effectRef idx="0">
+            <a:schemeClr val="accent1"/>
+          </a:effectRef>
+          <a:fontRef idx="minor">
+            <a:schemeClr val="tx1"/>
+          </a:fontRef>
+        </p:style>
+      </p:cxnSp>
+      <p:cxnSp>
+        <p:nvCxnSpPr>
+          <p:cNvPr id="37" name="直接连接符 36">
+            <a:extLst>
+              <a:ext uri="{FF2B5EF4-FFF2-40B4-BE49-F238E27FC236}">
+                <a16:creationId xmlns:a16="http://schemas.microsoft.com/office/drawing/2014/main" id="{F6C29645-A9E1-4305-9F73-A3D3E113A202}"/>
+              </a:ext>
+            </a:extLst>
+          </p:cNvPr>
+          <p:cNvCxnSpPr/>
+          <p:nvPr/>
+        </p:nvCxnSpPr>
+        <p:spPr>
+          <a:xfrm>
+            <a:off x="10886626" y="998366"/>
+            <a:ext cx="1026038" cy="432188"/>
+          </a:xfrm>
+          <a:prstGeom prst="line">
+            <a:avLst/>
+          </a:prstGeom>
+          <a:ln w="28575">
+            <a:solidFill>
+              <a:schemeClr val="tx1"/>
+            </a:solidFill>
+            <a:prstDash val="dash"/>
+          </a:ln>
+        </p:spPr>
+        <p:style>
+          <a:lnRef idx="1">
+            <a:schemeClr val="accent1"/>
+          </a:lnRef>
+          <a:fillRef idx="0">
+            <a:schemeClr val="accent1"/>
+          </a:fillRef>
+          <a:effectRef idx="0">
+            <a:schemeClr val="accent1"/>
+          </a:effectRef>
+          <a:fontRef idx="minor">
+            <a:schemeClr val="tx1"/>
+          </a:fontRef>
+        </p:style>
+      </p:cxnSp>
+      <p:cxnSp>
+        <p:nvCxnSpPr>
+          <p:cNvPr id="39" name="直接箭头连接符 38">
+            <a:extLst>
+              <a:ext uri="{FF2B5EF4-FFF2-40B4-BE49-F238E27FC236}">
+                <a16:creationId xmlns:a16="http://schemas.microsoft.com/office/drawing/2014/main" id="{CBAC5DBC-587E-48BD-A0A6-DE6F9D6055AE}"/>
+              </a:ext>
+            </a:extLst>
+          </p:cNvPr>
+          <p:cNvCxnSpPr>
+            <a:stCxn id="14" idx="3"/>
+            <a:endCxn id="16" idx="1"/>
+          </p:cNvCxnSpPr>
+          <p:nvPr/>
+        </p:nvCxnSpPr>
+        <p:spPr>
+          <a:xfrm>
+            <a:off x="4058292" y="1687813"/>
+            <a:ext cx="446704" cy="0"/>
+          </a:xfrm>
+          <a:prstGeom prst="straightConnector1">
+            <a:avLst/>
+          </a:prstGeom>
+          <a:ln w="28575">
+            <a:solidFill>
+              <a:schemeClr val="tx1"/>
+            </a:solidFill>
+            <a:tailEnd type="triangle"/>
+          </a:ln>
+        </p:spPr>
+        <p:style>
+          <a:lnRef idx="1">
+            <a:schemeClr val="accent1"/>
+          </a:lnRef>
+          <a:fillRef idx="0">
+            <a:schemeClr val="accent1"/>
+          </a:fillRef>
+          <a:effectRef idx="0">
+            <a:schemeClr val="accent1"/>
+          </a:effectRef>
+          <a:fontRef idx="minor">
+            <a:schemeClr val="tx1"/>
+          </a:fontRef>
+        </p:style>
+      </p:cxnSp>
+      <p:cxnSp>
+        <p:nvCxnSpPr>
+          <p:cNvPr id="41" name="直接箭头连接符 40">
+            <a:extLst>
+              <a:ext uri="{FF2B5EF4-FFF2-40B4-BE49-F238E27FC236}">
+                <a16:creationId xmlns:a16="http://schemas.microsoft.com/office/drawing/2014/main" id="{43FF34B5-9FDC-4355-B816-B1A826E9AB33}"/>
+              </a:ext>
+            </a:extLst>
+          </p:cNvPr>
+          <p:cNvCxnSpPr>
+            <a:stCxn id="16" idx="3"/>
+            <a:endCxn id="17" idx="1"/>
+          </p:cNvCxnSpPr>
+          <p:nvPr/>
+        </p:nvCxnSpPr>
+        <p:spPr>
+          <a:xfrm>
+            <a:off x="6056394" y="1687813"/>
+            <a:ext cx="400692" cy="0"/>
+          </a:xfrm>
+          <a:prstGeom prst="straightConnector1">
+            <a:avLst/>
+          </a:prstGeom>
+          <a:ln w="28575">
+            <a:solidFill>
+              <a:schemeClr val="tx1"/>
+            </a:solidFill>
+            <a:tailEnd type="triangle"/>
+          </a:ln>
+        </p:spPr>
+        <p:style>
+          <a:lnRef idx="1">
+            <a:schemeClr val="accent1"/>
+          </a:lnRef>
+          <a:fillRef idx="0">
+            <a:schemeClr val="accent1"/>
+          </a:fillRef>
+          <a:effectRef idx="0">
+            <a:schemeClr val="accent1"/>
+          </a:effectRef>
+          <a:fontRef idx="minor">
+            <a:schemeClr val="tx1"/>
+          </a:fontRef>
+        </p:style>
+      </p:cxnSp>
+      <p:cxnSp>
+        <p:nvCxnSpPr>
+          <p:cNvPr id="43" name="直接箭头连接符 42">
+            <a:extLst>
+              <a:ext uri="{FF2B5EF4-FFF2-40B4-BE49-F238E27FC236}">
+                <a16:creationId xmlns:a16="http://schemas.microsoft.com/office/drawing/2014/main" id="{2D00E9F8-3337-4988-9D70-B8F25A57C6AE}"/>
+              </a:ext>
+            </a:extLst>
+          </p:cNvPr>
+          <p:cNvCxnSpPr>
+            <a:stCxn id="24" idx="3"/>
+            <a:endCxn id="26" idx="1"/>
+          </p:cNvCxnSpPr>
+          <p:nvPr/>
+        </p:nvCxnSpPr>
+        <p:spPr>
+          <a:xfrm>
+            <a:off x="9960574" y="1687813"/>
+            <a:ext cx="400692" cy="0"/>
+          </a:xfrm>
+          <a:prstGeom prst="straightConnector1">
+            <a:avLst/>
+          </a:prstGeom>
+          <a:ln w="28575">
+            <a:solidFill>
+              <a:schemeClr val="tx1"/>
+            </a:solidFill>
+            <a:tailEnd type="triangle"/>
+          </a:ln>
+        </p:spPr>
+        <p:style>
+          <a:lnRef idx="1">
+            <a:schemeClr val="accent1"/>
+          </a:lnRef>
+          <a:fillRef idx="0">
+            <a:schemeClr val="accent1"/>
+          </a:fillRef>
+          <a:effectRef idx="0">
+            <a:schemeClr val="accent1"/>
+          </a:effectRef>
+          <a:fontRef idx="minor">
+            <a:schemeClr val="tx1"/>
+          </a:fontRef>
+        </p:style>
+      </p:cxnSp>
     </p:spTree>
     <p:extLst>
       <p:ext uri="{BB962C8B-B14F-4D97-AF65-F5344CB8AC3E}">
@@ -9195,6 +9498,180 @@
           </a:p>
         </p:txBody>
       </p:sp>
+      <p:cxnSp>
+        <p:nvCxnSpPr>
+          <p:cNvPr id="15" name="直接连接符 14">
+            <a:extLst>
+              <a:ext uri="{FF2B5EF4-FFF2-40B4-BE49-F238E27FC236}">
+                <a16:creationId xmlns:a16="http://schemas.microsoft.com/office/drawing/2014/main" id="{7594E150-85EA-477D-A559-2A7B2DA4A9B5}"/>
+              </a:ext>
+            </a:extLst>
+          </p:cNvPr>
+          <p:cNvCxnSpPr/>
+          <p:nvPr/>
+        </p:nvCxnSpPr>
+        <p:spPr>
+          <a:xfrm flipH="1">
+            <a:off x="2506894" y="998366"/>
+            <a:ext cx="1998102" cy="432188"/>
+          </a:xfrm>
+          <a:prstGeom prst="line">
+            <a:avLst/>
+          </a:prstGeom>
+          <a:ln w="28575">
+            <a:solidFill>
+              <a:schemeClr val="tx1"/>
+            </a:solidFill>
+            <a:prstDash val="dash"/>
+          </a:ln>
+        </p:spPr>
+        <p:style>
+          <a:lnRef idx="1">
+            <a:schemeClr val="accent1"/>
+          </a:lnRef>
+          <a:fillRef idx="0">
+            <a:schemeClr val="accent1"/>
+          </a:fillRef>
+          <a:effectRef idx="0">
+            <a:schemeClr val="accent1"/>
+          </a:effectRef>
+          <a:fontRef idx="minor">
+            <a:schemeClr val="tx1"/>
+          </a:fontRef>
+        </p:style>
+      </p:cxnSp>
+      <p:cxnSp>
+        <p:nvCxnSpPr>
+          <p:cNvPr id="19" name="直接连接符 18">
+            <a:extLst>
+              <a:ext uri="{FF2B5EF4-FFF2-40B4-BE49-F238E27FC236}">
+                <a16:creationId xmlns:a16="http://schemas.microsoft.com/office/drawing/2014/main" id="{B2F3B461-E1DA-49E4-9506-1E4329509275}"/>
+              </a:ext>
+            </a:extLst>
+          </p:cNvPr>
+          <p:cNvCxnSpPr/>
+          <p:nvPr/>
+        </p:nvCxnSpPr>
+        <p:spPr>
+          <a:xfrm>
+            <a:off x="6056394" y="998366"/>
+            <a:ext cx="1952090" cy="432188"/>
+          </a:xfrm>
+          <a:prstGeom prst="line">
+            <a:avLst/>
+          </a:prstGeom>
+          <a:ln w="28575">
+            <a:solidFill>
+              <a:schemeClr val="tx1"/>
+            </a:solidFill>
+            <a:prstDash val="dash"/>
+          </a:ln>
+        </p:spPr>
+        <p:style>
+          <a:lnRef idx="1">
+            <a:schemeClr val="accent1"/>
+          </a:lnRef>
+          <a:fillRef idx="0">
+            <a:schemeClr val="accent1"/>
+          </a:fillRef>
+          <a:effectRef idx="0">
+            <a:schemeClr val="accent1"/>
+          </a:effectRef>
+          <a:fontRef idx="minor">
+            <a:schemeClr val="tx1"/>
+          </a:fontRef>
+        </p:style>
+      </p:cxnSp>
+      <p:cxnSp>
+        <p:nvCxnSpPr>
+          <p:cNvPr id="22" name="直接箭头连接符 21">
+            <a:extLst>
+              <a:ext uri="{FF2B5EF4-FFF2-40B4-BE49-F238E27FC236}">
+                <a16:creationId xmlns:a16="http://schemas.microsoft.com/office/drawing/2014/main" id="{935E05F9-0F59-490F-9F0C-9AE1E0363C3B}"/>
+              </a:ext>
+            </a:extLst>
+          </p:cNvPr>
+          <p:cNvCxnSpPr>
+            <a:stCxn id="14" idx="3"/>
+            <a:endCxn id="16" idx="1"/>
+          </p:cNvCxnSpPr>
+          <p:nvPr/>
+        </p:nvCxnSpPr>
+        <p:spPr>
+          <a:xfrm>
+            <a:off x="4058292" y="1687813"/>
+            <a:ext cx="446704" cy="0"/>
+          </a:xfrm>
+          <a:prstGeom prst="straightConnector1">
+            <a:avLst/>
+          </a:prstGeom>
+          <a:ln w="28575">
+            <a:solidFill>
+              <a:schemeClr val="tx1"/>
+            </a:solidFill>
+            <a:tailEnd type="triangle"/>
+          </a:ln>
+        </p:spPr>
+        <p:style>
+          <a:lnRef idx="1">
+            <a:schemeClr val="accent1"/>
+          </a:lnRef>
+          <a:fillRef idx="0">
+            <a:schemeClr val="accent1"/>
+          </a:fillRef>
+          <a:effectRef idx="0">
+            <a:schemeClr val="accent1"/>
+          </a:effectRef>
+          <a:fontRef idx="minor">
+            <a:schemeClr val="tx1"/>
+          </a:fontRef>
+        </p:style>
+      </p:cxnSp>
+      <p:cxnSp>
+        <p:nvCxnSpPr>
+          <p:cNvPr id="25" name="直接箭头连接符 24">
+            <a:extLst>
+              <a:ext uri="{FF2B5EF4-FFF2-40B4-BE49-F238E27FC236}">
+                <a16:creationId xmlns:a16="http://schemas.microsoft.com/office/drawing/2014/main" id="{669E59DA-4073-420B-A2B7-0D5BF884A30D}"/>
+              </a:ext>
+            </a:extLst>
+          </p:cNvPr>
+          <p:cNvCxnSpPr>
+            <a:stCxn id="16" idx="3"/>
+            <a:endCxn id="17" idx="1"/>
+          </p:cNvCxnSpPr>
+          <p:nvPr/>
+        </p:nvCxnSpPr>
+        <p:spPr>
+          <a:xfrm>
+            <a:off x="6056394" y="1687813"/>
+            <a:ext cx="400692" cy="0"/>
+          </a:xfrm>
+          <a:prstGeom prst="straightConnector1">
+            <a:avLst/>
+          </a:prstGeom>
+          <a:ln w="28575">
+            <a:solidFill>
+              <a:schemeClr val="tx1"/>
+            </a:solidFill>
+            <a:tailEnd type="triangle"/>
+          </a:ln>
+        </p:spPr>
+        <p:style>
+          <a:lnRef idx="1">
+            <a:schemeClr val="accent1"/>
+          </a:lnRef>
+          <a:fillRef idx="0">
+            <a:schemeClr val="accent1"/>
+          </a:fillRef>
+          <a:effectRef idx="0">
+            <a:schemeClr val="accent1"/>
+          </a:effectRef>
+          <a:fontRef idx="minor">
+            <a:schemeClr val="tx1"/>
+          </a:fontRef>
+        </p:style>
+      </p:cxnSp>
     </p:spTree>
     <p:extLst>
       <p:ext uri="{BB962C8B-B14F-4D97-AF65-F5344CB8AC3E}">
@@ -9835,7 +10312,7 @@
                   <a:sysClr val="windowText" lastClr="000000"/>
                 </a:solidFill>
               </a:rPr>
-              <a:t>火山</a:t>
+              <a:t>终局</a:t>
             </a:r>
           </a:p>
         </p:txBody>
@@ -9970,7 +10447,7 @@
                   <a:sysClr val="windowText" lastClr="000000"/>
                 </a:solidFill>
               </a:rPr>
-              <a:t>野外</a:t>
+              <a:t>天空城</a:t>
             </a:r>
           </a:p>
         </p:txBody>
@@ -10029,7 +10506,7 @@
                   <a:sysClr val="windowText" lastClr="000000"/>
                 </a:solidFill>
               </a:rPr>
-              <a:t>官邸内部</a:t>
+              <a:t>灰王城</a:t>
             </a:r>
           </a:p>
         </p:txBody>
@@ -10124,24 +10601,172 @@
           </a:fontRef>
         </p:style>
       </p:cxnSp>
+      <p:sp>
+        <p:nvSpPr>
+          <p:cNvPr id="33" name="文本框 32">
+            <a:extLst>
+              <a:ext uri="{FF2B5EF4-FFF2-40B4-BE49-F238E27FC236}">
+                <a16:creationId xmlns:a16="http://schemas.microsoft.com/office/drawing/2014/main" id="{48AE5369-7012-43A8-98C0-4DD418BE10E9}"/>
+              </a:ext>
+            </a:extLst>
+          </p:cNvPr>
+          <p:cNvSpPr txBox="1"/>
+          <p:nvPr/>
+        </p:nvSpPr>
+        <p:spPr>
+          <a:xfrm>
+            <a:off x="6678786" y="3766142"/>
+            <a:ext cx="1107996" cy="369332"/>
+          </a:xfrm>
+          <a:prstGeom prst="rect">
+            <a:avLst/>
+          </a:prstGeom>
+          <a:noFill/>
+        </p:spPr>
+        <p:txBody>
+          <a:bodyPr wrap="none" rtlCol="0">
+            <a:spAutoFit/>
+          </a:bodyPr>
+          <a:lstStyle/>
+          <a:p>
+            <a:r>
+              <a:rPr lang="zh-CN" altLang="en-US" dirty="0"/>
+              <a:t>两个温床</a:t>
+            </a:r>
+          </a:p>
+        </p:txBody>
+      </p:sp>
+      <p:sp>
+        <p:nvSpPr>
+          <p:cNvPr id="29" name="文本框 28">
+            <a:extLst>
+              <a:ext uri="{FF2B5EF4-FFF2-40B4-BE49-F238E27FC236}">
+                <a16:creationId xmlns:a16="http://schemas.microsoft.com/office/drawing/2014/main" id="{0F3F1BEE-F59D-4EB0-8F2E-E2E5BE8A1484}"/>
+              </a:ext>
+            </a:extLst>
+          </p:cNvPr>
+          <p:cNvSpPr txBox="1"/>
+          <p:nvPr/>
+        </p:nvSpPr>
+        <p:spPr>
+          <a:xfrm>
+            <a:off x="2667681" y="5753178"/>
+            <a:ext cx="1107996" cy="646331"/>
+          </a:xfrm>
+          <a:prstGeom prst="rect">
+            <a:avLst/>
+          </a:prstGeom>
+          <a:noFill/>
+        </p:spPr>
+        <p:txBody>
+          <a:bodyPr wrap="none" rtlCol="0">
+            <a:spAutoFit/>
+          </a:bodyPr>
+          <a:lstStyle/>
+          <a:p>
+            <a:r>
+              <a:rPr lang="zh-CN" altLang="en-US" dirty="0"/>
+              <a:t>米莉森</a:t>
+            </a:r>
+            <a:endParaRPr lang="en-US" altLang="zh-CN" dirty="0"/>
+          </a:p>
+          <a:p>
+            <a:r>
+              <a:rPr lang="zh-CN" altLang="en-US" dirty="0"/>
+              <a:t>夏波利利</a:t>
+            </a:r>
+          </a:p>
+        </p:txBody>
+      </p:sp>
+      <p:sp>
+        <p:nvSpPr>
+          <p:cNvPr id="27" name="文本框 26">
+            <a:extLst>
+              <a:ext uri="{FF2B5EF4-FFF2-40B4-BE49-F238E27FC236}">
+                <a16:creationId xmlns:a16="http://schemas.microsoft.com/office/drawing/2014/main" id="{2DE33CC0-C52B-436F-BC46-53CB9ADEB086}"/>
+              </a:ext>
+            </a:extLst>
+          </p:cNvPr>
+          <p:cNvSpPr txBox="1"/>
+          <p:nvPr/>
+        </p:nvSpPr>
+        <p:spPr>
+          <a:xfrm>
+            <a:off x="6458343" y="5824737"/>
+            <a:ext cx="1569660" cy="369332"/>
+          </a:xfrm>
+          <a:prstGeom prst="rect">
+            <a:avLst/>
+          </a:prstGeom>
+          <a:noFill/>
+        </p:spPr>
+        <p:txBody>
+          <a:bodyPr wrap="none" rtlCol="0">
+            <a:spAutoFit/>
+          </a:bodyPr>
+          <a:lstStyle/>
+          <a:p>
+            <a:r>
+              <a:rPr lang="zh-CN" altLang="en-US" dirty="0"/>
+              <a:t>米莉森在圣树</a:t>
+            </a:r>
+          </a:p>
+        </p:txBody>
+      </p:sp>
+      <p:sp>
+        <p:nvSpPr>
+          <p:cNvPr id="30" name="文本框 29">
+            <a:extLst>
+              <a:ext uri="{FF2B5EF4-FFF2-40B4-BE49-F238E27FC236}">
+                <a16:creationId xmlns:a16="http://schemas.microsoft.com/office/drawing/2014/main" id="{C6C243EC-FF45-428A-8964-D8E99D520808}"/>
+              </a:ext>
+            </a:extLst>
+          </p:cNvPr>
+          <p:cNvSpPr txBox="1"/>
+          <p:nvPr/>
+        </p:nvSpPr>
+        <p:spPr>
+          <a:xfrm>
+            <a:off x="10582967" y="5183166"/>
+            <a:ext cx="1120820" cy="369332"/>
+          </a:xfrm>
+          <a:prstGeom prst="rect">
+            <a:avLst/>
+          </a:prstGeom>
+          <a:noFill/>
+        </p:spPr>
+        <p:txBody>
+          <a:bodyPr wrap="none" rtlCol="0">
+            <a:spAutoFit/>
+          </a:bodyPr>
+          <a:lstStyle/>
+          <a:p>
+            <a:r>
+              <a:rPr lang="zh-CN" altLang="en-US" dirty="0"/>
+              <a:t>获得卢恩</a:t>
+            </a:r>
+          </a:p>
+        </p:txBody>
+      </p:sp>
       <p:cxnSp>
         <p:nvCxnSpPr>
-          <p:cNvPr id="34" name="直接箭头连接符 33">
-            <a:extLst>
-              <a:ext uri="{FF2B5EF4-FFF2-40B4-BE49-F238E27FC236}">
-                <a16:creationId xmlns:a16="http://schemas.microsoft.com/office/drawing/2014/main" id="{2CF4EBA8-BF3A-40FF-B292-EC47FACC6BA5}"/>
+          <p:cNvPr id="15" name="直接箭头连接符 14">
+            <a:extLst>
+              <a:ext uri="{FF2B5EF4-FFF2-40B4-BE49-F238E27FC236}">
+                <a16:creationId xmlns:a16="http://schemas.microsoft.com/office/drawing/2014/main" id="{7F21392E-567D-4291-81EE-C0B8473308E9}"/>
               </a:ext>
             </a:extLst>
           </p:cNvPr>
           <p:cNvCxnSpPr>
-            <a:stCxn id="25" idx="3"/>
+            <a:stCxn id="14" idx="3"/>
+            <a:endCxn id="16" idx="1"/>
           </p:cNvCxnSpPr>
           <p:nvPr/>
         </p:nvCxnSpPr>
         <p:spPr>
           <a:xfrm>
-            <a:off x="10886626" y="741107"/>
-            <a:ext cx="1026038" cy="0"/>
+            <a:off x="4058292" y="1687813"/>
+            <a:ext cx="446704" cy="0"/>
           </a:xfrm>
           <a:prstGeom prst="straightConnector1">
             <a:avLst/>
@@ -10168,83 +10793,264 @@
           </a:fontRef>
         </p:style>
       </p:cxnSp>
-      <p:sp>
-        <p:nvSpPr>
-          <p:cNvPr id="33" name="文本框 32">
-            <a:extLst>
-              <a:ext uri="{FF2B5EF4-FFF2-40B4-BE49-F238E27FC236}">
-                <a16:creationId xmlns:a16="http://schemas.microsoft.com/office/drawing/2014/main" id="{48AE5369-7012-43A8-98C0-4DD418BE10E9}"/>
-              </a:ext>
-            </a:extLst>
-          </p:cNvPr>
-          <p:cNvSpPr txBox="1"/>
-          <p:nvPr/>
-        </p:nvSpPr>
-        <p:spPr>
-          <a:xfrm>
-            <a:off x="6678786" y="3766142"/>
-            <a:ext cx="1107996" cy="369332"/>
-          </a:xfrm>
-          <a:prstGeom prst="rect">
-            <a:avLst/>
-          </a:prstGeom>
-          <a:noFill/>
-        </p:spPr>
-        <p:txBody>
-          <a:bodyPr wrap="none" rtlCol="0">
-            <a:spAutoFit/>
-          </a:bodyPr>
-          <a:lstStyle/>
-          <a:p>
-            <a:r>
-              <a:rPr lang="zh-CN" altLang="en-US" dirty="0"/>
-              <a:t>两个温床</a:t>
-            </a:r>
-          </a:p>
-        </p:txBody>
-      </p:sp>
-      <p:sp>
-        <p:nvSpPr>
-          <p:cNvPr id="29" name="文本框 28">
-            <a:extLst>
-              <a:ext uri="{FF2B5EF4-FFF2-40B4-BE49-F238E27FC236}">
-                <a16:creationId xmlns:a16="http://schemas.microsoft.com/office/drawing/2014/main" id="{0F3F1BEE-F59D-4EB0-8F2E-E2E5BE8A1484}"/>
-              </a:ext>
-            </a:extLst>
-          </p:cNvPr>
-          <p:cNvSpPr txBox="1"/>
-          <p:nvPr/>
-        </p:nvSpPr>
-        <p:spPr>
-          <a:xfrm>
-            <a:off x="2667681" y="5753178"/>
-            <a:ext cx="1107996" cy="646331"/>
-          </a:xfrm>
-          <a:prstGeom prst="rect">
-            <a:avLst/>
-          </a:prstGeom>
-          <a:noFill/>
-        </p:spPr>
-        <p:txBody>
-          <a:bodyPr wrap="none" rtlCol="0">
-            <a:spAutoFit/>
-          </a:bodyPr>
-          <a:lstStyle/>
-          <a:p>
-            <a:r>
-              <a:rPr lang="zh-CN" altLang="en-US" dirty="0"/>
-              <a:t>米莉森</a:t>
-            </a:r>
-            <a:endParaRPr lang="en-US" altLang="zh-CN" dirty="0"/>
-          </a:p>
-          <a:p>
-            <a:r>
-              <a:rPr lang="zh-CN" altLang="en-US" dirty="0"/>
-              <a:t>夏波利利</a:t>
-            </a:r>
-          </a:p>
-        </p:txBody>
-      </p:sp>
+      <p:cxnSp>
+        <p:nvCxnSpPr>
+          <p:cNvPr id="19" name="直接箭头连接符 18">
+            <a:extLst>
+              <a:ext uri="{FF2B5EF4-FFF2-40B4-BE49-F238E27FC236}">
+                <a16:creationId xmlns:a16="http://schemas.microsoft.com/office/drawing/2014/main" id="{DDCB6CA5-AED5-4023-8A3A-EBE63F3C12A5}"/>
+              </a:ext>
+            </a:extLst>
+          </p:cNvPr>
+          <p:cNvCxnSpPr>
+            <a:stCxn id="16" idx="3"/>
+            <a:endCxn id="17" idx="1"/>
+          </p:cNvCxnSpPr>
+          <p:nvPr/>
+        </p:nvCxnSpPr>
+        <p:spPr>
+          <a:xfrm>
+            <a:off x="6056394" y="1687813"/>
+            <a:ext cx="400692" cy="0"/>
+          </a:xfrm>
+          <a:prstGeom prst="straightConnector1">
+            <a:avLst/>
+          </a:prstGeom>
+          <a:ln w="28575">
+            <a:solidFill>
+              <a:schemeClr val="tx1"/>
+            </a:solidFill>
+            <a:tailEnd type="triangle"/>
+          </a:ln>
+        </p:spPr>
+        <p:style>
+          <a:lnRef idx="1">
+            <a:schemeClr val="accent1"/>
+          </a:lnRef>
+          <a:fillRef idx="0">
+            <a:schemeClr val="accent1"/>
+          </a:fillRef>
+          <a:effectRef idx="0">
+            <a:schemeClr val="accent1"/>
+          </a:effectRef>
+          <a:fontRef idx="minor">
+            <a:schemeClr val="tx1"/>
+          </a:fontRef>
+        </p:style>
+      </p:cxnSp>
+      <p:cxnSp>
+        <p:nvCxnSpPr>
+          <p:cNvPr id="22" name="直接箭头连接符 21">
+            <a:extLst>
+              <a:ext uri="{FF2B5EF4-FFF2-40B4-BE49-F238E27FC236}">
+                <a16:creationId xmlns:a16="http://schemas.microsoft.com/office/drawing/2014/main" id="{7F7FE14A-9548-47CF-B460-8FDF6A570B8E}"/>
+              </a:ext>
+            </a:extLst>
+          </p:cNvPr>
+          <p:cNvCxnSpPr>
+            <a:stCxn id="24" idx="3"/>
+            <a:endCxn id="26" idx="1"/>
+          </p:cNvCxnSpPr>
+          <p:nvPr/>
+        </p:nvCxnSpPr>
+        <p:spPr>
+          <a:xfrm>
+            <a:off x="9960574" y="1687813"/>
+            <a:ext cx="400692" cy="0"/>
+          </a:xfrm>
+          <a:prstGeom prst="straightConnector1">
+            <a:avLst/>
+          </a:prstGeom>
+          <a:ln w="28575">
+            <a:solidFill>
+              <a:schemeClr val="tx1"/>
+            </a:solidFill>
+            <a:tailEnd type="triangle"/>
+          </a:ln>
+        </p:spPr>
+        <p:style>
+          <a:lnRef idx="1">
+            <a:schemeClr val="accent1"/>
+          </a:lnRef>
+          <a:fillRef idx="0">
+            <a:schemeClr val="accent1"/>
+          </a:fillRef>
+          <a:effectRef idx="0">
+            <a:schemeClr val="accent1"/>
+          </a:effectRef>
+          <a:fontRef idx="minor">
+            <a:schemeClr val="tx1"/>
+          </a:fontRef>
+        </p:style>
+      </p:cxnSp>
+      <p:cxnSp>
+        <p:nvCxnSpPr>
+          <p:cNvPr id="32" name="直接连接符 31">
+            <a:extLst>
+              <a:ext uri="{FF2B5EF4-FFF2-40B4-BE49-F238E27FC236}">
+                <a16:creationId xmlns:a16="http://schemas.microsoft.com/office/drawing/2014/main" id="{2C7B779C-5A7B-4A9B-BF95-3E7F30CB864C}"/>
+              </a:ext>
+            </a:extLst>
+          </p:cNvPr>
+          <p:cNvCxnSpPr/>
+          <p:nvPr/>
+        </p:nvCxnSpPr>
+        <p:spPr>
+          <a:xfrm flipH="1">
+            <a:off x="2506894" y="998366"/>
+            <a:ext cx="1998102" cy="432188"/>
+          </a:xfrm>
+          <a:prstGeom prst="line">
+            <a:avLst/>
+          </a:prstGeom>
+          <a:ln w="28575">
+            <a:solidFill>
+              <a:schemeClr val="tx1"/>
+            </a:solidFill>
+            <a:prstDash val="dash"/>
+          </a:ln>
+        </p:spPr>
+        <p:style>
+          <a:lnRef idx="1">
+            <a:schemeClr val="accent1"/>
+          </a:lnRef>
+          <a:fillRef idx="0">
+            <a:schemeClr val="accent1"/>
+          </a:fillRef>
+          <a:effectRef idx="0">
+            <a:schemeClr val="accent1"/>
+          </a:effectRef>
+          <a:fontRef idx="minor">
+            <a:schemeClr val="tx1"/>
+          </a:fontRef>
+        </p:style>
+      </p:cxnSp>
+      <p:cxnSp>
+        <p:nvCxnSpPr>
+          <p:cNvPr id="36" name="直接连接符 35">
+            <a:extLst>
+              <a:ext uri="{FF2B5EF4-FFF2-40B4-BE49-F238E27FC236}">
+                <a16:creationId xmlns:a16="http://schemas.microsoft.com/office/drawing/2014/main" id="{AC033729-CA4B-41B4-B866-F6DB2501D134}"/>
+              </a:ext>
+            </a:extLst>
+          </p:cNvPr>
+          <p:cNvCxnSpPr/>
+          <p:nvPr/>
+        </p:nvCxnSpPr>
+        <p:spPr>
+          <a:xfrm>
+            <a:off x="6056394" y="998366"/>
+            <a:ext cx="1952090" cy="307136"/>
+          </a:xfrm>
+          <a:prstGeom prst="line">
+            <a:avLst/>
+          </a:prstGeom>
+          <a:ln w="28575">
+            <a:solidFill>
+              <a:schemeClr val="tx1"/>
+            </a:solidFill>
+            <a:prstDash val="dash"/>
+          </a:ln>
+        </p:spPr>
+        <p:style>
+          <a:lnRef idx="1">
+            <a:schemeClr val="accent1"/>
+          </a:lnRef>
+          <a:fillRef idx="0">
+            <a:schemeClr val="accent1"/>
+          </a:fillRef>
+          <a:effectRef idx="0">
+            <a:schemeClr val="accent1"/>
+          </a:effectRef>
+          <a:fontRef idx="minor">
+            <a:schemeClr val="tx1"/>
+          </a:fontRef>
+        </p:style>
+      </p:cxnSp>
+      <p:cxnSp>
+        <p:nvCxnSpPr>
+          <p:cNvPr id="38" name="直接连接符 37">
+            <a:extLst>
+              <a:ext uri="{FF2B5EF4-FFF2-40B4-BE49-F238E27FC236}">
+                <a16:creationId xmlns:a16="http://schemas.microsoft.com/office/drawing/2014/main" id="{CBFFF9C9-1C84-42D9-B941-653CF7211379}"/>
+              </a:ext>
+            </a:extLst>
+          </p:cNvPr>
+          <p:cNvCxnSpPr/>
+          <p:nvPr/>
+        </p:nvCxnSpPr>
+        <p:spPr>
+          <a:xfrm flipH="1">
+            <a:off x="8409176" y="998366"/>
+            <a:ext cx="926052" cy="432188"/>
+          </a:xfrm>
+          <a:prstGeom prst="line">
+            <a:avLst/>
+          </a:prstGeom>
+          <a:ln w="28575">
+            <a:solidFill>
+              <a:schemeClr val="tx1"/>
+            </a:solidFill>
+            <a:prstDash val="dash"/>
+          </a:ln>
+        </p:spPr>
+        <p:style>
+          <a:lnRef idx="1">
+            <a:schemeClr val="accent1"/>
+          </a:lnRef>
+          <a:fillRef idx="0">
+            <a:schemeClr val="accent1"/>
+          </a:fillRef>
+          <a:effectRef idx="0">
+            <a:schemeClr val="accent1"/>
+          </a:effectRef>
+          <a:fontRef idx="minor">
+            <a:schemeClr val="tx1"/>
+          </a:fontRef>
+        </p:style>
+      </p:cxnSp>
+      <p:cxnSp>
+        <p:nvCxnSpPr>
+          <p:cNvPr id="40" name="直接连接符 39">
+            <a:extLst>
+              <a:ext uri="{FF2B5EF4-FFF2-40B4-BE49-F238E27FC236}">
+                <a16:creationId xmlns:a16="http://schemas.microsoft.com/office/drawing/2014/main" id="{E212F2D9-4869-46AF-B1D0-C94184E3BD36}"/>
+              </a:ext>
+            </a:extLst>
+          </p:cNvPr>
+          <p:cNvCxnSpPr/>
+          <p:nvPr/>
+        </p:nvCxnSpPr>
+        <p:spPr>
+          <a:xfrm>
+            <a:off x="10886626" y="998366"/>
+            <a:ext cx="1026038" cy="432188"/>
+          </a:xfrm>
+          <a:prstGeom prst="line">
+            <a:avLst/>
+          </a:prstGeom>
+          <a:ln w="28575">
+            <a:solidFill>
+              <a:schemeClr val="tx1"/>
+            </a:solidFill>
+            <a:prstDash val="dash"/>
+          </a:ln>
+        </p:spPr>
+        <p:style>
+          <a:lnRef idx="1">
+            <a:schemeClr val="accent1"/>
+          </a:lnRef>
+          <a:fillRef idx="0">
+            <a:schemeClr val="accent1"/>
+          </a:fillRef>
+          <a:effectRef idx="0">
+            <a:schemeClr val="accent1"/>
+          </a:effectRef>
+          <a:fontRef idx="minor">
+            <a:schemeClr val="tx1"/>
+          </a:fontRef>
+        </p:style>
+      </p:cxnSp>
     </p:spTree>
     <p:extLst>
       <p:ext uri="{BB962C8B-B14F-4D97-AF65-F5344CB8AC3E}">
